--- a/units/6/lessons/2/resources/petascale-lesson-6.2-slides.pptx
+++ b/units/6/lessons/2/resources/petascale-lesson-6.2-slides.pptx
@@ -4,22 +4,26 @@
   <p:sldMasterIdLst>
     <p:sldMasterId id="2147483648" r:id="rId1"/>
   </p:sldMasterIdLst>
+  <p:notesMasterIdLst>
+    <p:notesMasterId r:id="rId18"/>
+  </p:notesMasterIdLst>
   <p:sldIdLst>
-    <p:sldId id="256" r:id="rId2"/>
-    <p:sldId id="257" r:id="rId3"/>
-    <p:sldId id="258" r:id="rId4"/>
-    <p:sldId id="259" r:id="rId5"/>
-    <p:sldId id="260" r:id="rId6"/>
-    <p:sldId id="261" r:id="rId7"/>
-    <p:sldId id="262" r:id="rId8"/>
-    <p:sldId id="263" r:id="rId9"/>
-    <p:sldId id="264" r:id="rId10"/>
-    <p:sldId id="265" r:id="rId11"/>
-    <p:sldId id="266" r:id="rId12"/>
-    <p:sldId id="267" r:id="rId13"/>
-    <p:sldId id="268" r:id="rId14"/>
-    <p:sldId id="269" r:id="rId15"/>
-    <p:sldId id="270" r:id="rId16"/>
+    <p:sldId id="271" r:id="rId2"/>
+    <p:sldId id="272" r:id="rId3"/>
+    <p:sldId id="257" r:id="rId4"/>
+    <p:sldId id="258" r:id="rId5"/>
+    <p:sldId id="259" r:id="rId6"/>
+    <p:sldId id="260" r:id="rId7"/>
+    <p:sldId id="261" r:id="rId8"/>
+    <p:sldId id="262" r:id="rId9"/>
+    <p:sldId id="263" r:id="rId10"/>
+    <p:sldId id="264" r:id="rId11"/>
+    <p:sldId id="265" r:id="rId12"/>
+    <p:sldId id="266" r:id="rId13"/>
+    <p:sldId id="267" r:id="rId14"/>
+    <p:sldId id="268" r:id="rId15"/>
+    <p:sldId id="269" r:id="rId16"/>
+    <p:sldId id="270" r:id="rId17"/>
   </p:sldIdLst>
   <p:sldSz cx="9144000" cy="6858000" type="screen4x3"/>
   <p:notesSz cx="6858000" cy="9144000"/>
@@ -118,7 +122,458 @@
       </a:defRPr>
     </a:lvl9pPr>
   </p:defaultTextStyle>
+  <p:extLst>
+    <p:ext uri="{EFAFB233-063F-42B5-8137-9DF3F51BA10A}">
+      <p15:sldGuideLst xmlns:p15="http://schemas.microsoft.com/office/powerpoint/2012/main">
+        <p15:guide id="1" orient="horz" pos="2160">
+          <p15:clr>
+            <a:srgbClr val="A4A3A4"/>
+          </p15:clr>
+        </p15:guide>
+        <p15:guide id="2" pos="2880">
+          <p15:clr>
+            <a:srgbClr val="A4A3A4"/>
+          </p15:clr>
+        </p15:guide>
+      </p15:sldGuideLst>
+    </p:ext>
+  </p:extLst>
 </p:presentation>
+</file>
+
+<file path=ppt/notesMasters/notesMaster1.xml><?xml version="1.0" encoding="utf-8"?>
+<p:notesMaster xmlns:a="http://schemas.openxmlformats.org/drawingml/2006/main" xmlns:r="http://schemas.openxmlformats.org/officeDocument/2006/relationships" xmlns:p="http://schemas.openxmlformats.org/presentationml/2006/main">
+  <p:cSld>
+    <p:bg>
+      <p:bgRef idx="1001">
+        <a:schemeClr val="bg1"/>
+      </p:bgRef>
+    </p:bg>
+    <p:spTree>
+      <p:nvGrpSpPr>
+        <p:cNvPr id="1" name=""/>
+        <p:cNvGrpSpPr/>
+        <p:nvPr/>
+      </p:nvGrpSpPr>
+      <p:grpSpPr>
+        <a:xfrm>
+          <a:off x="0" y="0"/>
+          <a:ext cx="0" cy="0"/>
+          <a:chOff x="0" y="0"/>
+          <a:chExt cx="0" cy="0"/>
+        </a:xfrm>
+      </p:grpSpPr>
+      <p:sp>
+        <p:nvSpPr>
+          <p:cNvPr id="2" name="Header Placeholder 1"/>
+          <p:cNvSpPr>
+            <a:spLocks noGrp="1"/>
+          </p:cNvSpPr>
+          <p:nvPr>
+            <p:ph type="hdr" sz="quarter"/>
+          </p:nvPr>
+        </p:nvSpPr>
+        <p:spPr>
+          <a:xfrm>
+            <a:off x="0" y="0"/>
+            <a:ext cx="2971800" cy="458788"/>
+          </a:xfrm>
+          <a:prstGeom prst="rect">
+            <a:avLst/>
+          </a:prstGeom>
+        </p:spPr>
+        <p:txBody>
+          <a:bodyPr vert="horz" lIns="91440" tIns="45720" rIns="91440" bIns="45720" rtlCol="0"/>
+          <a:lstStyle>
+            <a:lvl1pPr algn="l">
+              <a:defRPr sz="1200"/>
+            </a:lvl1pPr>
+          </a:lstStyle>
+          <a:p>
+            <a:endParaRPr lang="en-US"/>
+          </a:p>
+        </p:txBody>
+      </p:sp>
+      <p:sp>
+        <p:nvSpPr>
+          <p:cNvPr id="3" name="Date Placeholder 2"/>
+          <p:cNvSpPr>
+            <a:spLocks noGrp="1"/>
+          </p:cNvSpPr>
+          <p:nvPr>
+            <p:ph type="dt" idx="1"/>
+          </p:nvPr>
+        </p:nvSpPr>
+        <p:spPr>
+          <a:xfrm>
+            <a:off x="3884613" y="0"/>
+            <a:ext cx="2971800" cy="458788"/>
+          </a:xfrm>
+          <a:prstGeom prst="rect">
+            <a:avLst/>
+          </a:prstGeom>
+        </p:spPr>
+        <p:txBody>
+          <a:bodyPr vert="horz" lIns="91440" tIns="45720" rIns="91440" bIns="45720" rtlCol="0"/>
+          <a:lstStyle>
+            <a:lvl1pPr algn="r">
+              <a:defRPr sz="1200"/>
+            </a:lvl1pPr>
+          </a:lstStyle>
+          <a:p>
+            <a:fld id="{198F8C69-B354-AA4A-BE89-23247935F46D}" type="datetimeFigureOut">
+              <a:rPr lang="en-US" smtClean="0"/>
+              <a:t>9/12/20</a:t>
+            </a:fld>
+            <a:endParaRPr lang="en-US"/>
+          </a:p>
+        </p:txBody>
+      </p:sp>
+      <p:sp>
+        <p:nvSpPr>
+          <p:cNvPr id="4" name="Slide Image Placeholder 3"/>
+          <p:cNvSpPr>
+            <a:spLocks noGrp="1" noRot="1" noChangeAspect="1"/>
+          </p:cNvSpPr>
+          <p:nvPr>
+            <p:ph type="sldImg" idx="2"/>
+          </p:nvPr>
+        </p:nvSpPr>
+        <p:spPr>
+          <a:xfrm>
+            <a:off x="1371600" y="1143000"/>
+            <a:ext cx="4114800" cy="3086100"/>
+          </a:xfrm>
+          <a:prstGeom prst="rect">
+            <a:avLst/>
+          </a:prstGeom>
+          <a:noFill/>
+          <a:ln w="12700">
+            <a:solidFill>
+              <a:prstClr val="black"/>
+            </a:solidFill>
+          </a:ln>
+        </p:spPr>
+        <p:txBody>
+          <a:bodyPr vert="horz" lIns="91440" tIns="45720" rIns="91440" bIns="45720" rtlCol="0" anchor="ctr"/>
+          <a:lstStyle/>
+          <a:p>
+            <a:endParaRPr lang="en-US"/>
+          </a:p>
+        </p:txBody>
+      </p:sp>
+      <p:sp>
+        <p:nvSpPr>
+          <p:cNvPr id="5" name="Notes Placeholder 4"/>
+          <p:cNvSpPr>
+            <a:spLocks noGrp="1"/>
+          </p:cNvSpPr>
+          <p:nvPr>
+            <p:ph type="body" sz="quarter" idx="3"/>
+          </p:nvPr>
+        </p:nvSpPr>
+        <p:spPr>
+          <a:xfrm>
+            <a:off x="685800" y="4400550"/>
+            <a:ext cx="5486400" cy="3600450"/>
+          </a:xfrm>
+          <a:prstGeom prst="rect">
+            <a:avLst/>
+          </a:prstGeom>
+        </p:spPr>
+        <p:txBody>
+          <a:bodyPr vert="horz" lIns="91440" tIns="45720" rIns="91440" bIns="45720" rtlCol="0"/>
+          <a:lstStyle/>
+          <a:p>
+            <a:pPr lvl="0"/>
+            <a:r>
+              <a:rPr lang="en-US" smtClean="0"/>
+              <a:t>Click to edit Master text styles</a:t>
+            </a:r>
+          </a:p>
+          <a:p>
+            <a:pPr lvl="1"/>
+            <a:r>
+              <a:rPr lang="en-US" smtClean="0"/>
+              <a:t>Second level</a:t>
+            </a:r>
+          </a:p>
+          <a:p>
+            <a:pPr lvl="2"/>
+            <a:r>
+              <a:rPr lang="en-US" smtClean="0"/>
+              <a:t>Third level</a:t>
+            </a:r>
+          </a:p>
+          <a:p>
+            <a:pPr lvl="3"/>
+            <a:r>
+              <a:rPr lang="en-US" smtClean="0"/>
+              <a:t>Fourth level</a:t>
+            </a:r>
+          </a:p>
+          <a:p>
+            <a:pPr lvl="4"/>
+            <a:r>
+              <a:rPr lang="en-US" smtClean="0"/>
+              <a:t>Fifth level</a:t>
+            </a:r>
+            <a:endParaRPr lang="en-US"/>
+          </a:p>
+        </p:txBody>
+      </p:sp>
+      <p:sp>
+        <p:nvSpPr>
+          <p:cNvPr id="6" name="Footer Placeholder 5"/>
+          <p:cNvSpPr>
+            <a:spLocks noGrp="1"/>
+          </p:cNvSpPr>
+          <p:nvPr>
+            <p:ph type="ftr" sz="quarter" idx="4"/>
+          </p:nvPr>
+        </p:nvSpPr>
+        <p:spPr>
+          <a:xfrm>
+            <a:off x="0" y="8685213"/>
+            <a:ext cx="2971800" cy="458787"/>
+          </a:xfrm>
+          <a:prstGeom prst="rect">
+            <a:avLst/>
+          </a:prstGeom>
+        </p:spPr>
+        <p:txBody>
+          <a:bodyPr vert="horz" lIns="91440" tIns="45720" rIns="91440" bIns="45720" rtlCol="0" anchor="b"/>
+          <a:lstStyle>
+            <a:lvl1pPr algn="l">
+              <a:defRPr sz="1200"/>
+            </a:lvl1pPr>
+          </a:lstStyle>
+          <a:p>
+            <a:endParaRPr lang="en-US"/>
+          </a:p>
+        </p:txBody>
+      </p:sp>
+      <p:sp>
+        <p:nvSpPr>
+          <p:cNvPr id="7" name="Slide Number Placeholder 6"/>
+          <p:cNvSpPr>
+            <a:spLocks noGrp="1"/>
+          </p:cNvSpPr>
+          <p:nvPr>
+            <p:ph type="sldNum" sz="quarter" idx="5"/>
+          </p:nvPr>
+        </p:nvSpPr>
+        <p:spPr>
+          <a:xfrm>
+            <a:off x="3884613" y="8685213"/>
+            <a:ext cx="2971800" cy="458787"/>
+          </a:xfrm>
+          <a:prstGeom prst="rect">
+            <a:avLst/>
+          </a:prstGeom>
+        </p:spPr>
+        <p:txBody>
+          <a:bodyPr vert="horz" lIns="91440" tIns="45720" rIns="91440" bIns="45720" rtlCol="0" anchor="b"/>
+          <a:lstStyle>
+            <a:lvl1pPr algn="r">
+              <a:defRPr sz="1200"/>
+            </a:lvl1pPr>
+          </a:lstStyle>
+          <a:p>
+            <a:fld id="{53991ABD-05F8-F841-A402-625DE2F3065A}" type="slidenum">
+              <a:rPr lang="en-US" smtClean="0"/>
+              <a:t>‹#›</a:t>
+            </a:fld>
+            <a:endParaRPr lang="en-US"/>
+          </a:p>
+        </p:txBody>
+      </p:sp>
+    </p:spTree>
+    <p:extLst>
+      <p:ext uri="{BB962C8B-B14F-4D97-AF65-F5344CB8AC3E}">
+        <p14:creationId xmlns:p14="http://schemas.microsoft.com/office/powerpoint/2010/main" val="1682739104"/>
+      </p:ext>
+    </p:extLst>
+  </p:cSld>
+  <p:clrMap bg1="lt1" tx1="dk1" bg2="lt2" tx2="dk2" accent1="accent1" accent2="accent2" accent3="accent3" accent4="accent4" accent5="accent5" accent6="accent6" hlink="hlink" folHlink="folHlink"/>
+  <p:notesStyle>
+    <a:lvl1pPr marL="0" algn="l" defTabSz="914400" rtl="0" eaLnBrk="1" latinLnBrk="0" hangingPunct="1">
+      <a:defRPr sz="1200" kern="1200">
+        <a:solidFill>
+          <a:schemeClr val="tx1"/>
+        </a:solidFill>
+        <a:latin typeface="+mn-lt"/>
+        <a:ea typeface="+mn-ea"/>
+        <a:cs typeface="+mn-cs"/>
+      </a:defRPr>
+    </a:lvl1pPr>
+    <a:lvl2pPr marL="457200" algn="l" defTabSz="914400" rtl="0" eaLnBrk="1" latinLnBrk="0" hangingPunct="1">
+      <a:defRPr sz="1200" kern="1200">
+        <a:solidFill>
+          <a:schemeClr val="tx1"/>
+        </a:solidFill>
+        <a:latin typeface="+mn-lt"/>
+        <a:ea typeface="+mn-ea"/>
+        <a:cs typeface="+mn-cs"/>
+      </a:defRPr>
+    </a:lvl2pPr>
+    <a:lvl3pPr marL="914400" algn="l" defTabSz="914400" rtl="0" eaLnBrk="1" latinLnBrk="0" hangingPunct="1">
+      <a:defRPr sz="1200" kern="1200">
+        <a:solidFill>
+          <a:schemeClr val="tx1"/>
+        </a:solidFill>
+        <a:latin typeface="+mn-lt"/>
+        <a:ea typeface="+mn-ea"/>
+        <a:cs typeface="+mn-cs"/>
+      </a:defRPr>
+    </a:lvl3pPr>
+    <a:lvl4pPr marL="1371600" algn="l" defTabSz="914400" rtl="0" eaLnBrk="1" latinLnBrk="0" hangingPunct="1">
+      <a:defRPr sz="1200" kern="1200">
+        <a:solidFill>
+          <a:schemeClr val="tx1"/>
+        </a:solidFill>
+        <a:latin typeface="+mn-lt"/>
+        <a:ea typeface="+mn-ea"/>
+        <a:cs typeface="+mn-cs"/>
+      </a:defRPr>
+    </a:lvl4pPr>
+    <a:lvl5pPr marL="1828800" algn="l" defTabSz="914400" rtl="0" eaLnBrk="1" latinLnBrk="0" hangingPunct="1">
+      <a:defRPr sz="1200" kern="1200">
+        <a:solidFill>
+          <a:schemeClr val="tx1"/>
+        </a:solidFill>
+        <a:latin typeface="+mn-lt"/>
+        <a:ea typeface="+mn-ea"/>
+        <a:cs typeface="+mn-cs"/>
+      </a:defRPr>
+    </a:lvl5pPr>
+    <a:lvl6pPr marL="2286000" algn="l" defTabSz="914400" rtl="0" eaLnBrk="1" latinLnBrk="0" hangingPunct="1">
+      <a:defRPr sz="1200" kern="1200">
+        <a:solidFill>
+          <a:schemeClr val="tx1"/>
+        </a:solidFill>
+        <a:latin typeface="+mn-lt"/>
+        <a:ea typeface="+mn-ea"/>
+        <a:cs typeface="+mn-cs"/>
+      </a:defRPr>
+    </a:lvl6pPr>
+    <a:lvl7pPr marL="2743200" algn="l" defTabSz="914400" rtl="0" eaLnBrk="1" latinLnBrk="0" hangingPunct="1">
+      <a:defRPr sz="1200" kern="1200">
+        <a:solidFill>
+          <a:schemeClr val="tx1"/>
+        </a:solidFill>
+        <a:latin typeface="+mn-lt"/>
+        <a:ea typeface="+mn-ea"/>
+        <a:cs typeface="+mn-cs"/>
+      </a:defRPr>
+    </a:lvl7pPr>
+    <a:lvl8pPr marL="3200400" algn="l" defTabSz="914400" rtl="0" eaLnBrk="1" latinLnBrk="0" hangingPunct="1">
+      <a:defRPr sz="1200" kern="1200">
+        <a:solidFill>
+          <a:schemeClr val="tx1"/>
+        </a:solidFill>
+        <a:latin typeface="+mn-lt"/>
+        <a:ea typeface="+mn-ea"/>
+        <a:cs typeface="+mn-cs"/>
+      </a:defRPr>
+    </a:lvl8pPr>
+    <a:lvl9pPr marL="3657600" algn="l" defTabSz="914400" rtl="0" eaLnBrk="1" latinLnBrk="0" hangingPunct="1">
+      <a:defRPr sz="1200" kern="1200">
+        <a:solidFill>
+          <a:schemeClr val="tx1"/>
+        </a:solidFill>
+        <a:latin typeface="+mn-lt"/>
+        <a:ea typeface="+mn-ea"/>
+        <a:cs typeface="+mn-cs"/>
+      </a:defRPr>
+    </a:lvl9pPr>
+  </p:notesStyle>
+</p:notesMaster>
+</file>
+
+<file path=ppt/notesSlides/notesSlide1.xml><?xml version="1.0" encoding="utf-8"?>
+<p:notes xmlns:a="http://schemas.openxmlformats.org/drawingml/2006/main" xmlns:r="http://schemas.openxmlformats.org/officeDocument/2006/relationships" xmlns:p="http://schemas.openxmlformats.org/presentationml/2006/main">
+  <p:cSld>
+    <p:spTree>
+      <p:nvGrpSpPr>
+        <p:cNvPr id="1" name=""/>
+        <p:cNvGrpSpPr/>
+        <p:nvPr/>
+      </p:nvGrpSpPr>
+      <p:grpSpPr>
+        <a:xfrm>
+          <a:off x="0" y="0"/>
+          <a:ext cx="0" cy="0"/>
+          <a:chOff x="0" y="0"/>
+          <a:chExt cx="0" cy="0"/>
+        </a:xfrm>
+      </p:grpSpPr>
+      <p:sp>
+        <p:nvSpPr>
+          <p:cNvPr id="2" name="Slide Image Placeholder 1"/>
+          <p:cNvSpPr>
+            <a:spLocks noGrp="1" noRot="1" noChangeAspect="1"/>
+          </p:cNvSpPr>
+          <p:nvPr>
+            <p:ph type="sldImg"/>
+          </p:nvPr>
+        </p:nvSpPr>
+        <p:spPr>
+          <a:xfrm>
+            <a:off x="1143000" y="685800"/>
+            <a:ext cx="4572000" cy="3429000"/>
+          </a:xfrm>
+        </p:spPr>
+      </p:sp>
+      <p:sp>
+        <p:nvSpPr>
+          <p:cNvPr id="3" name="Notes Placeholder 2"/>
+          <p:cNvSpPr>
+            <a:spLocks noGrp="1"/>
+          </p:cNvSpPr>
+          <p:nvPr>
+            <p:ph type="body" idx="1"/>
+          </p:nvPr>
+        </p:nvSpPr>
+        <p:spPr/>
+        <p:txBody>
+          <a:bodyPr/>
+          <a:lstStyle/>
+          <a:p>
+            <a:pPr marL="457200" marR="0" lvl="0" indent="-298450" algn="l" defTabSz="914400" rtl="0" eaLnBrk="1" fontAlgn="auto" latinLnBrk="0" hangingPunct="1">
+              <a:lnSpc>
+                <a:spcPct val="100000"/>
+              </a:lnSpc>
+              <a:spcBef>
+                <a:spcPts val="0"/>
+              </a:spcBef>
+              <a:spcAft>
+                <a:spcPts val="0"/>
+              </a:spcAft>
+              <a:buClr>
+                <a:srgbClr val="000000"/>
+              </a:buClr>
+              <a:buSzPts val="1100"/>
+              <a:buFont typeface="Arial"/>
+              <a:buNone/>
+              <a:tabLst/>
+              <a:defRPr/>
+            </a:pPr>
+            <a:endParaRPr lang="en-US" dirty="0"/>
+          </a:p>
+        </p:txBody>
+      </p:sp>
+    </p:spTree>
+    <p:extLst>
+      <p:ext uri="{BB962C8B-B14F-4D97-AF65-F5344CB8AC3E}">
+        <p14:creationId xmlns:p14="http://schemas.microsoft.com/office/powerpoint/2010/main" val="1583973585"/>
+      </p:ext>
+    </p:extLst>
+  </p:cSld>
+  <p:clrMapOvr>
+    <a:masterClrMapping/>
+  </p:clrMapOvr>
+</p:notes>
 </file>
 
 <file path=ppt/slideLayouts/slideLayout1.xml><?xml version="1.0" encoding="utf-8"?>
@@ -302,7 +757,7 @@
           <a:p>
             <a:fld id="{2DB20506-12EC-1649-864B-FCEFF4C5FDE1}" type="datetimeFigureOut">
               <a:rPr lang="en-US" smtClean="0"/>
-              <a:t>6/26/20</a:t>
+              <a:t>9/12/20</a:t>
             </a:fld>
             <a:endParaRPr lang="en-US"/>
           </a:p>
@@ -472,7 +927,7 @@
           <a:p>
             <a:fld id="{2DB20506-12EC-1649-864B-FCEFF4C5FDE1}" type="datetimeFigureOut">
               <a:rPr lang="en-US" smtClean="0"/>
-              <a:t>6/26/20</a:t>
+              <a:t>9/12/20</a:t>
             </a:fld>
             <a:endParaRPr lang="en-US"/>
           </a:p>
@@ -652,7 +1107,7 @@
           <a:p>
             <a:fld id="{2DB20506-12EC-1649-864B-FCEFF4C5FDE1}" type="datetimeFigureOut">
               <a:rPr lang="en-US" smtClean="0"/>
-              <a:t>6/26/20</a:t>
+              <a:t>9/12/20</a:t>
             </a:fld>
             <a:endParaRPr lang="en-US"/>
           </a:p>
@@ -822,7 +1277,7 @@
           <a:p>
             <a:fld id="{2DB20506-12EC-1649-864B-FCEFF4C5FDE1}" type="datetimeFigureOut">
               <a:rPr lang="en-US" smtClean="0"/>
-              <a:t>6/26/20</a:t>
+              <a:t>9/12/20</a:t>
             </a:fld>
             <a:endParaRPr lang="en-US"/>
           </a:p>
@@ -1068,7 +1523,7 @@
           <a:p>
             <a:fld id="{2DB20506-12EC-1649-864B-FCEFF4C5FDE1}" type="datetimeFigureOut">
               <a:rPr lang="en-US" smtClean="0"/>
-              <a:t>6/26/20</a:t>
+              <a:t>9/12/20</a:t>
             </a:fld>
             <a:endParaRPr lang="en-US"/>
           </a:p>
@@ -1356,7 +1811,7 @@
           <a:p>
             <a:fld id="{2DB20506-12EC-1649-864B-FCEFF4C5FDE1}" type="datetimeFigureOut">
               <a:rPr lang="en-US" smtClean="0"/>
-              <a:t>6/26/20</a:t>
+              <a:t>9/12/20</a:t>
             </a:fld>
             <a:endParaRPr lang="en-US"/>
           </a:p>
@@ -1778,7 +2233,7 @@
           <a:p>
             <a:fld id="{2DB20506-12EC-1649-864B-FCEFF4C5FDE1}" type="datetimeFigureOut">
               <a:rPr lang="en-US" smtClean="0"/>
-              <a:t>6/26/20</a:t>
+              <a:t>9/12/20</a:t>
             </a:fld>
             <a:endParaRPr lang="en-US"/>
           </a:p>
@@ -1896,7 +2351,7 @@
           <a:p>
             <a:fld id="{2DB20506-12EC-1649-864B-FCEFF4C5FDE1}" type="datetimeFigureOut">
               <a:rPr lang="en-US" smtClean="0"/>
-              <a:t>6/26/20</a:t>
+              <a:t>9/12/20</a:t>
             </a:fld>
             <a:endParaRPr lang="en-US"/>
           </a:p>
@@ -1991,7 +2446,7 @@
           <a:p>
             <a:fld id="{2DB20506-12EC-1649-864B-FCEFF4C5FDE1}" type="datetimeFigureOut">
               <a:rPr lang="en-US" smtClean="0"/>
-              <a:t>6/26/20</a:t>
+              <a:t>9/12/20</a:t>
             </a:fld>
             <a:endParaRPr lang="en-US"/>
           </a:p>
@@ -2268,7 +2723,7 @@
           <a:p>
             <a:fld id="{2DB20506-12EC-1649-864B-FCEFF4C5FDE1}" type="datetimeFigureOut">
               <a:rPr lang="en-US" smtClean="0"/>
-              <a:t>6/26/20</a:t>
+              <a:t>9/12/20</a:t>
             </a:fld>
             <a:endParaRPr lang="en-US"/>
           </a:p>
@@ -2521,7 +2976,7 @@
           <a:p>
             <a:fld id="{2DB20506-12EC-1649-864B-FCEFF4C5FDE1}" type="datetimeFigureOut">
               <a:rPr lang="en-US" smtClean="0"/>
-              <a:t>6/26/20</a:t>
+              <a:t>9/12/20</a:t>
             </a:fld>
             <a:endParaRPr lang="en-US"/>
           </a:p>
@@ -2734,7 +3189,7 @@
           <a:p>
             <a:fld id="{2DB20506-12EC-1649-864B-FCEFF4C5FDE1}" type="datetimeFigureOut">
               <a:rPr lang="en-US" smtClean="0"/>
-              <a:t>6/26/20</a:t>
+              <a:t>9/12/20</a:t>
             </a:fld>
             <a:endParaRPr lang="en-US"/>
           </a:p>
@@ -3119,37 +3574,334 @@
             <p:ph type="ctrTitle"/>
           </p:nvPr>
         </p:nvSpPr>
-        <p:spPr/>
-        <p:txBody>
-          <a:bodyPr>
-            <a:normAutofit/>
+        <p:spPr>
+          <a:xfrm>
+            <a:off x="566059" y="857250"/>
+            <a:ext cx="8011886" cy="5143500"/>
+          </a:xfrm>
+        </p:spPr>
+        <p:txBody>
+          <a:bodyPr anchor="ctr">
+            <a:noAutofit/>
           </a:bodyPr>
           <a:lstStyle/>
           <a:p>
-            <a:r>
-              <a:rPr lang="en-US" dirty="0" smtClean="0"/>
-              <a:t>When to Use </a:t>
-            </a:r>
-            <a:r>
-              <a:rPr lang="en-US" dirty="0" err="1" smtClean="0"/>
+            <a:pPr algn="l" fontAlgn="ctr">
+              <a:lnSpc>
+                <a:spcPct val="150000"/>
+              </a:lnSpc>
+            </a:pPr>
+            <a:r>
+              <a:rPr lang="en-US" sz="2700" b="1" dirty="0">
+                <a:latin typeface="Times New Roman" charset="0"/>
+                <a:ea typeface="Times New Roman" charset="0"/>
+                <a:cs typeface="Times New Roman" charset="0"/>
+              </a:rPr>
+              <a:t>Blue Waters Petascale Semester Curriculum v1.0</a:t>
+            </a:r>
+            <a:r>
+              <a:rPr lang="en-US" sz="2700" dirty="0">
+                <a:latin typeface="Times New Roman" charset="0"/>
+                <a:ea typeface="Times New Roman" charset="0"/>
+                <a:cs typeface="Times New Roman" charset="0"/>
+              </a:rPr>
+              <a:t/>
+            </a:r>
+            <a:br>
+              <a:rPr lang="en-US" sz="2700" dirty="0">
+                <a:latin typeface="Times New Roman" charset="0"/>
+                <a:ea typeface="Times New Roman" charset="0"/>
+                <a:cs typeface="Times New Roman" charset="0"/>
+              </a:rPr>
+            </a:br>
+            <a:r>
+              <a:rPr lang="en-US" sz="2700" b="1" dirty="0">
+                <a:latin typeface="Times New Roman" charset="0"/>
+                <a:ea typeface="Times New Roman" charset="0"/>
+                <a:cs typeface="Times New Roman" charset="0"/>
+              </a:rPr>
+              <a:t>Unit </a:t>
+            </a:r>
+            <a:r>
+              <a:rPr lang="en-US" sz="2700" b="1" dirty="0">
+                <a:latin typeface="Times New Roman" charset="0"/>
+                <a:ea typeface="Times New Roman" charset="0"/>
+                <a:cs typeface="Times New Roman" charset="0"/>
+              </a:rPr>
+              <a:t>6: Hybrid MPI + </a:t>
+            </a:r>
+            <a:r>
+              <a:rPr lang="en-US" sz="2700" b="1" dirty="0" err="1">
+                <a:latin typeface="Times New Roman" charset="0"/>
+                <a:ea typeface="Times New Roman" charset="0"/>
+                <a:cs typeface="Times New Roman" charset="0"/>
+              </a:rPr>
               <a:t>OpenMP</a:t>
             </a:r>
             <a:r>
-              <a:rPr lang="en-US" dirty="0" smtClean="0"/>
-              <a:t> vs. MPI vs. Hybrid </a:t>
-            </a:r>
-            <a:r>
-              <a:rPr lang="en-US" dirty="0" err="1" smtClean="0"/>
-              <a:t>OpenMP+MPI</a:t>
-            </a:r>
-            <a:endParaRPr lang="en-US" dirty="0"/>
+              <a:rPr lang="en-US" sz="2700" dirty="0">
+                <a:latin typeface="Times New Roman" charset="0"/>
+                <a:ea typeface="Times New Roman" charset="0"/>
+                <a:cs typeface="Times New Roman" charset="0"/>
+              </a:rPr>
+              <a:t/>
+            </a:r>
+            <a:br>
+              <a:rPr lang="en-US" sz="2700" dirty="0">
+                <a:latin typeface="Times New Roman" charset="0"/>
+                <a:ea typeface="Times New Roman" charset="0"/>
+                <a:cs typeface="Times New Roman" charset="0"/>
+              </a:rPr>
+            </a:br>
+            <a:r>
+              <a:rPr lang="en-US" sz="2700" b="1" dirty="0">
+                <a:latin typeface="Times New Roman" charset="0"/>
+                <a:ea typeface="Times New Roman" charset="0"/>
+                <a:cs typeface="Times New Roman" charset="0"/>
+              </a:rPr>
+              <a:t>Lesson </a:t>
+            </a:r>
+            <a:r>
+              <a:rPr lang="en-US" sz="2700" b="1" dirty="0" smtClean="0">
+                <a:latin typeface="Times New Roman" charset="0"/>
+                <a:ea typeface="Times New Roman" charset="0"/>
+                <a:cs typeface="Times New Roman" charset="0"/>
+              </a:rPr>
+              <a:t>2</a:t>
+            </a:r>
+            <a:r>
+              <a:rPr lang="en-US" sz="2700" b="1" dirty="0">
+                <a:latin typeface="Times New Roman" charset="0"/>
+                <a:ea typeface="Times New Roman" charset="0"/>
+                <a:cs typeface="Times New Roman" charset="0"/>
+              </a:rPr>
+              <a:t>: When to Use </a:t>
+            </a:r>
+            <a:r>
+              <a:rPr lang="en-US" sz="2700" b="1" dirty="0" err="1">
+                <a:latin typeface="Times New Roman" charset="0"/>
+                <a:ea typeface="Times New Roman" charset="0"/>
+                <a:cs typeface="Times New Roman" charset="0"/>
+              </a:rPr>
+              <a:t>OpenMP</a:t>
+            </a:r>
+            <a:r>
+              <a:rPr lang="en-US" sz="2700" b="1" dirty="0">
+                <a:latin typeface="Times New Roman" charset="0"/>
+                <a:ea typeface="Times New Roman" charset="0"/>
+                <a:cs typeface="Times New Roman" charset="0"/>
+              </a:rPr>
+              <a:t> vs. MPI vs. Both</a:t>
+            </a:r>
+            <a:r>
+              <a:rPr lang="en-US" sz="2700" b="1" dirty="0">
+                <a:latin typeface="Times New Roman" charset="0"/>
+                <a:ea typeface="Times New Roman" charset="0"/>
+                <a:cs typeface="Times New Roman" charset="0"/>
+              </a:rPr>
+              <a:t/>
+            </a:r>
+            <a:br>
+              <a:rPr lang="en-US" sz="2700" b="1" dirty="0">
+                <a:latin typeface="Times New Roman" charset="0"/>
+                <a:ea typeface="Times New Roman" charset="0"/>
+                <a:cs typeface="Times New Roman" charset="0"/>
+              </a:rPr>
+            </a:br>
+            <a:r>
+              <a:rPr lang="en-US" sz="2700" i="1" dirty="0">
+                <a:latin typeface="Times New Roman" charset="0"/>
+                <a:ea typeface="Times New Roman" charset="0"/>
+                <a:cs typeface="Times New Roman" charset="0"/>
+              </a:rPr>
+              <a:t>Developed by </a:t>
+            </a:r>
+            <a:r>
+              <a:rPr lang="en-US" sz="2700" i="1" dirty="0">
+                <a:latin typeface="Times New Roman" charset="0"/>
+                <a:ea typeface="Times New Roman" charset="0"/>
+                <a:cs typeface="Times New Roman" charset="0"/>
+              </a:rPr>
+              <a:t>Colleen Heinemann</a:t>
+            </a:r>
+            <a:r>
+              <a:rPr lang="en-US" sz="2700" i="1" dirty="0">
+                <a:latin typeface="Times New Roman" charset="0"/>
+                <a:ea typeface="Times New Roman" charset="0"/>
+                <a:cs typeface="Times New Roman" charset="0"/>
+              </a:rPr>
+              <a:t/>
+            </a:r>
+            <a:br>
+              <a:rPr lang="en-US" sz="2700" i="1" dirty="0">
+                <a:latin typeface="Times New Roman" charset="0"/>
+                <a:ea typeface="Times New Roman" charset="0"/>
+                <a:cs typeface="Times New Roman" charset="0"/>
+              </a:rPr>
+            </a:br>
+            <a:r>
+              <a:rPr lang="en-US" sz="2700" i="1" dirty="0">
+                <a:latin typeface="Times New Roman" charset="0"/>
+                <a:ea typeface="Times New Roman" charset="0"/>
+                <a:cs typeface="Times New Roman" charset="0"/>
+              </a:rPr>
+              <a:t>for the Shodor Education Foundation, Inc.</a:t>
+            </a:r>
           </a:p>
         </p:txBody>
       </p:sp>
     </p:spTree>
     <p:extLst>
       <p:ext uri="{BB962C8B-B14F-4D97-AF65-F5344CB8AC3E}">
-        <p14:creationId xmlns:p14="http://schemas.microsoft.com/office/powerpoint/2010/main" val="3493872874"/>
+        <p14:creationId xmlns:p14="http://schemas.microsoft.com/office/powerpoint/2010/main" val="144483802"/>
+      </p:ext>
+    </p:extLst>
+  </p:cSld>
+  <p:clrMapOvr>
+    <a:masterClrMapping/>
+  </p:clrMapOvr>
+  <p:timing>
+    <p:tnLst>
+      <p:par>
+        <p:cTn id="1" dur="indefinite" restart="never" nodeType="tmRoot"/>
+      </p:par>
+    </p:tnLst>
+  </p:timing>
+</p:sld>
+</file>
+
+<file path=ppt/slides/slide10.xml><?xml version="1.0" encoding="utf-8"?>
+<p:sld xmlns:a="http://schemas.openxmlformats.org/drawingml/2006/main" xmlns:r="http://schemas.openxmlformats.org/officeDocument/2006/relationships" xmlns:p="http://schemas.openxmlformats.org/presentationml/2006/main">
+  <p:cSld>
+    <p:spTree>
+      <p:nvGrpSpPr>
+        <p:cNvPr id="1" name=""/>
+        <p:cNvGrpSpPr/>
+        <p:nvPr/>
+      </p:nvGrpSpPr>
+      <p:grpSpPr>
+        <a:xfrm>
+          <a:off x="0" y="0"/>
+          <a:ext cx="0" cy="0"/>
+          <a:chOff x="0" y="0"/>
+          <a:chExt cx="0" cy="0"/>
+        </a:xfrm>
+      </p:grpSpPr>
+      <p:sp>
+        <p:nvSpPr>
+          <p:cNvPr id="2" name="Title 1"/>
+          <p:cNvSpPr>
+            <a:spLocks noGrp="1"/>
+          </p:cNvSpPr>
+          <p:nvPr>
+            <p:ph type="title"/>
+          </p:nvPr>
+        </p:nvSpPr>
+        <p:spPr/>
+        <p:txBody>
+          <a:bodyPr/>
+          <a:lstStyle/>
+          <a:p>
+            <a:r>
+              <a:rPr lang="en-US" dirty="0" smtClean="0"/>
+              <a:t>Exercise #1, cont.</a:t>
+            </a:r>
+            <a:endParaRPr lang="en-US" dirty="0"/>
+          </a:p>
+        </p:txBody>
+      </p:sp>
+      <p:sp>
+        <p:nvSpPr>
+          <p:cNvPr id="3" name="Content Placeholder 2"/>
+          <p:cNvSpPr>
+            <a:spLocks noGrp="1"/>
+          </p:cNvSpPr>
+          <p:nvPr>
+            <p:ph idx="1"/>
+          </p:nvPr>
+        </p:nvSpPr>
+        <p:spPr>
+          <a:xfrm>
+            <a:off x="457200" y="1600200"/>
+            <a:ext cx="4446954" cy="4525963"/>
+          </a:xfrm>
+        </p:spPr>
+        <p:txBody>
+          <a:bodyPr>
+            <a:normAutofit fontScale="70000" lnSpcReduction="20000"/>
+          </a:bodyPr>
+          <a:lstStyle/>
+          <a:p>
+            <a:r>
+              <a:rPr lang="en-US" dirty="0" smtClean="0"/>
+              <a:t>We want to calculate the photosynthetic rate of each individual leaf of 10,000 different plants. The photosynthetic rate of one plate does not affect the photosynthetic rate of another, but the photosynthetic rate of one leaf of a plant can affect the photosynthetic rate of another leaf on the same plant</a:t>
+            </a:r>
+          </a:p>
+          <a:p>
+            <a:pPr marL="0" indent="0">
+              <a:buNone/>
+            </a:pPr>
+            <a:endParaRPr lang="en-US" dirty="0"/>
+          </a:p>
+          <a:p>
+            <a:pPr marL="0" indent="0">
+              <a:buNone/>
+            </a:pPr>
+            <a:r>
+              <a:rPr lang="en-US" sz="4600" dirty="0" err="1" smtClean="0"/>
+              <a:t>OpenMP</a:t>
+            </a:r>
+            <a:r>
+              <a:rPr lang="en-US" sz="4600" dirty="0" smtClean="0"/>
+              <a:t>, MPI, or hybrid?</a:t>
+            </a:r>
+          </a:p>
+          <a:p>
+            <a:pPr marL="0" indent="0">
+              <a:buNone/>
+            </a:pPr>
+            <a:r>
+              <a:rPr lang="en-US" sz="4600" dirty="0" smtClean="0"/>
+              <a:t>WHY?</a:t>
+            </a:r>
+            <a:endParaRPr lang="en-US" sz="4600" dirty="0"/>
+          </a:p>
+        </p:txBody>
+      </p:sp>
+      <p:pic>
+        <p:nvPicPr>
+          <p:cNvPr id="6" name="Picture 5" descr="image-2.png"/>
+          <p:cNvPicPr>
+            <a:picLocks noChangeAspect="1"/>
+          </p:cNvPicPr>
+          <p:nvPr/>
+        </p:nvPicPr>
+        <p:blipFill>
+          <a:blip r:embed="rId2">
+            <a:extLst>
+              <a:ext uri="{28A0092B-C50C-407E-A947-70E740481C1C}">
+                <a14:useLocalDpi xmlns:a14="http://schemas.microsoft.com/office/drawing/2010/main" val="0"/>
+              </a:ext>
+            </a:extLst>
+          </a:blip>
+          <a:stretch>
+            <a:fillRect/>
+          </a:stretch>
+        </p:blipFill>
+        <p:spPr>
+          <a:xfrm>
+            <a:off x="5223165" y="1953846"/>
+            <a:ext cx="3463635" cy="2344615"/>
+          </a:xfrm>
+          <a:prstGeom prst="rect">
+            <a:avLst/>
+          </a:prstGeom>
+        </p:spPr>
+      </p:pic>
+    </p:spTree>
+    <p:extLst>
+      <p:ext uri="{BB962C8B-B14F-4D97-AF65-F5344CB8AC3E}">
+        <p14:creationId xmlns:p14="http://schemas.microsoft.com/office/powerpoint/2010/main" val="1423043437"/>
       </p:ext>
     </p:extLst>
   </p:cSld>
@@ -3159,7 +3911,7 @@
 </p:sld>
 </file>
 
-<file path=ppt/slides/slide10.xml><?xml version="1.0" encoding="utf-8"?>
+<file path=ppt/slides/slide11.xml><?xml version="1.0" encoding="utf-8"?>
 <p:sld xmlns:a="http://schemas.openxmlformats.org/drawingml/2006/main" xmlns:r="http://schemas.openxmlformats.org/officeDocument/2006/relationships" xmlns:p="http://schemas.openxmlformats.org/presentationml/2006/main">
   <p:cSld>
     <p:spTree>
@@ -3294,7 +4046,7 @@
 </p:sld>
 </file>
 
-<file path=ppt/slides/slide11.xml><?xml version="1.0" encoding="utf-8"?>
+<file path=ppt/slides/slide12.xml><?xml version="1.0" encoding="utf-8"?>
 <p:sld xmlns:a="http://schemas.openxmlformats.org/drawingml/2006/main" xmlns:r="http://schemas.openxmlformats.org/officeDocument/2006/relationships" xmlns:p="http://schemas.openxmlformats.org/presentationml/2006/main">
   <p:cSld>
     <p:spTree>
@@ -3429,7 +4181,7 @@
 </p:sld>
 </file>
 
-<file path=ppt/slides/slide12.xml><?xml version="1.0" encoding="utf-8"?>
+<file path=ppt/slides/slide13.xml><?xml version="1.0" encoding="utf-8"?>
 <p:sld xmlns:a="http://schemas.openxmlformats.org/drawingml/2006/main" xmlns:r="http://schemas.openxmlformats.org/officeDocument/2006/relationships" xmlns:p="http://schemas.openxmlformats.org/presentationml/2006/main">
   <p:cSld>
     <p:spTree>
@@ -3564,7 +4316,7 @@
 </p:sld>
 </file>
 
-<file path=ppt/slides/slide13.xml><?xml version="1.0" encoding="utf-8"?>
+<file path=ppt/slides/slide14.xml><?xml version="1.0" encoding="utf-8"?>
 <p:sld xmlns:a="http://schemas.openxmlformats.org/drawingml/2006/main" xmlns:r="http://schemas.openxmlformats.org/officeDocument/2006/relationships" xmlns:p="http://schemas.openxmlformats.org/presentationml/2006/main">
   <p:cSld>
     <p:spTree>
@@ -3705,7 +4457,7 @@
 </p:sld>
 </file>
 
-<file path=ppt/slides/slide14.xml><?xml version="1.0" encoding="utf-8"?>
+<file path=ppt/slides/slide15.xml><?xml version="1.0" encoding="utf-8"?>
 <p:sld xmlns:a="http://schemas.openxmlformats.org/drawingml/2006/main" xmlns:r="http://schemas.openxmlformats.org/officeDocument/2006/relationships" xmlns:p="http://schemas.openxmlformats.org/presentationml/2006/main">
   <p:cSld>
     <p:spTree>
@@ -3840,7 +4592,7 @@
 </p:sld>
 </file>
 
-<file path=ppt/slides/slide15.xml><?xml version="1.0" encoding="utf-8"?>
+<file path=ppt/slides/slide16.xml><?xml version="1.0" encoding="utf-8"?>
 <p:sld xmlns:a="http://schemas.openxmlformats.org/drawingml/2006/main" xmlns:r="http://schemas.openxmlformats.org/officeDocument/2006/relationships" xmlns:p="http://schemas.openxmlformats.org/presentationml/2006/main">
   <p:cSld>
     <p:spTree>
@@ -3984,95 +4736,235 @@
             <a:spLocks noGrp="1"/>
           </p:cNvSpPr>
           <p:nvPr>
-            <p:ph type="title"/>
-          </p:nvPr>
-        </p:nvSpPr>
-        <p:spPr/>
-        <p:txBody>
-          <a:bodyPr/>
-          <a:lstStyle/>
-          <a:p>
-            <a:r>
-              <a:rPr lang="en-US" dirty="0" smtClean="0"/>
-              <a:t>Goal</a:t>
-            </a:r>
-            <a:endParaRPr lang="en-US" dirty="0"/>
-          </a:p>
-        </p:txBody>
-      </p:sp>
-      <p:sp>
-        <p:nvSpPr>
-          <p:cNvPr id="3" name="Content Placeholder 2"/>
-          <p:cNvSpPr>
-            <a:spLocks noGrp="1"/>
-          </p:cNvSpPr>
-          <p:nvPr>
-            <p:ph idx="1"/>
-          </p:nvPr>
-        </p:nvSpPr>
-        <p:spPr/>
-        <p:txBody>
-          <a:bodyPr>
-            <a:normAutofit fontScale="92500" lnSpcReduction="10000"/>
+            <p:ph type="ctrTitle"/>
+          </p:nvPr>
+        </p:nvSpPr>
+        <p:spPr>
+          <a:xfrm>
+            <a:off x="566059" y="857250"/>
+            <a:ext cx="8011886" cy="5143500"/>
+          </a:xfrm>
+        </p:spPr>
+        <p:txBody>
+          <a:bodyPr anchor="ctr">
+            <a:noAutofit/>
           </a:bodyPr>
           <a:lstStyle/>
           <a:p>
-            <a:r>
-              <a:rPr lang="en-US" dirty="0" smtClean="0"/>
-              <a:t>Here, we are going to look at the higher level concepts associated with programming for shared memory and distributed memory combined</a:t>
-            </a:r>
-          </a:p>
-          <a:p>
-            <a:r>
-              <a:rPr lang="en-US" dirty="0" smtClean="0"/>
-              <a:t>Look at when to use a hybrid </a:t>
-            </a:r>
-            <a:r>
-              <a:rPr lang="en-US" dirty="0" err="1" smtClean="0"/>
-              <a:t>OpenMP</a:t>
-            </a:r>
-            <a:r>
-              <a:rPr lang="en-US" dirty="0" err="1" smtClean="0"/>
-              <a:t>+MPI</a:t>
-            </a:r>
-            <a:r>
-              <a:rPr lang="en-US" dirty="0" smtClean="0"/>
-              <a:t> model vs. an </a:t>
-            </a:r>
-            <a:r>
-              <a:rPr lang="en-US" dirty="0" err="1" smtClean="0"/>
-              <a:t>OpenMP</a:t>
-            </a:r>
-            <a:r>
-              <a:rPr lang="en-US" dirty="0" smtClean="0"/>
-              <a:t> model vs. an MPI model</a:t>
-            </a:r>
-          </a:p>
-          <a:p>
-            <a:r>
-              <a:rPr lang="en-US" dirty="0" smtClean="0"/>
-              <a:t>Refresh: What is shared memory? What are examples of when it’s useful?</a:t>
-            </a:r>
-          </a:p>
-          <a:p>
-            <a:r>
-              <a:rPr lang="en-US" dirty="0" smtClean="0"/>
-              <a:t>Refresh: What is distributed memory? What are examples of when it’s useful?</a:t>
-            </a:r>
-            <a:endParaRPr lang="en-US" dirty="0"/>
+            <a:pPr algn="l" fontAlgn="ctr"/>
+            <a:r>
+              <a:rPr lang="en-US" sz="2100" dirty="0">
+                <a:latin typeface="Times New Roman" charset="0"/>
+                <a:ea typeface="Times New Roman" charset="0"/>
+                <a:cs typeface="Times New Roman" charset="0"/>
+              </a:rPr>
+              <a:t>Except where otherwise noted, this work by</a:t>
+            </a:r>
+            <a:br>
+              <a:rPr lang="en-US" sz="2100" dirty="0">
+                <a:latin typeface="Times New Roman" charset="0"/>
+                <a:ea typeface="Times New Roman" charset="0"/>
+                <a:cs typeface="Times New Roman" charset="0"/>
+              </a:rPr>
+            </a:br>
+            <a:r>
+              <a:rPr lang="en-US" sz="2100" dirty="0">
+                <a:latin typeface="Times New Roman" charset="0"/>
+                <a:ea typeface="Times New Roman" charset="0"/>
+                <a:cs typeface="Times New Roman" charset="0"/>
+              </a:rPr>
+              <a:t>The Shodor Education Foundation, Inc. is licensed under</a:t>
+            </a:r>
+            <a:br>
+              <a:rPr lang="en-US" sz="2100" dirty="0">
+                <a:latin typeface="Times New Roman" charset="0"/>
+                <a:ea typeface="Times New Roman" charset="0"/>
+                <a:cs typeface="Times New Roman" charset="0"/>
+              </a:rPr>
+            </a:br>
+            <a:r>
+              <a:rPr lang="en-US" sz="2100" dirty="0">
+                <a:latin typeface="Times New Roman" charset="0"/>
+                <a:ea typeface="Times New Roman" charset="0"/>
+                <a:cs typeface="Times New Roman" charset="0"/>
+              </a:rPr>
+              <a:t>CC BY-NC 4.0. To view a copy of this license, visit </a:t>
+            </a:r>
+            <a:r>
+              <a:rPr lang="en-US" sz="2100" dirty="0">
+                <a:latin typeface="Times New Roman" charset="0"/>
+                <a:ea typeface="Times New Roman" charset="0"/>
+                <a:cs typeface="Times New Roman" charset="0"/>
+                <a:hlinkClick r:id="rId2"/>
+              </a:rPr>
+              <a:t>https://creativecommons.org/licenses/by-nc/4.0</a:t>
+            </a:r>
+            <a:r>
+              <a:rPr lang="en-US" sz="2100" dirty="0">
+                <a:latin typeface="Times New Roman" charset="0"/>
+                <a:ea typeface="Times New Roman" charset="0"/>
+                <a:cs typeface="Times New Roman" charset="0"/>
+              </a:rPr>
+              <a:t/>
+            </a:r>
+            <a:br>
+              <a:rPr lang="en-US" sz="2100" dirty="0">
+                <a:latin typeface="Times New Roman" charset="0"/>
+                <a:ea typeface="Times New Roman" charset="0"/>
+                <a:cs typeface="Times New Roman" charset="0"/>
+              </a:rPr>
+            </a:br>
+            <a:r>
+              <a:rPr lang="en-US" sz="2100" dirty="0">
+                <a:latin typeface="Times New Roman" charset="0"/>
+                <a:ea typeface="Times New Roman" charset="0"/>
+                <a:cs typeface="Times New Roman" charset="0"/>
+              </a:rPr>
+              <a:t/>
+            </a:r>
+            <a:br>
+              <a:rPr lang="en-US" sz="2100" dirty="0">
+                <a:latin typeface="Times New Roman" charset="0"/>
+                <a:ea typeface="Times New Roman" charset="0"/>
+                <a:cs typeface="Times New Roman" charset="0"/>
+              </a:rPr>
+            </a:br>
+            <a:r>
+              <a:rPr lang="en-US" sz="2100" dirty="0">
+                <a:latin typeface="Times New Roman" charset="0"/>
+                <a:ea typeface="Times New Roman" charset="0"/>
+                <a:cs typeface="Times New Roman" charset="0"/>
+              </a:rPr>
+              <a:t>Browse and search the full curriculum at </a:t>
+            </a:r>
+            <a:r>
+              <a:rPr lang="en-US" sz="2100" dirty="0">
+                <a:latin typeface="Times New Roman" charset="0"/>
+                <a:ea typeface="Times New Roman" charset="0"/>
+                <a:cs typeface="Times New Roman" charset="0"/>
+                <a:hlinkClick r:id="rId3"/>
+              </a:rPr>
+              <a:t>http://shodor.org/petascale/materials/semester-curriculum</a:t>
+            </a:r>
+            <a:r>
+              <a:rPr lang="en-US" sz="2100" dirty="0">
+                <a:latin typeface="Times New Roman" charset="0"/>
+                <a:ea typeface="Times New Roman" charset="0"/>
+                <a:cs typeface="Times New Roman" charset="0"/>
+              </a:rPr>
+              <a:t/>
+            </a:r>
+            <a:br>
+              <a:rPr lang="en-US" sz="2100" dirty="0">
+                <a:latin typeface="Times New Roman" charset="0"/>
+                <a:ea typeface="Times New Roman" charset="0"/>
+                <a:cs typeface="Times New Roman" charset="0"/>
+              </a:rPr>
+            </a:br>
+            <a:r>
+              <a:rPr lang="en-US" sz="2100" dirty="0">
+                <a:latin typeface="Times New Roman" charset="0"/>
+                <a:ea typeface="Times New Roman" charset="0"/>
+                <a:cs typeface="Times New Roman" charset="0"/>
+              </a:rPr>
+              <a:t/>
+            </a:r>
+            <a:br>
+              <a:rPr lang="en-US" sz="2100" dirty="0">
+                <a:latin typeface="Times New Roman" charset="0"/>
+                <a:ea typeface="Times New Roman" charset="0"/>
+                <a:cs typeface="Times New Roman" charset="0"/>
+              </a:rPr>
+            </a:br>
+            <a:r>
+              <a:rPr lang="en-US" sz="2100" dirty="0">
+                <a:latin typeface="Times New Roman" charset="0"/>
+                <a:ea typeface="Times New Roman" charset="0"/>
+                <a:cs typeface="Times New Roman" charset="0"/>
+              </a:rPr>
+              <a:t>We welcome your improvements! You can submit your proposed changes to this material and the rest of the curriculum in our GitHub repository at </a:t>
+            </a:r>
+            <a:r>
+              <a:rPr lang="en-US" sz="2100" dirty="0">
+                <a:latin typeface="Times New Roman" charset="0"/>
+                <a:ea typeface="Times New Roman" charset="0"/>
+                <a:cs typeface="Times New Roman" charset="0"/>
+                <a:hlinkClick r:id="rId4"/>
+              </a:rPr>
+              <a:t>https://github.com/shodor-education/petascale-semester-curriculum</a:t>
+            </a:r>
+            <a:r>
+              <a:rPr lang="en-US" sz="2100" dirty="0">
+                <a:latin typeface="Times New Roman" charset="0"/>
+                <a:ea typeface="Times New Roman" charset="0"/>
+                <a:cs typeface="Times New Roman" charset="0"/>
+              </a:rPr>
+              <a:t/>
+            </a:r>
+            <a:br>
+              <a:rPr lang="en-US" sz="2100" dirty="0">
+                <a:latin typeface="Times New Roman" charset="0"/>
+                <a:ea typeface="Times New Roman" charset="0"/>
+                <a:cs typeface="Times New Roman" charset="0"/>
+              </a:rPr>
+            </a:br>
+            <a:r>
+              <a:rPr lang="en-US" sz="2100" dirty="0">
+                <a:latin typeface="Times New Roman" charset="0"/>
+                <a:ea typeface="Times New Roman" charset="0"/>
+                <a:cs typeface="Times New Roman" charset="0"/>
+              </a:rPr>
+              <a:t/>
+            </a:r>
+            <a:br>
+              <a:rPr lang="en-US" sz="2100" dirty="0">
+                <a:latin typeface="Times New Roman" charset="0"/>
+                <a:ea typeface="Times New Roman" charset="0"/>
+                <a:cs typeface="Times New Roman" charset="0"/>
+              </a:rPr>
+            </a:br>
+            <a:r>
+              <a:rPr lang="en-US" sz="2100" dirty="0">
+                <a:latin typeface="Times New Roman" charset="0"/>
+                <a:ea typeface="Times New Roman" charset="0"/>
+                <a:cs typeface="Times New Roman" charset="0"/>
+              </a:rPr>
+              <a:t>We want to hear from you! Please let us know your experiences using this material by sending email to </a:t>
+            </a:r>
+            <a:r>
+              <a:rPr lang="en-US" sz="2100" dirty="0">
+                <a:latin typeface="Times New Roman" charset="0"/>
+                <a:ea typeface="Times New Roman" charset="0"/>
+                <a:cs typeface="Times New Roman" charset="0"/>
+                <a:hlinkClick r:id="rId5"/>
+              </a:rPr>
+              <a:t>petascale@shodor.org</a:t>
+            </a:r>
+            <a:endParaRPr lang="en-US" sz="2700" dirty="0">
+              <a:latin typeface="Times New Roman" charset="0"/>
+              <a:ea typeface="Times New Roman" charset="0"/>
+              <a:cs typeface="Times New Roman" charset="0"/>
+            </a:endParaRPr>
           </a:p>
         </p:txBody>
       </p:sp>
     </p:spTree>
     <p:extLst>
       <p:ext uri="{BB962C8B-B14F-4D97-AF65-F5344CB8AC3E}">
-        <p14:creationId xmlns:p14="http://schemas.microsoft.com/office/powerpoint/2010/main" val="3865306207"/>
+        <p14:creationId xmlns:p14="http://schemas.microsoft.com/office/powerpoint/2010/main" val="1636754883"/>
       </p:ext>
     </p:extLst>
   </p:cSld>
   <p:clrMapOvr>
     <a:masterClrMapping/>
   </p:clrMapOvr>
+  <p:timing>
+    <p:tnLst>
+      <p:par>
+        <p:cTn id="1" dur="indefinite" restart="never" nodeType="tmRoot"/>
+      </p:par>
+    </p:tnLst>
+  </p:timing>
 </p:sld>
 </file>
 
@@ -4110,7 +5002,7 @@
           <a:p>
             <a:r>
               <a:rPr lang="en-US" dirty="0" smtClean="0"/>
-              <a:t>Introduction</a:t>
+              <a:t>Goal</a:t>
             </a:r>
             <a:endParaRPr lang="en-US" dirty="0"/>
           </a:p>
@@ -4128,29 +5020,49 @@
         </p:nvSpPr>
         <p:spPr/>
         <p:txBody>
-          <a:bodyPr/>
+          <a:bodyPr>
+            <a:normAutofit fontScale="92500" lnSpcReduction="10000"/>
+          </a:bodyPr>
           <a:lstStyle/>
           <a:p>
             <a:r>
               <a:rPr lang="en-US" dirty="0" smtClean="0"/>
-              <a:t>Hybrid parallelism maximizes of the strengths of distributed memory and shared memory at the same time</a:t>
+              <a:t>Here, we are going to look at the higher level concepts associated with programming for shared memory and distributed memory combined</a:t>
             </a:r>
           </a:p>
           <a:p>
             <a:r>
               <a:rPr lang="en-US" dirty="0" smtClean="0"/>
-              <a:t>One possible combination of programming models for this is </a:t>
+              <a:t>Look at when to use a hybrid </a:t>
             </a:r>
             <a:r>
               <a:rPr lang="en-US" dirty="0" err="1" smtClean="0"/>
               <a:t>OpenMP+MPI</a:t>
             </a:r>
-            <a:endParaRPr lang="en-US" dirty="0" smtClean="0"/>
-          </a:p>
-          <a:p>
-            <a:pPr marL="0" indent="0">
-              <a:buNone/>
-            </a:pPr>
+            <a:r>
+              <a:rPr lang="en-US" dirty="0" smtClean="0"/>
+              <a:t> model vs. an </a:t>
+            </a:r>
+            <a:r>
+              <a:rPr lang="en-US" dirty="0" err="1" smtClean="0"/>
+              <a:t>OpenMP</a:t>
+            </a:r>
+            <a:r>
+              <a:rPr lang="en-US" dirty="0" smtClean="0"/>
+              <a:t> model vs. an MPI model</a:t>
+            </a:r>
+          </a:p>
+          <a:p>
+            <a:r>
+              <a:rPr lang="en-US" dirty="0" smtClean="0"/>
+              <a:t>Refresh: What is shared memory? What are examples of when it’s useful?</a:t>
+            </a:r>
+          </a:p>
+          <a:p>
+            <a:r>
+              <a:rPr lang="en-US" dirty="0" smtClean="0"/>
+              <a:t>Refresh: What is distributed memory? What are examples of when it’s useful?</a:t>
+            </a:r>
             <a:endParaRPr lang="en-US" dirty="0"/>
           </a:p>
         </p:txBody>
@@ -4158,7 +5070,7 @@
     </p:spTree>
     <p:extLst>
       <p:ext uri="{BB962C8B-B14F-4D97-AF65-F5344CB8AC3E}">
-        <p14:creationId xmlns:p14="http://schemas.microsoft.com/office/powerpoint/2010/main" val="34001669"/>
+        <p14:creationId xmlns:p14="http://schemas.microsoft.com/office/powerpoint/2010/main" val="3865306207"/>
       </p:ext>
     </p:extLst>
   </p:cSld>
@@ -4197,6 +5109,98 @@
         </p:nvSpPr>
         <p:spPr/>
         <p:txBody>
+          <a:bodyPr/>
+          <a:lstStyle/>
+          <a:p>
+            <a:r>
+              <a:rPr lang="en-US" dirty="0" smtClean="0"/>
+              <a:t>Introduction</a:t>
+            </a:r>
+            <a:endParaRPr lang="en-US" dirty="0"/>
+          </a:p>
+        </p:txBody>
+      </p:sp>
+      <p:sp>
+        <p:nvSpPr>
+          <p:cNvPr id="3" name="Content Placeholder 2"/>
+          <p:cNvSpPr>
+            <a:spLocks noGrp="1"/>
+          </p:cNvSpPr>
+          <p:nvPr>
+            <p:ph idx="1"/>
+          </p:nvPr>
+        </p:nvSpPr>
+        <p:spPr/>
+        <p:txBody>
+          <a:bodyPr/>
+          <a:lstStyle/>
+          <a:p>
+            <a:r>
+              <a:rPr lang="en-US" dirty="0" smtClean="0"/>
+              <a:t>Hybrid parallelism maximizes of the strengths of distributed memory and shared memory at the same time</a:t>
+            </a:r>
+          </a:p>
+          <a:p>
+            <a:r>
+              <a:rPr lang="en-US" dirty="0" smtClean="0"/>
+              <a:t>One possible combination of programming models for this is </a:t>
+            </a:r>
+            <a:r>
+              <a:rPr lang="en-US" dirty="0" err="1" smtClean="0"/>
+              <a:t>OpenMP+MPI</a:t>
+            </a:r>
+            <a:endParaRPr lang="en-US" dirty="0" smtClean="0"/>
+          </a:p>
+          <a:p>
+            <a:pPr marL="0" indent="0">
+              <a:buNone/>
+            </a:pPr>
+            <a:endParaRPr lang="en-US" dirty="0"/>
+          </a:p>
+        </p:txBody>
+      </p:sp>
+    </p:spTree>
+    <p:extLst>
+      <p:ext uri="{BB962C8B-B14F-4D97-AF65-F5344CB8AC3E}">
+        <p14:creationId xmlns:p14="http://schemas.microsoft.com/office/powerpoint/2010/main" val="34001669"/>
+      </p:ext>
+    </p:extLst>
+  </p:cSld>
+  <p:clrMapOvr>
+    <a:masterClrMapping/>
+  </p:clrMapOvr>
+</p:sld>
+</file>
+
+<file path=ppt/slides/slide5.xml><?xml version="1.0" encoding="utf-8"?>
+<p:sld xmlns:a="http://schemas.openxmlformats.org/drawingml/2006/main" xmlns:r="http://schemas.openxmlformats.org/officeDocument/2006/relationships" xmlns:p="http://schemas.openxmlformats.org/presentationml/2006/main">
+  <p:cSld>
+    <p:spTree>
+      <p:nvGrpSpPr>
+        <p:cNvPr id="1" name=""/>
+        <p:cNvGrpSpPr/>
+        <p:nvPr/>
+      </p:nvGrpSpPr>
+      <p:grpSpPr>
+        <a:xfrm>
+          <a:off x="0" y="0"/>
+          <a:ext cx="0" cy="0"/>
+          <a:chOff x="0" y="0"/>
+          <a:chExt cx="0" cy="0"/>
+        </a:xfrm>
+      </p:grpSpPr>
+      <p:sp>
+        <p:nvSpPr>
+          <p:cNvPr id="2" name="Title 1"/>
+          <p:cNvSpPr>
+            <a:spLocks noGrp="1"/>
+          </p:cNvSpPr>
+          <p:nvPr>
+            <p:ph type="title"/>
+          </p:nvPr>
+        </p:nvSpPr>
+        <p:spPr/>
+        <p:txBody>
           <a:bodyPr>
             <a:normAutofit fontScale="90000"/>
           </a:bodyPr>
@@ -4265,7 +5269,7 @@
 </p:sld>
 </file>
 
-<file path=ppt/slides/slide5.xml><?xml version="1.0" encoding="utf-8"?>
+<file path=ppt/slides/slide6.xml><?xml version="1.0" encoding="utf-8"?>
 <p:sld xmlns:a="http://schemas.openxmlformats.org/drawingml/2006/main" xmlns:r="http://schemas.openxmlformats.org/officeDocument/2006/relationships" xmlns:p="http://schemas.openxmlformats.org/presentationml/2006/main">
   <p:cSld>
     <p:spTree>
@@ -6761,82 +7765,6 @@
 </p:sld>
 </file>
 
-<file path=ppt/slides/slide6.xml><?xml version="1.0" encoding="utf-8"?>
-<p:sld xmlns:a="http://schemas.openxmlformats.org/drawingml/2006/main" xmlns:r="http://schemas.openxmlformats.org/officeDocument/2006/relationships" xmlns:p="http://schemas.openxmlformats.org/presentationml/2006/main">
-  <p:cSld>
-    <p:spTree>
-      <p:nvGrpSpPr>
-        <p:cNvPr id="1" name=""/>
-        <p:cNvGrpSpPr/>
-        <p:nvPr/>
-      </p:nvGrpSpPr>
-      <p:grpSpPr>
-        <a:xfrm>
-          <a:off x="0" y="0"/>
-          <a:ext cx="0" cy="0"/>
-          <a:chOff x="0" y="0"/>
-          <a:chExt cx="0" cy="0"/>
-        </a:xfrm>
-      </p:grpSpPr>
-      <p:sp>
-        <p:nvSpPr>
-          <p:cNvPr id="4" name="Title 1"/>
-          <p:cNvSpPr txBox="1">
-            <a:spLocks/>
-          </p:cNvSpPr>
-          <p:nvPr/>
-        </p:nvSpPr>
-        <p:spPr>
-          <a:xfrm>
-            <a:off x="685800" y="2130425"/>
-            <a:ext cx="7772400" cy="1470025"/>
-          </a:xfrm>
-          <a:prstGeom prst="rect">
-            <a:avLst/>
-          </a:prstGeom>
-        </p:spPr>
-        <p:txBody>
-          <a:bodyPr vert="horz" lIns="91440" tIns="45720" rIns="91440" bIns="45720" rtlCol="0" anchor="ctr">
-            <a:normAutofit/>
-          </a:bodyPr>
-          <a:lstStyle>
-            <a:lvl1pPr algn="ctr" defTabSz="457200" rtl="0" eaLnBrk="1" latinLnBrk="0" hangingPunct="1">
-              <a:spcBef>
-                <a:spcPct val="0"/>
-              </a:spcBef>
-              <a:buNone/>
-              <a:defRPr sz="4400" kern="1200">
-                <a:solidFill>
-                  <a:schemeClr val="tx1"/>
-                </a:solidFill>
-                <a:latin typeface="+mj-lt"/>
-                <a:ea typeface="+mj-ea"/>
-                <a:cs typeface="+mj-cs"/>
-              </a:defRPr>
-            </a:lvl1pPr>
-          </a:lstStyle>
-          <a:p>
-            <a:r>
-              <a:rPr lang="en-US" dirty="0" smtClean="0"/>
-              <a:t>Exercises</a:t>
-            </a:r>
-            <a:endParaRPr lang="en-US" dirty="0"/>
-          </a:p>
-        </p:txBody>
-      </p:sp>
-    </p:spTree>
-    <p:extLst>
-      <p:ext uri="{BB962C8B-B14F-4D97-AF65-F5344CB8AC3E}">
-        <p14:creationId xmlns:p14="http://schemas.microsoft.com/office/powerpoint/2010/main" val="1299050959"/>
-      </p:ext>
-    </p:extLst>
-  </p:cSld>
-  <p:clrMapOvr>
-    <a:masterClrMapping/>
-  </p:clrMapOvr>
-</p:sld>
-</file>
-
 <file path=ppt/slides/slide7.xml><?xml version="1.0" encoding="utf-8"?>
 <p:sld xmlns:a="http://schemas.openxmlformats.org/drawingml/2006/main" xmlns:r="http://schemas.openxmlformats.org/officeDocument/2006/relationships" xmlns:p="http://schemas.openxmlformats.org/presentationml/2006/main">
   <p:cSld>
@@ -6856,6 +7784,82 @@
       </p:grpSpPr>
       <p:sp>
         <p:nvSpPr>
+          <p:cNvPr id="4" name="Title 1"/>
+          <p:cNvSpPr txBox="1">
+            <a:spLocks/>
+          </p:cNvSpPr>
+          <p:nvPr/>
+        </p:nvSpPr>
+        <p:spPr>
+          <a:xfrm>
+            <a:off x="685800" y="2130425"/>
+            <a:ext cx="7772400" cy="1470025"/>
+          </a:xfrm>
+          <a:prstGeom prst="rect">
+            <a:avLst/>
+          </a:prstGeom>
+        </p:spPr>
+        <p:txBody>
+          <a:bodyPr vert="horz" lIns="91440" tIns="45720" rIns="91440" bIns="45720" rtlCol="0" anchor="ctr">
+            <a:normAutofit/>
+          </a:bodyPr>
+          <a:lstStyle>
+            <a:lvl1pPr algn="ctr" defTabSz="457200" rtl="0" eaLnBrk="1" latinLnBrk="0" hangingPunct="1">
+              <a:spcBef>
+                <a:spcPct val="0"/>
+              </a:spcBef>
+              <a:buNone/>
+              <a:defRPr sz="4400" kern="1200">
+                <a:solidFill>
+                  <a:schemeClr val="tx1"/>
+                </a:solidFill>
+                <a:latin typeface="+mj-lt"/>
+                <a:ea typeface="+mj-ea"/>
+                <a:cs typeface="+mj-cs"/>
+              </a:defRPr>
+            </a:lvl1pPr>
+          </a:lstStyle>
+          <a:p>
+            <a:r>
+              <a:rPr lang="en-US" dirty="0" smtClean="0"/>
+              <a:t>Exercises</a:t>
+            </a:r>
+            <a:endParaRPr lang="en-US" dirty="0"/>
+          </a:p>
+        </p:txBody>
+      </p:sp>
+    </p:spTree>
+    <p:extLst>
+      <p:ext uri="{BB962C8B-B14F-4D97-AF65-F5344CB8AC3E}">
+        <p14:creationId xmlns:p14="http://schemas.microsoft.com/office/powerpoint/2010/main" val="1299050959"/>
+      </p:ext>
+    </p:extLst>
+  </p:cSld>
+  <p:clrMapOvr>
+    <a:masterClrMapping/>
+  </p:clrMapOvr>
+</p:sld>
+</file>
+
+<file path=ppt/slides/slide8.xml><?xml version="1.0" encoding="utf-8"?>
+<p:sld xmlns:a="http://schemas.openxmlformats.org/drawingml/2006/main" xmlns:r="http://schemas.openxmlformats.org/officeDocument/2006/relationships" xmlns:p="http://schemas.openxmlformats.org/presentationml/2006/main">
+  <p:cSld>
+    <p:spTree>
+      <p:nvGrpSpPr>
+        <p:cNvPr id="1" name=""/>
+        <p:cNvGrpSpPr/>
+        <p:nvPr/>
+      </p:nvGrpSpPr>
+      <p:grpSpPr>
+        <a:xfrm>
+          <a:off x="0" y="0"/>
+          <a:ext cx="0" cy="0"/>
+          <a:chOff x="0" y="0"/>
+          <a:chExt cx="0" cy="0"/>
+        </a:xfrm>
+      </p:grpSpPr>
+      <p:sp>
+        <p:nvSpPr>
           <p:cNvPr id="2" name="Title 1"/>
           <p:cNvSpPr>
             <a:spLocks noGrp="1"/>
@@ -6929,7 +7933,7 @@
 </p:sld>
 </file>
 
-<file path=ppt/slides/slide8.xml><?xml version="1.0" encoding="utf-8"?>
+<file path=ppt/slides/slide9.xml><?xml version="1.0" encoding="utf-8"?>
 <p:sld xmlns:a="http://schemas.openxmlformats.org/drawingml/2006/main" xmlns:r="http://schemas.openxmlformats.org/officeDocument/2006/relationships" xmlns:p="http://schemas.openxmlformats.org/presentationml/2006/main">
   <p:cSld>
     <p:spTree>
@@ -7055,147 +8059,6 @@
     <p:extLst>
       <p:ext uri="{BB962C8B-B14F-4D97-AF65-F5344CB8AC3E}">
         <p14:creationId xmlns:p14="http://schemas.microsoft.com/office/powerpoint/2010/main" val="4128000493"/>
-      </p:ext>
-    </p:extLst>
-  </p:cSld>
-  <p:clrMapOvr>
-    <a:masterClrMapping/>
-  </p:clrMapOvr>
-</p:sld>
-</file>
-
-<file path=ppt/slides/slide9.xml><?xml version="1.0" encoding="utf-8"?>
-<p:sld xmlns:a="http://schemas.openxmlformats.org/drawingml/2006/main" xmlns:r="http://schemas.openxmlformats.org/officeDocument/2006/relationships" xmlns:p="http://schemas.openxmlformats.org/presentationml/2006/main">
-  <p:cSld>
-    <p:spTree>
-      <p:nvGrpSpPr>
-        <p:cNvPr id="1" name=""/>
-        <p:cNvGrpSpPr/>
-        <p:nvPr/>
-      </p:nvGrpSpPr>
-      <p:grpSpPr>
-        <a:xfrm>
-          <a:off x="0" y="0"/>
-          <a:ext cx="0" cy="0"/>
-          <a:chOff x="0" y="0"/>
-          <a:chExt cx="0" cy="0"/>
-        </a:xfrm>
-      </p:grpSpPr>
-      <p:sp>
-        <p:nvSpPr>
-          <p:cNvPr id="2" name="Title 1"/>
-          <p:cNvSpPr>
-            <a:spLocks noGrp="1"/>
-          </p:cNvSpPr>
-          <p:nvPr>
-            <p:ph type="title"/>
-          </p:nvPr>
-        </p:nvSpPr>
-        <p:spPr/>
-        <p:txBody>
-          <a:bodyPr/>
-          <a:lstStyle/>
-          <a:p>
-            <a:r>
-              <a:rPr lang="en-US" dirty="0" smtClean="0"/>
-              <a:t>Exercise #1, cont.</a:t>
-            </a:r>
-            <a:endParaRPr lang="en-US" dirty="0"/>
-          </a:p>
-        </p:txBody>
-      </p:sp>
-      <p:sp>
-        <p:nvSpPr>
-          <p:cNvPr id="3" name="Content Placeholder 2"/>
-          <p:cNvSpPr>
-            <a:spLocks noGrp="1"/>
-          </p:cNvSpPr>
-          <p:nvPr>
-            <p:ph idx="1"/>
-          </p:nvPr>
-        </p:nvSpPr>
-        <p:spPr>
-          <a:xfrm>
-            <a:off x="457200" y="1600200"/>
-            <a:ext cx="4446954" cy="4525963"/>
-          </a:xfrm>
-        </p:spPr>
-        <p:txBody>
-          <a:bodyPr>
-            <a:normAutofit fontScale="70000" lnSpcReduction="20000"/>
-          </a:bodyPr>
-          <a:lstStyle/>
-          <a:p>
-            <a:r>
-              <a:rPr lang="en-US" dirty="0" smtClean="0"/>
-              <a:t>We want to calculate the photosynthetic rate of each individual leaf of 10,000 different plants. The photosynthetic rate of one plate does not affect the photosynthetic rate of another, but the photosynthetic rate of one leaf of a plant can affect the photosynthetic rate of another leaf on the same plant</a:t>
-            </a:r>
-          </a:p>
-          <a:p>
-            <a:pPr marL="0" indent="0">
-              <a:buNone/>
-            </a:pPr>
-            <a:endParaRPr lang="en-US" dirty="0"/>
-          </a:p>
-          <a:p>
-            <a:pPr marL="0" indent="0">
-              <a:buNone/>
-            </a:pPr>
-            <a:r>
-              <a:rPr lang="en-US" sz="4600" dirty="0" err="1" smtClean="0"/>
-              <a:t>OpenMP</a:t>
-            </a:r>
-            <a:r>
-              <a:rPr lang="en-US" sz="4600" dirty="0" smtClean="0"/>
-              <a:t>, MPI, or hybrid?</a:t>
-            </a:r>
-          </a:p>
-          <a:p>
-            <a:pPr marL="0" indent="0">
-              <a:buNone/>
-            </a:pPr>
-            <a:r>
-              <a:rPr lang="en-US" sz="4600" dirty="0" smtClean="0"/>
-              <a:t>WHY?</a:t>
-            </a:r>
-            <a:endParaRPr lang="en-US" sz="4600" dirty="0"/>
-          </a:p>
-        </p:txBody>
-      </p:sp>
-      <p:pic>
-        <p:nvPicPr>
-          <p:cNvPr id="6" name="Picture 5" descr="image-2.png"/>
-          <p:cNvPicPr>
-            <a:picLocks noChangeAspect="1"/>
-          </p:cNvPicPr>
-          <p:nvPr/>
-        </p:nvPicPr>
-        <p:blipFill>
-          <a:blip r:embed="rId2">
-            <a:extLst>
-              <a:ext uri="{28A0092B-C50C-407E-A947-70E740481C1C}">
-                <a14:useLocalDpi xmlns:a14="http://schemas.microsoft.com/office/drawing/2010/main" val="0"/>
-              </a:ext>
-            </a:extLst>
-          </a:blip>
-          <a:stretch>
-            <a:fillRect/>
-          </a:stretch>
-        </p:blipFill>
-        <p:spPr>
-          <a:xfrm>
-            <a:off x="5223165" y="1953846"/>
-            <a:ext cx="3463635" cy="2344615"/>
-          </a:xfrm>
-          <a:prstGeom prst="rect">
-            <a:avLst/>
-          </a:prstGeom>
-        </p:spPr>
-      </p:pic>
-    </p:spTree>
-    <p:extLst>
-      <p:ext uri="{BB962C8B-B14F-4D97-AF65-F5344CB8AC3E}">
-        <p14:creationId xmlns:p14="http://schemas.microsoft.com/office/powerpoint/2010/main" val="1423043437"/>
       </p:ext>
     </p:extLst>
   </p:cSld>
@@ -7523,4 +8386,265 @@
   </a:objectDefaults>
   <a:extraClrSchemeLst/>
 </a:theme>
+</file>
+
+<file path=ppt/theme/theme2.xml><?xml version="1.0" encoding="utf-8"?>
+<a:theme xmlns:a="http://schemas.openxmlformats.org/drawingml/2006/main" name="Office Theme">
+  <a:themeElements>
+    <a:clrScheme name="Office">
+      <a:dk1>
+        <a:sysClr val="windowText" lastClr="000000"/>
+      </a:dk1>
+      <a:lt1>
+        <a:sysClr val="window" lastClr="FFFFFF"/>
+      </a:lt1>
+      <a:dk2>
+        <a:srgbClr val="44546A"/>
+      </a:dk2>
+      <a:lt2>
+        <a:srgbClr val="E7E6E6"/>
+      </a:lt2>
+      <a:accent1>
+        <a:srgbClr val="4472C4"/>
+      </a:accent1>
+      <a:accent2>
+        <a:srgbClr val="ED7D31"/>
+      </a:accent2>
+      <a:accent3>
+        <a:srgbClr val="A5A5A5"/>
+      </a:accent3>
+      <a:accent4>
+        <a:srgbClr val="FFC000"/>
+      </a:accent4>
+      <a:accent5>
+        <a:srgbClr val="5B9BD5"/>
+      </a:accent5>
+      <a:accent6>
+        <a:srgbClr val="70AD47"/>
+      </a:accent6>
+      <a:hlink>
+        <a:srgbClr val="0563C1"/>
+      </a:hlink>
+      <a:folHlink>
+        <a:srgbClr val="954F72"/>
+      </a:folHlink>
+    </a:clrScheme>
+    <a:fontScheme name="Office">
+      <a:majorFont>
+        <a:latin typeface="Calibri Light" panose="020F0302020204030204"/>
+        <a:ea typeface=""/>
+        <a:cs typeface=""/>
+        <a:font script="Jpan" typeface="Yu Gothic Light"/>
+        <a:font script="Hang" typeface="맑은 고딕"/>
+        <a:font script="Hans" typeface="DengXian Light"/>
+        <a:font script="Hant" typeface="新細明體"/>
+        <a:font script="Arab" typeface="Times New Roman"/>
+        <a:font script="Hebr" typeface="Times New Roman"/>
+        <a:font script="Thai" typeface="Angsana New"/>
+        <a:font script="Ethi" typeface="Nyala"/>
+        <a:font script="Beng" typeface="Vrinda"/>
+        <a:font script="Gujr" typeface="Shruti"/>
+        <a:font script="Khmr" typeface="MoolBoran"/>
+        <a:font script="Knda" typeface="Tunga"/>
+        <a:font script="Guru" typeface="Raavi"/>
+        <a:font script="Cans" typeface="Euphemia"/>
+        <a:font script="Cher" typeface="Plantagenet Cherokee"/>
+        <a:font script="Yiii" typeface="Microsoft Yi Baiti"/>
+        <a:font script="Tibt" typeface="Microsoft Himalaya"/>
+        <a:font script="Thaa" typeface="MV Boli"/>
+        <a:font script="Deva" typeface="Mangal"/>
+        <a:font script="Telu" typeface="Gautami"/>
+        <a:font script="Taml" typeface="Latha"/>
+        <a:font script="Syrc" typeface="Estrangelo Edessa"/>
+        <a:font script="Orya" typeface="Kalinga"/>
+        <a:font script="Mlym" typeface="Kartika"/>
+        <a:font script="Laoo" typeface="DokChampa"/>
+        <a:font script="Sinh" typeface="Iskoola Pota"/>
+        <a:font script="Mong" typeface="Mongolian Baiti"/>
+        <a:font script="Viet" typeface="Times New Roman"/>
+        <a:font script="Uigh" typeface="Microsoft Uighur"/>
+        <a:font script="Geor" typeface="Sylfaen"/>
+      </a:majorFont>
+      <a:minorFont>
+        <a:latin typeface="Calibri" panose="020F0502020204030204"/>
+        <a:ea typeface=""/>
+        <a:cs typeface=""/>
+        <a:font script="Jpan" typeface="Yu Gothic"/>
+        <a:font script="Hang" typeface="맑은 고딕"/>
+        <a:font script="Hans" typeface="DengXian"/>
+        <a:font script="Hant" typeface="新細明體"/>
+        <a:font script="Arab" typeface="Arial"/>
+        <a:font script="Hebr" typeface="Arial"/>
+        <a:font script="Thai" typeface="Cordia New"/>
+        <a:font script="Ethi" typeface="Nyala"/>
+        <a:font script="Beng" typeface="Vrinda"/>
+        <a:font script="Gujr" typeface="Shruti"/>
+        <a:font script="Khmr" typeface="DaunPenh"/>
+        <a:font script="Knda" typeface="Tunga"/>
+        <a:font script="Guru" typeface="Raavi"/>
+        <a:font script="Cans" typeface="Euphemia"/>
+        <a:font script="Cher" typeface="Plantagenet Cherokee"/>
+        <a:font script="Yiii" typeface="Microsoft Yi Baiti"/>
+        <a:font script="Tibt" typeface="Microsoft Himalaya"/>
+        <a:font script="Thaa" typeface="MV Boli"/>
+        <a:font script="Deva" typeface="Mangal"/>
+        <a:font script="Telu" typeface="Gautami"/>
+        <a:font script="Taml" typeface="Latha"/>
+        <a:font script="Syrc" typeface="Estrangelo Edessa"/>
+        <a:font script="Orya" typeface="Kalinga"/>
+        <a:font script="Mlym" typeface="Kartika"/>
+        <a:font script="Laoo" typeface="DokChampa"/>
+        <a:font script="Sinh" typeface="Iskoola Pota"/>
+        <a:font script="Mong" typeface="Mongolian Baiti"/>
+        <a:font script="Viet" typeface="Arial"/>
+        <a:font script="Uigh" typeface="Microsoft Uighur"/>
+        <a:font script="Geor" typeface="Sylfaen"/>
+      </a:minorFont>
+    </a:fontScheme>
+    <a:fmtScheme name="Office">
+      <a:fillStyleLst>
+        <a:solidFill>
+          <a:schemeClr val="phClr"/>
+        </a:solidFill>
+        <a:gradFill rotWithShape="1">
+          <a:gsLst>
+            <a:gs pos="0">
+              <a:schemeClr val="phClr">
+                <a:lumMod val="110000"/>
+                <a:satMod val="105000"/>
+                <a:tint val="67000"/>
+              </a:schemeClr>
+            </a:gs>
+            <a:gs pos="50000">
+              <a:schemeClr val="phClr">
+                <a:lumMod val="105000"/>
+                <a:satMod val="103000"/>
+                <a:tint val="73000"/>
+              </a:schemeClr>
+            </a:gs>
+            <a:gs pos="100000">
+              <a:schemeClr val="phClr">
+                <a:lumMod val="105000"/>
+                <a:satMod val="109000"/>
+                <a:tint val="81000"/>
+              </a:schemeClr>
+            </a:gs>
+          </a:gsLst>
+          <a:lin ang="5400000" scaled="0"/>
+        </a:gradFill>
+        <a:gradFill rotWithShape="1">
+          <a:gsLst>
+            <a:gs pos="0">
+              <a:schemeClr val="phClr">
+                <a:satMod val="103000"/>
+                <a:lumMod val="102000"/>
+                <a:tint val="94000"/>
+              </a:schemeClr>
+            </a:gs>
+            <a:gs pos="50000">
+              <a:schemeClr val="phClr">
+                <a:satMod val="110000"/>
+                <a:lumMod val="100000"/>
+                <a:shade val="100000"/>
+              </a:schemeClr>
+            </a:gs>
+            <a:gs pos="100000">
+              <a:schemeClr val="phClr">
+                <a:lumMod val="99000"/>
+                <a:satMod val="120000"/>
+                <a:shade val="78000"/>
+              </a:schemeClr>
+            </a:gs>
+          </a:gsLst>
+          <a:lin ang="5400000" scaled="0"/>
+        </a:gradFill>
+      </a:fillStyleLst>
+      <a:lnStyleLst>
+        <a:ln w="6350" cap="flat" cmpd="sng" algn="ctr">
+          <a:solidFill>
+            <a:schemeClr val="phClr"/>
+          </a:solidFill>
+          <a:prstDash val="solid"/>
+          <a:miter lim="800000"/>
+        </a:ln>
+        <a:ln w="12700" cap="flat" cmpd="sng" algn="ctr">
+          <a:solidFill>
+            <a:schemeClr val="phClr"/>
+          </a:solidFill>
+          <a:prstDash val="solid"/>
+          <a:miter lim="800000"/>
+        </a:ln>
+        <a:ln w="19050" cap="flat" cmpd="sng" algn="ctr">
+          <a:solidFill>
+            <a:schemeClr val="phClr"/>
+          </a:solidFill>
+          <a:prstDash val="solid"/>
+          <a:miter lim="800000"/>
+        </a:ln>
+      </a:lnStyleLst>
+      <a:effectStyleLst>
+        <a:effectStyle>
+          <a:effectLst/>
+        </a:effectStyle>
+        <a:effectStyle>
+          <a:effectLst/>
+        </a:effectStyle>
+        <a:effectStyle>
+          <a:effectLst>
+            <a:outerShdw blurRad="57150" dist="19050" dir="5400000" algn="ctr" rotWithShape="0">
+              <a:srgbClr val="000000">
+                <a:alpha val="63000"/>
+              </a:srgbClr>
+            </a:outerShdw>
+          </a:effectLst>
+        </a:effectStyle>
+      </a:effectStyleLst>
+      <a:bgFillStyleLst>
+        <a:solidFill>
+          <a:schemeClr val="phClr"/>
+        </a:solidFill>
+        <a:solidFill>
+          <a:schemeClr val="phClr">
+            <a:tint val="95000"/>
+            <a:satMod val="170000"/>
+          </a:schemeClr>
+        </a:solidFill>
+        <a:gradFill rotWithShape="1">
+          <a:gsLst>
+            <a:gs pos="0">
+              <a:schemeClr val="phClr">
+                <a:tint val="93000"/>
+                <a:satMod val="150000"/>
+                <a:shade val="98000"/>
+                <a:lumMod val="102000"/>
+              </a:schemeClr>
+            </a:gs>
+            <a:gs pos="50000">
+              <a:schemeClr val="phClr">
+                <a:tint val="98000"/>
+                <a:satMod val="130000"/>
+                <a:shade val="90000"/>
+                <a:lumMod val="103000"/>
+              </a:schemeClr>
+            </a:gs>
+            <a:gs pos="100000">
+              <a:schemeClr val="phClr">
+                <a:shade val="63000"/>
+                <a:satMod val="120000"/>
+              </a:schemeClr>
+            </a:gs>
+          </a:gsLst>
+          <a:lin ang="5400000" scaled="0"/>
+        </a:gradFill>
+      </a:bgFillStyleLst>
+    </a:fmtScheme>
+  </a:themeElements>
+  <a:objectDefaults/>
+  <a:extraClrSchemeLst/>
+  <a:extLst>
+    <a:ext uri="{05A4C25C-085E-4340-85A3-A5531E510DB2}">
+      <thm15:themeFamily xmlns:thm15="http://schemas.microsoft.com/office/thememl/2012/main" name="Office Theme" id="{62F939B6-93AF-4DB8-9C6B-D6C7DFDC589F}" vid="{4A3C46E8-61CC-4603-A589-7422A47A8E4A}"/>
+    </a:ext>
+  </a:extLst>
+</a:theme>
 </file>
--- a/units/6/lessons/2/resources/petascale-lesson-6.2-slides.pptx
+++ b/units/6/lessons/2/resources/petascale-lesson-6.2-slides.pptx
@@ -9,7 +9,7 @@
   </p:notesMasterIdLst>
   <p:sldIdLst>
     <p:sldId id="271" r:id="rId2"/>
-    <p:sldId id="272" r:id="rId3"/>
+    <p:sldId id="273" r:id="rId3"/>
     <p:sldId id="257" r:id="rId4"/>
     <p:sldId id="258" r:id="rId5"/>
     <p:sldId id="259" r:id="rId6"/>
@@ -223,7 +223,7 @@
           <a:p>
             <a:fld id="{198F8C69-B354-AA4A-BE89-23247935F46D}" type="datetimeFigureOut">
               <a:rPr lang="en-US" smtClean="0"/>
-              <a:t>9/12/20</a:t>
+              <a:t>10/11/20</a:t>
             </a:fld>
             <a:endParaRPr lang="en-US"/>
           </a:p>
@@ -757,7 +757,7 @@
           <a:p>
             <a:fld id="{2DB20506-12EC-1649-864B-FCEFF4C5FDE1}" type="datetimeFigureOut">
               <a:rPr lang="en-US" smtClean="0"/>
-              <a:t>9/12/20</a:t>
+              <a:t>10/11/20</a:t>
             </a:fld>
             <a:endParaRPr lang="en-US"/>
           </a:p>
@@ -927,7 +927,7 @@
           <a:p>
             <a:fld id="{2DB20506-12EC-1649-864B-FCEFF4C5FDE1}" type="datetimeFigureOut">
               <a:rPr lang="en-US" smtClean="0"/>
-              <a:t>9/12/20</a:t>
+              <a:t>10/11/20</a:t>
             </a:fld>
             <a:endParaRPr lang="en-US"/>
           </a:p>
@@ -1107,7 +1107,7 @@
           <a:p>
             <a:fld id="{2DB20506-12EC-1649-864B-FCEFF4C5FDE1}" type="datetimeFigureOut">
               <a:rPr lang="en-US" smtClean="0"/>
-              <a:t>9/12/20</a:t>
+              <a:t>10/11/20</a:t>
             </a:fld>
             <a:endParaRPr lang="en-US"/>
           </a:p>
@@ -1277,7 +1277,7 @@
           <a:p>
             <a:fld id="{2DB20506-12EC-1649-864B-FCEFF4C5FDE1}" type="datetimeFigureOut">
               <a:rPr lang="en-US" smtClean="0"/>
-              <a:t>9/12/20</a:t>
+              <a:t>10/11/20</a:t>
             </a:fld>
             <a:endParaRPr lang="en-US"/>
           </a:p>
@@ -1523,7 +1523,7 @@
           <a:p>
             <a:fld id="{2DB20506-12EC-1649-864B-FCEFF4C5FDE1}" type="datetimeFigureOut">
               <a:rPr lang="en-US" smtClean="0"/>
-              <a:t>9/12/20</a:t>
+              <a:t>10/11/20</a:t>
             </a:fld>
             <a:endParaRPr lang="en-US"/>
           </a:p>
@@ -1811,7 +1811,7 @@
           <a:p>
             <a:fld id="{2DB20506-12EC-1649-864B-FCEFF4C5FDE1}" type="datetimeFigureOut">
               <a:rPr lang="en-US" smtClean="0"/>
-              <a:t>9/12/20</a:t>
+              <a:t>10/11/20</a:t>
             </a:fld>
             <a:endParaRPr lang="en-US"/>
           </a:p>
@@ -2233,7 +2233,7 @@
           <a:p>
             <a:fld id="{2DB20506-12EC-1649-864B-FCEFF4C5FDE1}" type="datetimeFigureOut">
               <a:rPr lang="en-US" smtClean="0"/>
-              <a:t>9/12/20</a:t>
+              <a:t>10/11/20</a:t>
             </a:fld>
             <a:endParaRPr lang="en-US"/>
           </a:p>
@@ -2351,7 +2351,7 @@
           <a:p>
             <a:fld id="{2DB20506-12EC-1649-864B-FCEFF4C5FDE1}" type="datetimeFigureOut">
               <a:rPr lang="en-US" smtClean="0"/>
-              <a:t>9/12/20</a:t>
+              <a:t>10/11/20</a:t>
             </a:fld>
             <a:endParaRPr lang="en-US"/>
           </a:p>
@@ -2446,7 +2446,7 @@
           <a:p>
             <a:fld id="{2DB20506-12EC-1649-864B-FCEFF4C5FDE1}" type="datetimeFigureOut">
               <a:rPr lang="en-US" smtClean="0"/>
-              <a:t>9/12/20</a:t>
+              <a:t>10/11/20</a:t>
             </a:fld>
             <a:endParaRPr lang="en-US"/>
           </a:p>
@@ -2723,7 +2723,7 @@
           <a:p>
             <a:fld id="{2DB20506-12EC-1649-864B-FCEFF4C5FDE1}" type="datetimeFigureOut">
               <a:rPr lang="en-US" smtClean="0"/>
-              <a:t>9/12/20</a:t>
+              <a:t>10/11/20</a:t>
             </a:fld>
             <a:endParaRPr lang="en-US"/>
           </a:p>
@@ -2976,7 +2976,7 @@
           <a:p>
             <a:fld id="{2DB20506-12EC-1649-864B-FCEFF4C5FDE1}" type="datetimeFigureOut">
               <a:rPr lang="en-US" smtClean="0"/>
-              <a:t>9/12/20</a:t>
+              <a:t>10/11/20</a:t>
             </a:fld>
             <a:endParaRPr lang="en-US"/>
           </a:p>
@@ -3189,7 +3189,7 @@
           <a:p>
             <a:fld id="{2DB20506-12EC-1649-864B-FCEFF4C5FDE1}" type="datetimeFigureOut">
               <a:rPr lang="en-US" smtClean="0"/>
-              <a:t>9/12/20</a:t>
+              <a:t>10/11/20</a:t>
             </a:fld>
             <a:endParaRPr lang="en-US"/>
           </a:p>
@@ -3620,15 +3620,7 @@
                 <a:ea typeface="Times New Roman" charset="0"/>
                 <a:cs typeface="Times New Roman" charset="0"/>
               </a:rPr>
-              <a:t>Unit </a:t>
-            </a:r>
-            <a:r>
-              <a:rPr lang="en-US" sz="2700" b="1" dirty="0">
-                <a:latin typeface="Times New Roman" charset="0"/>
-                <a:ea typeface="Times New Roman" charset="0"/>
-                <a:cs typeface="Times New Roman" charset="0"/>
-              </a:rPr>
-              <a:t>6: Hybrid MPI + </a:t>
+              <a:t>Unit 6: Hybrid MPI + </a:t>
             </a:r>
             <a:r>
               <a:rPr lang="en-US" sz="2700" b="1" dirty="0" err="1">
@@ -3693,14 +3685,6 @@
               </a:rPr>
               <a:t> vs. MPI vs. Both</a:t>
             </a:r>
-            <a:r>
-              <a:rPr lang="en-US" sz="2700" b="1" dirty="0">
-                <a:latin typeface="Times New Roman" charset="0"/>
-                <a:ea typeface="Times New Roman" charset="0"/>
-                <a:cs typeface="Times New Roman" charset="0"/>
-              </a:rPr>
-              <a:t/>
-            </a:r>
             <a:br>
               <a:rPr lang="en-US" sz="2700" b="1" dirty="0">
                 <a:latin typeface="Times New Roman" charset="0"/>
@@ -3714,23 +3698,7 @@
                 <a:ea typeface="Times New Roman" charset="0"/>
                 <a:cs typeface="Times New Roman" charset="0"/>
               </a:rPr>
-              <a:t>Developed by </a:t>
-            </a:r>
-            <a:r>
-              <a:rPr lang="en-US" sz="2700" i="1" dirty="0">
-                <a:latin typeface="Times New Roman" charset="0"/>
-                <a:ea typeface="Times New Roman" charset="0"/>
-                <a:cs typeface="Times New Roman" charset="0"/>
-              </a:rPr>
-              <a:t>Colleen Heinemann</a:t>
-            </a:r>
-            <a:r>
-              <a:rPr lang="en-US" sz="2700" i="1" dirty="0">
-                <a:latin typeface="Times New Roman" charset="0"/>
-                <a:ea typeface="Times New Roman" charset="0"/>
-                <a:cs typeface="Times New Roman" charset="0"/>
-              </a:rPr>
-              <a:t/>
+              <a:t>Developed by Colleen Heinemann</a:t>
             </a:r>
             <a:br>
               <a:rPr lang="en-US" sz="2700" i="1" dirty="0">
@@ -4741,7 +4709,7 @@
         </p:nvSpPr>
         <p:spPr>
           <a:xfrm>
-            <a:off x="566059" y="857250"/>
+            <a:off x="566057" y="857250"/>
             <a:ext cx="8011886" cy="5143500"/>
           </a:xfrm>
         </p:spPr>
@@ -4788,7 +4756,23 @@
                 <a:ea typeface="Times New Roman" charset="0"/>
                 <a:cs typeface="Times New Roman" charset="0"/>
               </a:rPr>
-              <a:t>CC BY-NC 4.0. To view a copy of this license, visit </a:t>
+              <a:t>CC </a:t>
+            </a:r>
+            <a:r>
+              <a:rPr lang="en-US" sz="2100" dirty="0">
+                <a:latin typeface="Times New Roman" charset="0"/>
+                <a:ea typeface="Times New Roman" charset="0"/>
+                <a:cs typeface="Times New Roman" charset="0"/>
+              </a:rPr>
+              <a:t>BY-SA </a:t>
+            </a:r>
+            <a:r>
+              <a:rPr lang="en-US" sz="2100" dirty="0">
+                <a:latin typeface="Times New Roman" charset="0"/>
+                <a:ea typeface="Times New Roman" charset="0"/>
+                <a:cs typeface="Times New Roman" charset="0"/>
+              </a:rPr>
+              <a:t>4.0. To view a copy of this license, visit </a:t>
             </a:r>
             <a:r>
               <a:rPr lang="en-US" sz="2100" dirty="0">
@@ -4797,7 +4781,16 @@
                 <a:cs typeface="Times New Roman" charset="0"/>
                 <a:hlinkClick r:id="rId2"/>
               </a:rPr>
-              <a:t>https://creativecommons.org/licenses/by-nc/4.0</a:t>
+              <a:t>https://</a:t>
+            </a:r>
+            <a:r>
+              <a:rPr lang="en-US" sz="2100" dirty="0">
+                <a:latin typeface="Times New Roman" charset="0"/>
+                <a:ea typeface="Times New Roman" charset="0"/>
+                <a:cs typeface="Times New Roman" charset="0"/>
+                <a:hlinkClick r:id="rId2"/>
+              </a:rPr>
+              <a:t>creativecommons.org/licenses/by-sa/4.0</a:t>
             </a:r>
             <a:r>
               <a:rPr lang="en-US" sz="2100" dirty="0">
@@ -4951,20 +4944,13 @@
     </p:spTree>
     <p:extLst>
       <p:ext uri="{BB962C8B-B14F-4D97-AF65-F5344CB8AC3E}">
-        <p14:creationId xmlns:p14="http://schemas.microsoft.com/office/powerpoint/2010/main" val="1636754883"/>
+        <p14:creationId xmlns:p14="http://schemas.microsoft.com/office/powerpoint/2010/main" val="1933397002"/>
       </p:ext>
     </p:extLst>
   </p:cSld>
   <p:clrMapOvr>
     <a:masterClrMapping/>
   </p:clrMapOvr>
-  <p:timing>
-    <p:tnLst>
-      <p:par>
-        <p:cTn id="1" dur="indefinite" restart="never" nodeType="tmRoot"/>
-      </p:par>
-    </p:tnLst>
-  </p:timing>
 </p:sld>
 </file>
 

--- a/units/6/lessons/2/resources/petascale-lesson-6.2-slides.pptx
+++ b/units/6/lessons/2/resources/petascale-lesson-6.2-slides.pptx
@@ -141,6 +141,324 @@
 </p:presentation>
 </file>
 
+<file path=ppt/revisionInfo.xml><?xml version="1.0" encoding="utf-8"?>
+<p1510:revInfo xmlns:a="http://schemas.openxmlformats.org/drawingml/2006/main" xmlns:r="http://schemas.openxmlformats.org/officeDocument/2006/relationships" xmlns:p1510="http://schemas.microsoft.com/office/powerpoint/2015/10/main">
+  <p1510:revLst>
+    <p1510:client id="{88BC1062-C9E9-482D-B536-5E0C147E416D}" v="48" dt="2020-12-04T19:26:49.346"/>
+  </p1510:revLst>
+</p1510:revInfo>
+</file>
+
+<file path=ppt/changesInfos/changesInfo1.xml><?xml version="1.0" encoding="utf-8"?>
+<pc:chgInfo xmlns:a="http://schemas.openxmlformats.org/drawingml/2006/main" xmlns:r="http://schemas.openxmlformats.org/officeDocument/2006/relationships" xmlns:ac="http://schemas.microsoft.com/office/drawing/2013/main/command" xmlns:pc="http://schemas.microsoft.com/office/powerpoint/2013/main/command">
+  <pc:docChgLst>
+    <pc:chgData name="Magik Home" userId="68ebee5321e2cff8" providerId="LiveId" clId="{88BC1062-C9E9-482D-B536-5E0C147E416D}"/>
+    <pc:docChg chg="undo redo custSel addSld delSld modSld">
+      <pc:chgData name="Magik Home" userId="68ebee5321e2cff8" providerId="LiveId" clId="{88BC1062-C9E9-482D-B536-5E0C147E416D}" dt="2020-12-04T19:26:55.073" v="146" actId="1076"/>
+      <pc:docMkLst>
+        <pc:docMk/>
+      </pc:docMkLst>
+      <pc:sldChg chg="addSp delSp modSp mod">
+        <pc:chgData name="Magik Home" userId="68ebee5321e2cff8" providerId="LiveId" clId="{88BC1062-C9E9-482D-B536-5E0C147E416D}" dt="2020-12-04T19:10:43.803" v="108" actId="2711"/>
+        <pc:sldMkLst>
+          <pc:docMk/>
+          <pc:sldMk cId="4128000493" sldId="263"/>
+        </pc:sldMkLst>
+        <pc:spChg chg="add mod">
+          <ac:chgData name="Magik Home" userId="68ebee5321e2cff8" providerId="LiveId" clId="{88BC1062-C9E9-482D-B536-5E0C147E416D}" dt="2020-12-04T19:10:43.803" v="108" actId="2711"/>
+          <ac:spMkLst>
+            <pc:docMk/>
+            <pc:sldMk cId="4128000493" sldId="263"/>
+            <ac:spMk id="8" creationId="{01C82D10-FFF0-4BD9-A334-832DA0E76CC4}"/>
+          </ac:spMkLst>
+        </pc:spChg>
+        <pc:picChg chg="del">
+          <ac:chgData name="Magik Home" userId="68ebee5321e2cff8" providerId="LiveId" clId="{88BC1062-C9E9-482D-B536-5E0C147E416D}" dt="2020-12-04T18:42:43.689" v="0" actId="478"/>
+          <ac:picMkLst>
+            <pc:docMk/>
+            <pc:sldMk cId="4128000493" sldId="263"/>
+            <ac:picMk id="4" creationId="{00000000-0000-0000-0000-000000000000}"/>
+          </ac:picMkLst>
+        </pc:picChg>
+        <pc:picChg chg="add mod">
+          <ac:chgData name="Magik Home" userId="68ebee5321e2cff8" providerId="LiveId" clId="{88BC1062-C9E9-482D-B536-5E0C147E416D}" dt="2020-12-04T18:42:53.259" v="6" actId="1076"/>
+          <ac:picMkLst>
+            <pc:docMk/>
+            <pc:sldMk cId="4128000493" sldId="263"/>
+            <ac:picMk id="6" creationId="{76B9FD30-636B-4ABC-A8B3-F016E6629193}"/>
+          </ac:picMkLst>
+        </pc:picChg>
+        <pc:picChg chg="add del mod">
+          <ac:chgData name="Magik Home" userId="68ebee5321e2cff8" providerId="LiveId" clId="{88BC1062-C9E9-482D-B536-5E0C147E416D}" dt="2020-12-04T18:50:56.588" v="32"/>
+          <ac:picMkLst>
+            <pc:docMk/>
+            <pc:sldMk cId="4128000493" sldId="263"/>
+            <ac:picMk id="10" creationId="{1538F954-E450-44C3-80F6-B45A434E2E1C}"/>
+          </ac:picMkLst>
+        </pc:picChg>
+      </pc:sldChg>
+      <pc:sldChg chg="addSp delSp modSp mod">
+        <pc:chgData name="Magik Home" userId="68ebee5321e2cff8" providerId="LiveId" clId="{88BC1062-C9E9-482D-B536-5E0C147E416D}" dt="2020-12-04T19:10:50.603" v="109" actId="2711"/>
+        <pc:sldMkLst>
+          <pc:docMk/>
+          <pc:sldMk cId="1423043437" sldId="264"/>
+        </pc:sldMkLst>
+        <pc:spChg chg="mod">
+          <ac:chgData name="Magik Home" userId="68ebee5321e2cff8" providerId="LiveId" clId="{88BC1062-C9E9-482D-B536-5E0C147E416D}" dt="2020-12-04T18:48:55.130" v="24" actId="20577"/>
+          <ac:spMkLst>
+            <pc:docMk/>
+            <pc:sldMk cId="1423043437" sldId="264"/>
+            <ac:spMk id="3" creationId="{00000000-0000-0000-0000-000000000000}"/>
+          </ac:spMkLst>
+        </pc:spChg>
+        <pc:spChg chg="add mod">
+          <ac:chgData name="Magik Home" userId="68ebee5321e2cff8" providerId="LiveId" clId="{88BC1062-C9E9-482D-B536-5E0C147E416D}" dt="2020-12-04T19:10:50.603" v="109" actId="2711"/>
+          <ac:spMkLst>
+            <pc:docMk/>
+            <pc:sldMk cId="1423043437" sldId="264"/>
+            <ac:spMk id="9" creationId="{A0407DE4-1FA7-4E18-A94A-2F4CFBB4314B}"/>
+          </ac:spMkLst>
+        </pc:spChg>
+        <pc:picChg chg="add del mod">
+          <ac:chgData name="Magik Home" userId="68ebee5321e2cff8" providerId="LiveId" clId="{88BC1062-C9E9-482D-B536-5E0C147E416D}" dt="2020-12-04T18:50:41.735" v="26"/>
+          <ac:picMkLst>
+            <pc:docMk/>
+            <pc:sldMk cId="1423043437" sldId="264"/>
+            <ac:picMk id="5" creationId="{7D37BEA8-7BE3-41BF-A9F9-9112ABAF7540}"/>
+          </ac:picMkLst>
+        </pc:picChg>
+        <pc:picChg chg="del">
+          <ac:chgData name="Magik Home" userId="68ebee5321e2cff8" providerId="LiveId" clId="{88BC1062-C9E9-482D-B536-5E0C147E416D}" dt="2020-12-04T18:50:44.055" v="27" actId="478"/>
+          <ac:picMkLst>
+            <pc:docMk/>
+            <pc:sldMk cId="1423043437" sldId="264"/>
+            <ac:picMk id="6" creationId="{00000000-0000-0000-0000-000000000000}"/>
+          </ac:picMkLst>
+        </pc:picChg>
+        <pc:picChg chg="add mod">
+          <ac:chgData name="Magik Home" userId="68ebee5321e2cff8" providerId="LiveId" clId="{88BC1062-C9E9-482D-B536-5E0C147E416D}" dt="2020-12-04T18:50:49.308" v="30" actId="1076"/>
+          <ac:picMkLst>
+            <pc:docMk/>
+            <pc:sldMk cId="1423043437" sldId="264"/>
+            <ac:picMk id="8" creationId="{98D78FCB-6747-499A-810B-3C1E34678354}"/>
+          </ac:picMkLst>
+        </pc:picChg>
+      </pc:sldChg>
+      <pc:sldChg chg="addSp delSp modSp mod">
+        <pc:chgData name="Magik Home" userId="68ebee5321e2cff8" providerId="LiveId" clId="{88BC1062-C9E9-482D-B536-5E0C147E416D}" dt="2020-12-04T19:11:06.323" v="110" actId="2711"/>
+        <pc:sldMkLst>
+          <pc:docMk/>
+          <pc:sldMk cId="3497251861" sldId="265"/>
+        </pc:sldMkLst>
+        <pc:spChg chg="add mod">
+          <ac:chgData name="Magik Home" userId="68ebee5321e2cff8" providerId="LiveId" clId="{88BC1062-C9E9-482D-B536-5E0C147E416D}" dt="2020-12-04T19:11:06.323" v="110" actId="2711"/>
+          <ac:spMkLst>
+            <pc:docMk/>
+            <pc:sldMk cId="3497251861" sldId="265"/>
+            <ac:spMk id="8" creationId="{22B2AB1D-29E4-498C-B9B2-FDE34F0BAB45}"/>
+          </ac:spMkLst>
+        </pc:spChg>
+        <pc:graphicFrameChg chg="add del mod">
+          <ac:chgData name="Magik Home" userId="68ebee5321e2cff8" providerId="LiveId" clId="{88BC1062-C9E9-482D-B536-5E0C147E416D}" dt="2020-12-04T18:55:26.120" v="66"/>
+          <ac:graphicFrameMkLst>
+            <pc:docMk/>
+            <pc:sldMk cId="3497251861" sldId="265"/>
+            <ac:graphicFrameMk id="4" creationId="{29A3D0D9-E2AD-4B1C-AF2E-71D0574056E9}"/>
+          </ac:graphicFrameMkLst>
+        </pc:graphicFrameChg>
+        <pc:graphicFrameChg chg="add del mod">
+          <ac:chgData name="Magik Home" userId="68ebee5321e2cff8" providerId="LiveId" clId="{88BC1062-C9E9-482D-B536-5E0C147E416D}" dt="2020-12-04T18:55:35.121" v="68"/>
+          <ac:graphicFrameMkLst>
+            <pc:docMk/>
+            <pc:sldMk cId="3497251861" sldId="265"/>
+            <ac:graphicFrameMk id="6" creationId="{178FA12A-29E0-4C55-80C1-1F99C93D81D5}"/>
+          </ac:graphicFrameMkLst>
+        </pc:graphicFrameChg>
+        <pc:picChg chg="del">
+          <ac:chgData name="Magik Home" userId="68ebee5321e2cff8" providerId="LiveId" clId="{88BC1062-C9E9-482D-B536-5E0C147E416D}" dt="2020-12-04T18:56:04.527" v="69" actId="478"/>
+          <ac:picMkLst>
+            <pc:docMk/>
+            <pc:sldMk cId="3497251861" sldId="265"/>
+            <ac:picMk id="5" creationId="{00000000-0000-0000-0000-000000000000}"/>
+          </ac:picMkLst>
+        </pc:picChg>
+        <pc:picChg chg="add mod">
+          <ac:chgData name="Magik Home" userId="68ebee5321e2cff8" providerId="LiveId" clId="{88BC1062-C9E9-482D-B536-5E0C147E416D}" dt="2020-12-04T18:56:10.874" v="72" actId="1076"/>
+          <ac:picMkLst>
+            <pc:docMk/>
+            <pc:sldMk cId="3497251861" sldId="265"/>
+            <ac:picMk id="1026" creationId="{087036D2-83D9-41FC-A204-8E4556534F62}"/>
+          </ac:picMkLst>
+        </pc:picChg>
+      </pc:sldChg>
+      <pc:sldChg chg="addSp delSp modSp mod">
+        <pc:chgData name="Magik Home" userId="68ebee5321e2cff8" providerId="LiveId" clId="{88BC1062-C9E9-482D-B536-5E0C147E416D}" dt="2020-12-04T19:11:21.165" v="112" actId="14100"/>
+        <pc:sldMkLst>
+          <pc:docMk/>
+          <pc:sldMk cId="4261563017" sldId="266"/>
+        </pc:sldMkLst>
+        <pc:spChg chg="add mod">
+          <ac:chgData name="Magik Home" userId="68ebee5321e2cff8" providerId="LiveId" clId="{88BC1062-C9E9-482D-B536-5E0C147E416D}" dt="2020-12-04T19:11:21.165" v="112" actId="14100"/>
+          <ac:spMkLst>
+            <pc:docMk/>
+            <pc:sldMk cId="4261563017" sldId="266"/>
+            <ac:spMk id="9" creationId="{B5AB7146-2287-464D-AF2F-41B1EEC7B191}"/>
+          </ac:spMkLst>
+        </pc:spChg>
+        <pc:picChg chg="del">
+          <ac:chgData name="Magik Home" userId="68ebee5321e2cff8" providerId="LiveId" clId="{88BC1062-C9E9-482D-B536-5E0C147E416D}" dt="2020-12-04T19:01:02.672" v="78" actId="478"/>
+          <ac:picMkLst>
+            <pc:docMk/>
+            <pc:sldMk cId="4261563017" sldId="266"/>
+            <ac:picMk id="5" creationId="{00000000-0000-0000-0000-000000000000}"/>
+          </ac:picMkLst>
+        </pc:picChg>
+        <pc:picChg chg="add del mod">
+          <ac:chgData name="Magik Home" userId="68ebee5321e2cff8" providerId="LiveId" clId="{88BC1062-C9E9-482D-B536-5E0C147E416D}" dt="2020-12-04T19:01:01.562" v="77"/>
+          <ac:picMkLst>
+            <pc:docMk/>
+            <pc:sldMk cId="4261563017" sldId="266"/>
+            <ac:picMk id="6" creationId="{A04ECD54-85EB-4C8F-9969-5B8B9F65B36E}"/>
+          </ac:picMkLst>
+        </pc:picChg>
+        <pc:picChg chg="add mod">
+          <ac:chgData name="Magik Home" userId="68ebee5321e2cff8" providerId="LiveId" clId="{88BC1062-C9E9-482D-B536-5E0C147E416D}" dt="2020-12-04T19:01:16.767" v="88" actId="1076"/>
+          <ac:picMkLst>
+            <pc:docMk/>
+            <pc:sldMk cId="4261563017" sldId="266"/>
+            <ac:picMk id="8" creationId="{B27F4B3A-D452-427E-872F-F8CE066EFA8F}"/>
+          </ac:picMkLst>
+        </pc:picChg>
+      </pc:sldChg>
+      <pc:sldChg chg="addSp delSp modSp mod">
+        <pc:chgData name="Magik Home" userId="68ebee5321e2cff8" providerId="LiveId" clId="{88BC1062-C9E9-482D-B536-5E0C147E416D}" dt="2020-12-04T19:11:28.681" v="113" actId="2711"/>
+        <pc:sldMkLst>
+          <pc:docMk/>
+          <pc:sldMk cId="3685084141" sldId="267"/>
+        </pc:sldMkLst>
+        <pc:spChg chg="add mod">
+          <ac:chgData name="Magik Home" userId="68ebee5321e2cff8" providerId="LiveId" clId="{88BC1062-C9E9-482D-B536-5E0C147E416D}" dt="2020-12-04T19:11:28.681" v="113" actId="2711"/>
+          <ac:spMkLst>
+            <pc:docMk/>
+            <pc:sldMk cId="3685084141" sldId="267"/>
+            <ac:spMk id="7" creationId="{623D3C27-539C-4F16-B118-D85CCC0C9067}"/>
+          </ac:spMkLst>
+        </pc:spChg>
+        <pc:picChg chg="del">
+          <ac:chgData name="Magik Home" userId="68ebee5321e2cff8" providerId="LiveId" clId="{88BC1062-C9E9-482D-B536-5E0C147E416D}" dt="2020-12-04T19:07:33.215" v="98" actId="478"/>
+          <ac:picMkLst>
+            <pc:docMk/>
+            <pc:sldMk cId="3685084141" sldId="267"/>
+            <ac:picMk id="5" creationId="{00000000-0000-0000-0000-000000000000}"/>
+          </ac:picMkLst>
+        </pc:picChg>
+        <pc:picChg chg="add mod">
+          <ac:chgData name="Magik Home" userId="68ebee5321e2cff8" providerId="LiveId" clId="{88BC1062-C9E9-482D-B536-5E0C147E416D}" dt="2020-12-04T19:07:41.196" v="102" actId="1076"/>
+          <ac:picMkLst>
+            <pc:docMk/>
+            <pc:sldMk cId="3685084141" sldId="267"/>
+            <ac:picMk id="6" creationId="{0AA14A2B-0A37-4D72-AB05-F1C4DE2AB3E4}"/>
+          </ac:picMkLst>
+        </pc:picChg>
+      </pc:sldChg>
+      <pc:sldChg chg="addSp delSp modSp mod">
+        <pc:chgData name="Magik Home" userId="68ebee5321e2cff8" providerId="LiveId" clId="{88BC1062-C9E9-482D-B536-5E0C147E416D}" dt="2020-12-04T19:20:23.208" v="132" actId="1076"/>
+        <pc:sldMkLst>
+          <pc:docMk/>
+          <pc:sldMk cId="3746939051" sldId="268"/>
+        </pc:sldMkLst>
+        <pc:spChg chg="add del">
+          <ac:chgData name="Magik Home" userId="68ebee5321e2cff8" providerId="LiveId" clId="{88BC1062-C9E9-482D-B536-5E0C147E416D}" dt="2020-12-04T19:16:12.906" v="115" actId="22"/>
+          <ac:spMkLst>
+            <pc:docMk/>
+            <pc:sldMk cId="3746939051" sldId="268"/>
+            <ac:spMk id="6" creationId="{7D492AC3-5232-4A03-9DA2-BE576D47E5CF}"/>
+          </ac:spMkLst>
+        </pc:spChg>
+        <pc:spChg chg="add del mod">
+          <ac:chgData name="Magik Home" userId="68ebee5321e2cff8" providerId="LiveId" clId="{88BC1062-C9E9-482D-B536-5E0C147E416D}" dt="2020-12-04T19:17:28.763" v="123" actId="120"/>
+          <ac:spMkLst>
+            <pc:docMk/>
+            <pc:sldMk cId="3746939051" sldId="268"/>
+            <ac:spMk id="7" creationId="{9C8067CA-1D14-4A2D-91E6-01530EC198E8}"/>
+          </ac:spMkLst>
+        </pc:spChg>
+        <pc:graphicFrameChg chg="add del mod">
+          <ac:chgData name="Magik Home" userId="68ebee5321e2cff8" providerId="LiveId" clId="{88BC1062-C9E9-482D-B536-5E0C147E416D}" dt="2020-12-04T19:16:43.594" v="120"/>
+          <ac:graphicFrameMkLst>
+            <pc:docMk/>
+            <pc:sldMk cId="3746939051" sldId="268"/>
+            <ac:graphicFrameMk id="8" creationId="{C126D30F-F0AE-4FF7-8097-6E9516E464D8}"/>
+          </ac:graphicFrameMkLst>
+        </pc:graphicFrameChg>
+        <pc:picChg chg="add del mod">
+          <ac:chgData name="Magik Home" userId="68ebee5321e2cff8" providerId="LiveId" clId="{88BC1062-C9E9-482D-B536-5E0C147E416D}" dt="2020-12-04T19:20:14.408" v="128" actId="478"/>
+          <ac:picMkLst>
+            <pc:docMk/>
+            <pc:sldMk cId="3746939051" sldId="268"/>
+            <ac:picMk id="5" creationId="{00000000-0000-0000-0000-000000000000}"/>
+          </ac:picMkLst>
+        </pc:picChg>
+        <pc:picChg chg="add del mod">
+          <ac:chgData name="Magik Home" userId="68ebee5321e2cff8" providerId="LiveId" clId="{88BC1062-C9E9-482D-B536-5E0C147E416D}" dt="2020-12-04T19:20:23.208" v="132" actId="1076"/>
+          <ac:picMkLst>
+            <pc:docMk/>
+            <pc:sldMk cId="3746939051" sldId="268"/>
+            <ac:picMk id="2050" creationId="{4FEA67AC-A278-48C5-BD94-C907857ED7B6}"/>
+          </ac:picMkLst>
+        </pc:picChg>
+      </pc:sldChg>
+      <pc:sldChg chg="addSp delSp modSp add del mod">
+        <pc:chgData name="Magik Home" userId="68ebee5321e2cff8" providerId="LiveId" clId="{88BC1062-C9E9-482D-B536-5E0C147E416D}" dt="2020-12-04T19:26:55.073" v="146" actId="1076"/>
+        <pc:sldMkLst>
+          <pc:docMk/>
+          <pc:sldMk cId="3620262547" sldId="269"/>
+        </pc:sldMkLst>
+        <pc:spChg chg="add mod">
+          <ac:chgData name="Magik Home" userId="68ebee5321e2cff8" providerId="LiveId" clId="{88BC1062-C9E9-482D-B536-5E0C147E416D}" dt="2020-12-04T19:26:55.073" v="146" actId="1076"/>
+          <ac:spMkLst>
+            <pc:docMk/>
+            <pc:sldMk cId="3620262547" sldId="269"/>
+            <ac:spMk id="7" creationId="{24E28F68-B645-404E-AB95-DE912F54FF9E}"/>
+          </ac:spMkLst>
+        </pc:spChg>
+        <pc:picChg chg="add mod">
+          <ac:chgData name="Magik Home" userId="68ebee5321e2cff8" providerId="LiveId" clId="{88BC1062-C9E9-482D-B536-5E0C147E416D}" dt="2020-12-04T19:21:26.275" v="143" actId="1076"/>
+          <ac:picMkLst>
+            <pc:docMk/>
+            <pc:sldMk cId="3620262547" sldId="269"/>
+            <ac:picMk id="5" creationId="{13AF5F2D-121D-412D-9D94-6AF5B95DFFAD}"/>
+          </ac:picMkLst>
+        </pc:picChg>
+        <pc:picChg chg="del">
+          <ac:chgData name="Magik Home" userId="68ebee5321e2cff8" providerId="LiveId" clId="{88BC1062-C9E9-482D-B536-5E0C147E416D}" dt="2020-12-04T19:21:17.660" v="137" actId="478"/>
+          <ac:picMkLst>
+            <pc:docMk/>
+            <pc:sldMk cId="3620262547" sldId="269"/>
+            <ac:picMk id="6" creationId="{00000000-0000-0000-0000-000000000000}"/>
+          </ac:picMkLst>
+        </pc:picChg>
+      </pc:sldChg>
+      <pc:sldChg chg="addSp delSp modSp">
+        <pc:chgData name="Magik Home" userId="68ebee5321e2cff8" providerId="LiveId" clId="{88BC1062-C9E9-482D-B536-5E0C147E416D}" dt="2020-12-04T19:21:15.636" v="135"/>
+        <pc:sldMkLst>
+          <pc:docMk/>
+          <pc:sldMk cId="1844687405" sldId="270"/>
+        </pc:sldMkLst>
+        <pc:picChg chg="add del mod">
+          <ac:chgData name="Magik Home" userId="68ebee5321e2cff8" providerId="LiveId" clId="{88BC1062-C9E9-482D-B536-5E0C147E416D}" dt="2020-12-04T19:21:15.636" v="135"/>
+          <ac:picMkLst>
+            <pc:docMk/>
+            <pc:sldMk cId="1844687405" sldId="270"/>
+            <ac:picMk id="5" creationId="{2399E6D1-CC78-4705-8114-835E6BFCA2A2}"/>
+          </ac:picMkLst>
+        </pc:picChg>
+      </pc:sldChg>
+    </pc:docChg>
+  </pc:docChgLst>
+</pc:chgInfo>
+</file>
+
 <file path=ppt/notesMasters/notesMaster1.xml><?xml version="1.0" encoding="utf-8"?>
 <p:notesMaster xmlns:a="http://schemas.openxmlformats.org/drawingml/2006/main" xmlns:r="http://schemas.openxmlformats.org/officeDocument/2006/relationships" xmlns:p="http://schemas.openxmlformats.org/presentationml/2006/main">
   <p:cSld>
@@ -223,7 +541,7 @@
           <a:p>
             <a:fld id="{198F8C69-B354-AA4A-BE89-23247935F46D}" type="datetimeFigureOut">
               <a:rPr lang="en-US" smtClean="0"/>
-              <a:t>10/11/20</a:t>
+              <a:t>12/4/2020</a:t>
             </a:fld>
             <a:endParaRPr lang="en-US"/>
           </a:p>
@@ -287,38 +605,37 @@
           <a:p>
             <a:pPr lvl="0"/>
             <a:r>
-              <a:rPr lang="en-US" smtClean="0"/>
+              <a:rPr lang="en-US"/>
               <a:t>Click to edit Master text styles</a:t>
             </a:r>
           </a:p>
           <a:p>
             <a:pPr lvl="1"/>
             <a:r>
-              <a:rPr lang="en-US" smtClean="0"/>
+              <a:rPr lang="en-US"/>
               <a:t>Second level</a:t>
             </a:r>
           </a:p>
           <a:p>
             <a:pPr lvl="2"/>
             <a:r>
-              <a:rPr lang="en-US" smtClean="0"/>
+              <a:rPr lang="en-US"/>
               <a:t>Third level</a:t>
             </a:r>
           </a:p>
           <a:p>
             <a:pPr lvl="3"/>
             <a:r>
-              <a:rPr lang="en-US" smtClean="0"/>
+              <a:rPr lang="en-US"/>
               <a:t>Fourth level</a:t>
             </a:r>
           </a:p>
           <a:p>
             <a:pPr lvl="4"/>
             <a:r>
-              <a:rPr lang="en-US" smtClean="0"/>
+              <a:rPr lang="en-US"/>
               <a:t>Fifth level</a:t>
             </a:r>
-            <a:endParaRPr lang="en-US"/>
           </a:p>
         </p:txBody>
       </p:sp>
@@ -614,10 +931,9 @@
           <a:lstStyle/>
           <a:p>
             <a:r>
-              <a:rPr lang="en-US" smtClean="0"/>
+              <a:rPr lang="en-US"/>
               <a:t>Click to edit Master title style</a:t>
             </a:r>
-            <a:endParaRPr lang="en-US"/>
           </a:p>
         </p:txBody>
       </p:sp>
@@ -733,10 +1049,9 @@
           </a:lstStyle>
           <a:p>
             <a:r>
-              <a:rPr lang="en-US" smtClean="0"/>
+              <a:rPr lang="en-US"/>
               <a:t>Click to edit Master subtitle style</a:t>
             </a:r>
-            <a:endParaRPr lang="en-US"/>
           </a:p>
         </p:txBody>
       </p:sp>
@@ -757,7 +1072,7 @@
           <a:p>
             <a:fld id="{2DB20506-12EC-1649-864B-FCEFF4C5FDE1}" type="datetimeFigureOut">
               <a:rPr lang="en-US" smtClean="0"/>
-              <a:t>10/11/20</a:t>
+              <a:t>12/4/2020</a:t>
             </a:fld>
             <a:endParaRPr lang="en-US"/>
           </a:p>
@@ -851,10 +1166,9 @@
           <a:lstStyle/>
           <a:p>
             <a:r>
-              <a:rPr lang="en-US" smtClean="0"/>
+              <a:rPr lang="en-US"/>
               <a:t>Click to edit Master title style</a:t>
             </a:r>
-            <a:endParaRPr lang="en-US"/>
           </a:p>
         </p:txBody>
       </p:sp>
@@ -875,38 +1189,37 @@
           <a:p>
             <a:pPr lvl="0"/>
             <a:r>
-              <a:rPr lang="en-US" smtClean="0"/>
+              <a:rPr lang="en-US"/>
               <a:t>Click to edit Master text styles</a:t>
             </a:r>
           </a:p>
           <a:p>
             <a:pPr lvl="1"/>
             <a:r>
-              <a:rPr lang="en-US" smtClean="0"/>
+              <a:rPr lang="en-US"/>
               <a:t>Second level</a:t>
             </a:r>
           </a:p>
           <a:p>
             <a:pPr lvl="2"/>
             <a:r>
-              <a:rPr lang="en-US" smtClean="0"/>
+              <a:rPr lang="en-US"/>
               <a:t>Third level</a:t>
             </a:r>
           </a:p>
           <a:p>
             <a:pPr lvl="3"/>
             <a:r>
-              <a:rPr lang="en-US" smtClean="0"/>
+              <a:rPr lang="en-US"/>
               <a:t>Fourth level</a:t>
             </a:r>
           </a:p>
           <a:p>
             <a:pPr lvl="4"/>
             <a:r>
-              <a:rPr lang="en-US" smtClean="0"/>
+              <a:rPr lang="en-US"/>
               <a:t>Fifth level</a:t>
             </a:r>
-            <a:endParaRPr lang="en-US"/>
           </a:p>
         </p:txBody>
       </p:sp>
@@ -927,7 +1240,7 @@
           <a:p>
             <a:fld id="{2DB20506-12EC-1649-864B-FCEFF4C5FDE1}" type="datetimeFigureOut">
               <a:rPr lang="en-US" smtClean="0"/>
-              <a:t>10/11/20</a:t>
+              <a:t>12/4/2020</a:t>
             </a:fld>
             <a:endParaRPr lang="en-US"/>
           </a:p>
@@ -1026,10 +1339,9 @@
           <a:lstStyle/>
           <a:p>
             <a:r>
-              <a:rPr lang="en-US" smtClean="0"/>
+              <a:rPr lang="en-US"/>
               <a:t>Click to edit Master title style</a:t>
             </a:r>
-            <a:endParaRPr lang="en-US"/>
           </a:p>
         </p:txBody>
       </p:sp>
@@ -1055,38 +1367,37 @@
           <a:p>
             <a:pPr lvl="0"/>
             <a:r>
-              <a:rPr lang="en-US" smtClean="0"/>
+              <a:rPr lang="en-US"/>
               <a:t>Click to edit Master text styles</a:t>
             </a:r>
           </a:p>
           <a:p>
             <a:pPr lvl="1"/>
             <a:r>
-              <a:rPr lang="en-US" smtClean="0"/>
+              <a:rPr lang="en-US"/>
               <a:t>Second level</a:t>
             </a:r>
           </a:p>
           <a:p>
             <a:pPr lvl="2"/>
             <a:r>
-              <a:rPr lang="en-US" smtClean="0"/>
+              <a:rPr lang="en-US"/>
               <a:t>Third level</a:t>
             </a:r>
           </a:p>
           <a:p>
             <a:pPr lvl="3"/>
             <a:r>
-              <a:rPr lang="en-US" smtClean="0"/>
+              <a:rPr lang="en-US"/>
               <a:t>Fourth level</a:t>
             </a:r>
           </a:p>
           <a:p>
             <a:pPr lvl="4"/>
             <a:r>
-              <a:rPr lang="en-US" smtClean="0"/>
+              <a:rPr lang="en-US"/>
               <a:t>Fifth level</a:t>
             </a:r>
-            <a:endParaRPr lang="en-US"/>
           </a:p>
         </p:txBody>
       </p:sp>
@@ -1107,7 +1418,7 @@
           <a:p>
             <a:fld id="{2DB20506-12EC-1649-864B-FCEFF4C5FDE1}" type="datetimeFigureOut">
               <a:rPr lang="en-US" smtClean="0"/>
-              <a:t>10/11/20</a:t>
+              <a:t>12/4/2020</a:t>
             </a:fld>
             <a:endParaRPr lang="en-US"/>
           </a:p>
@@ -1201,10 +1512,9 @@
           <a:lstStyle/>
           <a:p>
             <a:r>
-              <a:rPr lang="en-US" smtClean="0"/>
+              <a:rPr lang="en-US"/>
               <a:t>Click to edit Master title style</a:t>
             </a:r>
-            <a:endParaRPr lang="en-US"/>
           </a:p>
         </p:txBody>
       </p:sp>
@@ -1225,38 +1535,37 @@
           <a:p>
             <a:pPr lvl="0"/>
             <a:r>
-              <a:rPr lang="en-US" smtClean="0"/>
+              <a:rPr lang="en-US"/>
               <a:t>Click to edit Master text styles</a:t>
             </a:r>
           </a:p>
           <a:p>
             <a:pPr lvl="1"/>
             <a:r>
-              <a:rPr lang="en-US" smtClean="0"/>
+              <a:rPr lang="en-US"/>
               <a:t>Second level</a:t>
             </a:r>
           </a:p>
           <a:p>
             <a:pPr lvl="2"/>
             <a:r>
-              <a:rPr lang="en-US" smtClean="0"/>
+              <a:rPr lang="en-US"/>
               <a:t>Third level</a:t>
             </a:r>
           </a:p>
           <a:p>
             <a:pPr lvl="3"/>
             <a:r>
-              <a:rPr lang="en-US" smtClean="0"/>
+              <a:rPr lang="en-US"/>
               <a:t>Fourth level</a:t>
             </a:r>
           </a:p>
           <a:p>
             <a:pPr lvl="4"/>
             <a:r>
-              <a:rPr lang="en-US" smtClean="0"/>
+              <a:rPr lang="en-US"/>
               <a:t>Fifth level</a:t>
             </a:r>
-            <a:endParaRPr lang="en-US"/>
           </a:p>
         </p:txBody>
       </p:sp>
@@ -1277,7 +1586,7 @@
           <a:p>
             <a:fld id="{2DB20506-12EC-1649-864B-FCEFF4C5FDE1}" type="datetimeFigureOut">
               <a:rPr lang="en-US" smtClean="0"/>
-              <a:t>10/11/20</a:t>
+              <a:t>12/4/2020</a:t>
             </a:fld>
             <a:endParaRPr lang="en-US"/>
           </a:p>
@@ -1380,10 +1689,9 @@
           </a:lstStyle>
           <a:p>
             <a:r>
-              <a:rPr lang="en-US" smtClean="0"/>
+              <a:rPr lang="en-US"/>
               <a:t>Click to edit Master title style</a:t>
             </a:r>
-            <a:endParaRPr lang="en-US"/>
           </a:p>
         </p:txBody>
       </p:sp>
@@ -1500,7 +1808,7 @@
           <a:p>
             <a:pPr lvl="0"/>
             <a:r>
-              <a:rPr lang="en-US" smtClean="0"/>
+              <a:rPr lang="en-US"/>
               <a:t>Click to edit Master text styles</a:t>
             </a:r>
           </a:p>
@@ -1523,7 +1831,7 @@
           <a:p>
             <a:fld id="{2DB20506-12EC-1649-864B-FCEFF4C5FDE1}" type="datetimeFigureOut">
               <a:rPr lang="en-US" smtClean="0"/>
-              <a:t>10/11/20</a:t>
+              <a:t>12/4/2020</a:t>
             </a:fld>
             <a:endParaRPr lang="en-US"/>
           </a:p>
@@ -1617,10 +1925,9 @@
           <a:lstStyle/>
           <a:p>
             <a:r>
-              <a:rPr lang="en-US" smtClean="0"/>
+              <a:rPr lang="en-US"/>
               <a:t>Click to edit Master title style</a:t>
             </a:r>
-            <a:endParaRPr lang="en-US"/>
           </a:p>
         </p:txBody>
       </p:sp>
@@ -1674,38 +1981,37 @@
           <a:p>
             <a:pPr lvl="0"/>
             <a:r>
-              <a:rPr lang="en-US" smtClean="0"/>
+              <a:rPr lang="en-US"/>
               <a:t>Click to edit Master text styles</a:t>
             </a:r>
           </a:p>
           <a:p>
             <a:pPr lvl="1"/>
             <a:r>
-              <a:rPr lang="en-US" smtClean="0"/>
+              <a:rPr lang="en-US"/>
               <a:t>Second level</a:t>
             </a:r>
           </a:p>
           <a:p>
             <a:pPr lvl="2"/>
             <a:r>
-              <a:rPr lang="en-US" smtClean="0"/>
+              <a:rPr lang="en-US"/>
               <a:t>Third level</a:t>
             </a:r>
           </a:p>
           <a:p>
             <a:pPr lvl="3"/>
             <a:r>
-              <a:rPr lang="en-US" smtClean="0"/>
+              <a:rPr lang="en-US"/>
               <a:t>Fourth level</a:t>
             </a:r>
           </a:p>
           <a:p>
             <a:pPr lvl="4"/>
             <a:r>
-              <a:rPr lang="en-US" smtClean="0"/>
+              <a:rPr lang="en-US"/>
               <a:t>Fifth level</a:t>
             </a:r>
-            <a:endParaRPr lang="en-US"/>
           </a:p>
         </p:txBody>
       </p:sp>
@@ -1759,38 +2065,37 @@
           <a:p>
             <a:pPr lvl="0"/>
             <a:r>
-              <a:rPr lang="en-US" smtClean="0"/>
+              <a:rPr lang="en-US"/>
               <a:t>Click to edit Master text styles</a:t>
             </a:r>
           </a:p>
           <a:p>
             <a:pPr lvl="1"/>
             <a:r>
-              <a:rPr lang="en-US" smtClean="0"/>
+              <a:rPr lang="en-US"/>
               <a:t>Second level</a:t>
             </a:r>
           </a:p>
           <a:p>
             <a:pPr lvl="2"/>
             <a:r>
-              <a:rPr lang="en-US" smtClean="0"/>
+              <a:rPr lang="en-US"/>
               <a:t>Third level</a:t>
             </a:r>
           </a:p>
           <a:p>
             <a:pPr lvl="3"/>
             <a:r>
-              <a:rPr lang="en-US" smtClean="0"/>
+              <a:rPr lang="en-US"/>
               <a:t>Fourth level</a:t>
             </a:r>
           </a:p>
           <a:p>
             <a:pPr lvl="4"/>
             <a:r>
-              <a:rPr lang="en-US" smtClean="0"/>
+              <a:rPr lang="en-US"/>
               <a:t>Fifth level</a:t>
             </a:r>
-            <a:endParaRPr lang="en-US"/>
           </a:p>
         </p:txBody>
       </p:sp>
@@ -1811,7 +2116,7 @@
           <a:p>
             <a:fld id="{2DB20506-12EC-1649-864B-FCEFF4C5FDE1}" type="datetimeFigureOut">
               <a:rPr lang="en-US" smtClean="0"/>
-              <a:t>10/11/20</a:t>
+              <a:t>12/4/2020</a:t>
             </a:fld>
             <a:endParaRPr lang="en-US"/>
           </a:p>
@@ -1909,10 +2214,9 @@
           </a:lstStyle>
           <a:p>
             <a:r>
-              <a:rPr lang="en-US" smtClean="0"/>
+              <a:rPr lang="en-US"/>
               <a:t>Click to edit Master title style</a:t>
             </a:r>
-            <a:endParaRPr lang="en-US"/>
           </a:p>
         </p:txBody>
       </p:sp>
@@ -1975,7 +2279,7 @@
           <a:p>
             <a:pPr lvl="0"/>
             <a:r>
-              <a:rPr lang="en-US" smtClean="0"/>
+              <a:rPr lang="en-US"/>
               <a:t>Click to edit Master text styles</a:t>
             </a:r>
           </a:p>
@@ -2031,38 +2335,37 @@
           <a:p>
             <a:pPr lvl="0"/>
             <a:r>
-              <a:rPr lang="en-US" smtClean="0"/>
+              <a:rPr lang="en-US"/>
               <a:t>Click to edit Master text styles</a:t>
             </a:r>
           </a:p>
           <a:p>
             <a:pPr lvl="1"/>
             <a:r>
-              <a:rPr lang="en-US" smtClean="0"/>
+              <a:rPr lang="en-US"/>
               <a:t>Second level</a:t>
             </a:r>
           </a:p>
           <a:p>
             <a:pPr lvl="2"/>
             <a:r>
-              <a:rPr lang="en-US" smtClean="0"/>
+              <a:rPr lang="en-US"/>
               <a:t>Third level</a:t>
             </a:r>
           </a:p>
           <a:p>
             <a:pPr lvl="3"/>
             <a:r>
-              <a:rPr lang="en-US" smtClean="0"/>
+              <a:rPr lang="en-US"/>
               <a:t>Fourth level</a:t>
             </a:r>
           </a:p>
           <a:p>
             <a:pPr lvl="4"/>
             <a:r>
-              <a:rPr lang="en-US" smtClean="0"/>
+              <a:rPr lang="en-US"/>
               <a:t>Fifth level</a:t>
             </a:r>
-            <a:endParaRPr lang="en-US"/>
           </a:p>
         </p:txBody>
       </p:sp>
@@ -2125,7 +2428,7 @@
           <a:p>
             <a:pPr lvl="0"/>
             <a:r>
-              <a:rPr lang="en-US" smtClean="0"/>
+              <a:rPr lang="en-US"/>
               <a:t>Click to edit Master text styles</a:t>
             </a:r>
           </a:p>
@@ -2181,38 +2484,37 @@
           <a:p>
             <a:pPr lvl="0"/>
             <a:r>
-              <a:rPr lang="en-US" smtClean="0"/>
+              <a:rPr lang="en-US"/>
               <a:t>Click to edit Master text styles</a:t>
             </a:r>
           </a:p>
           <a:p>
             <a:pPr lvl="1"/>
             <a:r>
-              <a:rPr lang="en-US" smtClean="0"/>
+              <a:rPr lang="en-US"/>
               <a:t>Second level</a:t>
             </a:r>
           </a:p>
           <a:p>
             <a:pPr lvl="2"/>
             <a:r>
-              <a:rPr lang="en-US" smtClean="0"/>
+              <a:rPr lang="en-US"/>
               <a:t>Third level</a:t>
             </a:r>
           </a:p>
           <a:p>
             <a:pPr lvl="3"/>
             <a:r>
-              <a:rPr lang="en-US" smtClean="0"/>
+              <a:rPr lang="en-US"/>
               <a:t>Fourth level</a:t>
             </a:r>
           </a:p>
           <a:p>
             <a:pPr lvl="4"/>
             <a:r>
-              <a:rPr lang="en-US" smtClean="0"/>
+              <a:rPr lang="en-US"/>
               <a:t>Fifth level</a:t>
             </a:r>
-            <a:endParaRPr lang="en-US"/>
           </a:p>
         </p:txBody>
       </p:sp>
@@ -2233,7 +2535,7 @@
           <a:p>
             <a:fld id="{2DB20506-12EC-1649-864B-FCEFF4C5FDE1}" type="datetimeFigureOut">
               <a:rPr lang="en-US" smtClean="0"/>
-              <a:t>10/11/20</a:t>
+              <a:t>12/4/2020</a:t>
             </a:fld>
             <a:endParaRPr lang="en-US"/>
           </a:p>
@@ -2327,10 +2629,9 @@
           <a:lstStyle/>
           <a:p>
             <a:r>
-              <a:rPr lang="en-US" smtClean="0"/>
+              <a:rPr lang="en-US"/>
               <a:t>Click to edit Master title style</a:t>
             </a:r>
-            <a:endParaRPr lang="en-US"/>
           </a:p>
         </p:txBody>
       </p:sp>
@@ -2351,7 +2652,7 @@
           <a:p>
             <a:fld id="{2DB20506-12EC-1649-864B-FCEFF4C5FDE1}" type="datetimeFigureOut">
               <a:rPr lang="en-US" smtClean="0"/>
-              <a:t>10/11/20</a:t>
+              <a:t>12/4/2020</a:t>
             </a:fld>
             <a:endParaRPr lang="en-US"/>
           </a:p>
@@ -2446,7 +2747,7 @@
           <a:p>
             <a:fld id="{2DB20506-12EC-1649-864B-FCEFF4C5FDE1}" type="datetimeFigureOut">
               <a:rPr lang="en-US" smtClean="0"/>
-              <a:t>10/11/20</a:t>
+              <a:t>12/4/2020</a:t>
             </a:fld>
             <a:endParaRPr lang="en-US"/>
           </a:p>
@@ -2549,10 +2850,9 @@
           </a:lstStyle>
           <a:p>
             <a:r>
-              <a:rPr lang="en-US" smtClean="0"/>
+              <a:rPr lang="en-US"/>
               <a:t>Click to edit Master title style</a:t>
             </a:r>
-            <a:endParaRPr lang="en-US"/>
           </a:p>
         </p:txBody>
       </p:sp>
@@ -2606,38 +2906,37 @@
           <a:p>
             <a:pPr lvl="0"/>
             <a:r>
-              <a:rPr lang="en-US" smtClean="0"/>
+              <a:rPr lang="en-US"/>
               <a:t>Click to edit Master text styles</a:t>
             </a:r>
           </a:p>
           <a:p>
             <a:pPr lvl="1"/>
             <a:r>
-              <a:rPr lang="en-US" smtClean="0"/>
+              <a:rPr lang="en-US"/>
               <a:t>Second level</a:t>
             </a:r>
           </a:p>
           <a:p>
             <a:pPr lvl="2"/>
             <a:r>
-              <a:rPr lang="en-US" smtClean="0"/>
+              <a:rPr lang="en-US"/>
               <a:t>Third level</a:t>
             </a:r>
           </a:p>
           <a:p>
             <a:pPr lvl="3"/>
             <a:r>
-              <a:rPr lang="en-US" smtClean="0"/>
+              <a:rPr lang="en-US"/>
               <a:t>Fourth level</a:t>
             </a:r>
           </a:p>
           <a:p>
             <a:pPr lvl="4"/>
             <a:r>
-              <a:rPr lang="en-US" smtClean="0"/>
+              <a:rPr lang="en-US"/>
               <a:t>Fifth level</a:t>
             </a:r>
-            <a:endParaRPr lang="en-US"/>
           </a:p>
         </p:txBody>
       </p:sp>
@@ -2700,7 +2999,7 @@
           <a:p>
             <a:pPr lvl="0"/>
             <a:r>
-              <a:rPr lang="en-US" smtClean="0"/>
+              <a:rPr lang="en-US"/>
               <a:t>Click to edit Master text styles</a:t>
             </a:r>
           </a:p>
@@ -2723,7 +3022,7 @@
           <a:p>
             <a:fld id="{2DB20506-12EC-1649-864B-FCEFF4C5FDE1}" type="datetimeFigureOut">
               <a:rPr lang="en-US" smtClean="0"/>
-              <a:t>10/11/20</a:t>
+              <a:t>12/4/2020</a:t>
             </a:fld>
             <a:endParaRPr lang="en-US"/>
           </a:p>
@@ -2826,10 +3125,9 @@
           </a:lstStyle>
           <a:p>
             <a:r>
-              <a:rPr lang="en-US" smtClean="0"/>
+              <a:rPr lang="en-US"/>
               <a:t>Click to edit Master title style</a:t>
             </a:r>
-            <a:endParaRPr lang="en-US"/>
           </a:p>
         </p:txBody>
       </p:sp>
@@ -2953,7 +3251,7 @@
           <a:p>
             <a:pPr lvl="0"/>
             <a:r>
-              <a:rPr lang="en-US" smtClean="0"/>
+              <a:rPr lang="en-US"/>
               <a:t>Click to edit Master text styles</a:t>
             </a:r>
           </a:p>
@@ -2976,7 +3274,7 @@
           <a:p>
             <a:fld id="{2DB20506-12EC-1649-864B-FCEFF4C5FDE1}" type="datetimeFigureOut">
               <a:rPr lang="en-US" smtClean="0"/>
-              <a:t>10/11/20</a:t>
+              <a:t>12/4/2020</a:t>
             </a:fld>
             <a:endParaRPr lang="en-US"/>
           </a:p>
@@ -3085,10 +3383,9 @@
           <a:lstStyle/>
           <a:p>
             <a:r>
-              <a:rPr lang="en-US" smtClean="0"/>
+              <a:rPr lang="en-US"/>
               <a:t>Click to edit Master title style</a:t>
             </a:r>
-            <a:endParaRPr lang="en-US"/>
           </a:p>
         </p:txBody>
       </p:sp>
@@ -3119,38 +3416,37 @@
           <a:p>
             <a:pPr lvl="0"/>
             <a:r>
-              <a:rPr lang="en-US" smtClean="0"/>
+              <a:rPr lang="en-US"/>
               <a:t>Click to edit Master text styles</a:t>
             </a:r>
           </a:p>
           <a:p>
             <a:pPr lvl="1"/>
             <a:r>
-              <a:rPr lang="en-US" smtClean="0"/>
+              <a:rPr lang="en-US"/>
               <a:t>Second level</a:t>
             </a:r>
           </a:p>
           <a:p>
             <a:pPr lvl="2"/>
             <a:r>
-              <a:rPr lang="en-US" smtClean="0"/>
+              <a:rPr lang="en-US"/>
               <a:t>Third level</a:t>
             </a:r>
           </a:p>
           <a:p>
             <a:pPr lvl="3"/>
             <a:r>
-              <a:rPr lang="en-US" smtClean="0"/>
+              <a:rPr lang="en-US"/>
               <a:t>Fourth level</a:t>
             </a:r>
           </a:p>
           <a:p>
             <a:pPr lvl="4"/>
             <a:r>
-              <a:rPr lang="en-US" smtClean="0"/>
+              <a:rPr lang="en-US"/>
               <a:t>Fifth level</a:t>
             </a:r>
-            <a:endParaRPr lang="en-US"/>
           </a:p>
         </p:txBody>
       </p:sp>
@@ -3189,7 +3485,7 @@
           <a:p>
             <a:fld id="{2DB20506-12EC-1649-864B-FCEFF4C5FDE1}" type="datetimeFigureOut">
               <a:rPr lang="en-US" smtClean="0"/>
-              <a:t>10/11/20</a:t>
+              <a:t>12/4/2020</a:t>
             </a:fld>
             <a:endParaRPr lang="en-US"/>
           </a:p>
@@ -3599,14 +3895,6 @@
               </a:rPr>
               <a:t>Blue Waters Petascale Semester Curriculum v1.0</a:t>
             </a:r>
-            <a:r>
-              <a:rPr lang="en-US" sz="2700" dirty="0">
-                <a:latin typeface="Times New Roman" charset="0"/>
-                <a:ea typeface="Times New Roman" charset="0"/>
-                <a:cs typeface="Times New Roman" charset="0"/>
-              </a:rPr>
-              <a:t/>
-            </a:r>
             <a:br>
               <a:rPr lang="en-US" sz="2700" dirty="0">
                 <a:latin typeface="Times New Roman" charset="0"/>
@@ -3630,14 +3918,6 @@
               </a:rPr>
               <a:t>OpenMP</a:t>
             </a:r>
-            <a:r>
-              <a:rPr lang="en-US" sz="2700" dirty="0">
-                <a:latin typeface="Times New Roman" charset="0"/>
-                <a:ea typeface="Times New Roman" charset="0"/>
-                <a:cs typeface="Times New Roman" charset="0"/>
-              </a:rPr>
-              <a:t/>
-            </a:r>
             <a:br>
               <a:rPr lang="en-US" sz="2700" dirty="0">
                 <a:latin typeface="Times New Roman" charset="0"/>
@@ -3651,23 +3931,7 @@
                 <a:ea typeface="Times New Roman" charset="0"/>
                 <a:cs typeface="Times New Roman" charset="0"/>
               </a:rPr>
-              <a:t>Lesson </a:t>
-            </a:r>
-            <a:r>
-              <a:rPr lang="en-US" sz="2700" b="1" dirty="0" smtClean="0">
-                <a:latin typeface="Times New Roman" charset="0"/>
-                <a:ea typeface="Times New Roman" charset="0"/>
-                <a:cs typeface="Times New Roman" charset="0"/>
-              </a:rPr>
-              <a:t>2</a:t>
-            </a:r>
-            <a:r>
-              <a:rPr lang="en-US" sz="2700" b="1" dirty="0">
-                <a:latin typeface="Times New Roman" charset="0"/>
-                <a:ea typeface="Times New Roman" charset="0"/>
-                <a:cs typeface="Times New Roman" charset="0"/>
-              </a:rPr>
-              <a:t>: When to Use </a:t>
+              <a:t>Lesson 2: When to Use </a:t>
             </a:r>
             <a:r>
               <a:rPr lang="en-US" sz="2700" b="1" dirty="0" err="1">
@@ -3728,13 +3992,6 @@
   <p:clrMapOvr>
     <a:masterClrMapping/>
   </p:clrMapOvr>
-  <p:timing>
-    <p:tnLst>
-      <p:par>
-        <p:cTn id="1" dur="indefinite" restart="never" nodeType="tmRoot"/>
-      </p:par>
-    </p:tnLst>
-  </p:timing>
 </p:sld>
 </file>
 
@@ -3771,10 +4028,9 @@
           <a:lstStyle/>
           <a:p>
             <a:r>
-              <a:rPr lang="en-US" dirty="0" smtClean="0"/>
+              <a:rPr lang="en-US" dirty="0"/>
               <a:t>Exercise #1, cont.</a:t>
             </a:r>
-            <a:endParaRPr lang="en-US" dirty="0"/>
           </a:p>
         </p:txBody>
       </p:sp>
@@ -3801,8 +4057,8 @@
           <a:lstStyle/>
           <a:p>
             <a:r>
-              <a:rPr lang="en-US" dirty="0" smtClean="0"/>
-              <a:t>We want to calculate the photosynthetic rate of each individual leaf of 10,000 different plants. The photosynthetic rate of one plate does not affect the photosynthetic rate of another, but the photosynthetic rate of one leaf of a plant can affect the photosynthetic rate of another leaf on the same plant</a:t>
+              <a:rPr lang="en-US" dirty="0"/>
+              <a:t>We want to calculate the photosynthetic rate of each individual leaf of 10,000 different plants. The photosynthetic rate of one plant does not affect the photosynthetic rate of another, but the photosynthetic rate of one leaf of a plant can affect the photosynthetic rate of another leaf on the same plant</a:t>
             </a:r>
           </a:p>
           <a:p>
@@ -3816,11 +4072,11 @@
               <a:buNone/>
             </a:pPr>
             <a:r>
-              <a:rPr lang="en-US" sz="4600" dirty="0" err="1" smtClean="0"/>
+              <a:rPr lang="en-US" sz="4600" dirty="0" err="1"/>
               <a:t>OpenMP</a:t>
             </a:r>
             <a:r>
-              <a:rPr lang="en-US" sz="4600" dirty="0" smtClean="0"/>
+              <a:rPr lang="en-US" sz="4600" dirty="0"/>
               <a:t>, MPI, or hybrid?</a:t>
             </a:r>
           </a:p>
@@ -3829,43 +4085,102 @@
               <a:buNone/>
             </a:pPr>
             <a:r>
-              <a:rPr lang="en-US" sz="4600" dirty="0" smtClean="0"/>
+              <a:rPr lang="en-US" sz="4600" dirty="0"/>
               <a:t>WHY?</a:t>
             </a:r>
-            <a:endParaRPr lang="en-US" sz="4600" dirty="0"/>
           </a:p>
         </p:txBody>
       </p:sp>
       <p:pic>
         <p:nvPicPr>
-          <p:cNvPr id="6" name="Picture 5" descr="image-2.png"/>
+          <p:cNvPr id="8" name="Picture 7">
+            <a:extLst>
+              <a:ext uri="{FF2B5EF4-FFF2-40B4-BE49-F238E27FC236}">
+                <a16:creationId xmlns:a16="http://schemas.microsoft.com/office/drawing/2014/main" id="{98D78FCB-6747-499A-810B-3C1E34678354}"/>
+              </a:ext>
+            </a:extLst>
+          </p:cNvPr>
           <p:cNvPicPr>
             <a:picLocks noChangeAspect="1"/>
           </p:cNvPicPr>
           <p:nvPr/>
         </p:nvPicPr>
         <p:blipFill>
-          <a:blip r:embed="rId2">
-            <a:extLst>
-              <a:ext uri="{28A0092B-C50C-407E-A947-70E740481C1C}">
-                <a14:useLocalDpi xmlns:a14="http://schemas.microsoft.com/office/drawing/2010/main" val="0"/>
-              </a:ext>
-            </a:extLst>
-          </a:blip>
+          <a:blip r:embed="rId2"/>
           <a:stretch>
             <a:fillRect/>
           </a:stretch>
         </p:blipFill>
         <p:spPr>
           <a:xfrm>
-            <a:off x="5223165" y="1953846"/>
-            <a:ext cx="3463635" cy="2344615"/>
+            <a:off x="5123468" y="1513001"/>
+            <a:ext cx="3563332" cy="2672499"/>
           </a:xfrm>
           <a:prstGeom prst="rect">
             <a:avLst/>
           </a:prstGeom>
         </p:spPr>
       </p:pic>
+      <p:sp>
+        <p:nvSpPr>
+          <p:cNvPr id="9" name="TextBox 8">
+            <a:extLst>
+              <a:ext uri="{FF2B5EF4-FFF2-40B4-BE49-F238E27FC236}">
+                <a16:creationId xmlns:a16="http://schemas.microsoft.com/office/drawing/2014/main" id="{A0407DE4-1FA7-4E18-A94A-2F4CFBB4314B}"/>
+              </a:ext>
+            </a:extLst>
+          </p:cNvPr>
+          <p:cNvSpPr txBox="1"/>
+          <p:nvPr/>
+        </p:nvSpPr>
+        <p:spPr>
+          <a:xfrm>
+            <a:off x="5123468" y="4281957"/>
+            <a:ext cx="3850850" cy="646331"/>
+          </a:xfrm>
+          <a:prstGeom prst="rect">
+            <a:avLst/>
+          </a:prstGeom>
+          <a:noFill/>
+        </p:spPr>
+        <p:txBody>
+          <a:bodyPr wrap="square">
+            <a:spAutoFit/>
+          </a:bodyPr>
+          <a:lstStyle/>
+          <a:p>
+            <a:pPr lvl="0"/>
+            <a:r>
+              <a:rPr lang="en-US" sz="1800" dirty="0">
+                <a:latin typeface="+mj-lt"/>
+                <a:ea typeface="Roboto"/>
+                <a:cs typeface="Roboto"/>
+                <a:sym typeface="Roboto"/>
+              </a:rPr>
+              <a:t>Image: </a:t>
+            </a:r>
+            <a:r>
+              <a:rPr lang="en-US" sz="1800" dirty="0">
+                <a:latin typeface="+mj-lt"/>
+                <a:ea typeface="Roboto"/>
+                <a:cs typeface="Roboto"/>
+                <a:sym typeface="Roboto"/>
+                <a:hlinkClick r:id="rId3"/>
+              </a:rPr>
+              <a:t>Young tree </a:t>
+            </a:r>
+            <a:r>
+              <a:rPr lang="en-US" sz="1800" dirty="0">
+                <a:latin typeface="+mj-lt"/>
+                <a:ea typeface="Roboto"/>
+                <a:cs typeface="Roboto"/>
+                <a:sym typeface="Roboto"/>
+              </a:rPr>
+              <a:t>is in the public domain</a:t>
+            </a:r>
+          </a:p>
+        </p:txBody>
+      </p:sp>
     </p:spTree>
     <p:extLst>
       <p:ext uri="{BB962C8B-B14F-4D97-AF65-F5344CB8AC3E}">
@@ -3912,10 +4227,9 @@
           <a:lstStyle/>
           <a:p>
             <a:r>
-              <a:rPr lang="en-US" dirty="0" smtClean="0"/>
+              <a:rPr lang="en-US" dirty="0"/>
               <a:t>Exercise #1, cont.</a:t>
             </a:r>
-            <a:endParaRPr lang="en-US" dirty="0"/>
           </a:p>
         </p:txBody>
       </p:sp>
@@ -3942,7 +4256,7 @@
           <a:lstStyle/>
           <a:p>
             <a:r>
-              <a:rPr lang="en-US" dirty="0" smtClean="0"/>
+              <a:rPr lang="en-US" dirty="0"/>
               <a:t>We need to analyze the amount of traffic that goes through a neighborhood with 4 intersections to determine whether or not putting traffic lights in would be helpful</a:t>
             </a:r>
           </a:p>
@@ -3957,11 +4271,11 @@
               <a:buNone/>
             </a:pPr>
             <a:r>
-              <a:rPr lang="en-US" dirty="0" err="1" smtClean="0"/>
+              <a:rPr lang="en-US" dirty="0" err="1"/>
               <a:t>OpenMP</a:t>
             </a:r>
             <a:r>
-              <a:rPr lang="en-US" dirty="0" smtClean="0"/>
+              <a:rPr lang="en-US" dirty="0"/>
               <a:t>, MPI, or hybrid?</a:t>
             </a:r>
           </a:p>
@@ -3970,37 +4284,119 @@
               <a:buNone/>
             </a:pPr>
             <a:r>
-              <a:rPr lang="en-US" dirty="0" smtClean="0"/>
+              <a:rPr lang="en-US" dirty="0"/>
               <a:t>WHY?</a:t>
             </a:r>
-            <a:endParaRPr lang="en-US" dirty="0"/>
           </a:p>
         </p:txBody>
       </p:sp>
       <p:pic>
         <p:nvPicPr>
-          <p:cNvPr id="5" name="Picture 4"/>
+          <p:cNvPr id="1026" name="Picture 2" descr="Traffic Light, Red, Black, Green, Yellow, Traffic">
+            <a:extLst>
+              <a:ext uri="{FF2B5EF4-FFF2-40B4-BE49-F238E27FC236}">
+                <a16:creationId xmlns:a16="http://schemas.microsoft.com/office/drawing/2014/main" id="{087036D2-83D9-41FC-A204-8E4556534F62}"/>
+              </a:ext>
+            </a:extLst>
+          </p:cNvPr>
           <p:cNvPicPr>
-            <a:picLocks noChangeAspect="1"/>
+            <a:picLocks noChangeAspect="1" noChangeArrowheads="1"/>
           </p:cNvPicPr>
           <p:nvPr/>
         </p:nvPicPr>
         <p:blipFill>
-          <a:blip r:embed="rId2"/>
+          <a:blip r:embed="rId2">
+            <a:extLst>
+              <a:ext uri="{28A0092B-C50C-407E-A947-70E740481C1C}">
+                <a14:useLocalDpi xmlns:a14="http://schemas.microsoft.com/office/drawing/2010/main" val="0"/>
+              </a:ext>
+            </a:extLst>
+          </a:blip>
+          <a:srcRect/>
           <a:stretch>
             <a:fillRect/>
           </a:stretch>
         </p:blipFill>
-        <p:spPr>
+        <p:spPr bwMode="auto">
           <a:xfrm>
-            <a:off x="5190349" y="2422769"/>
-            <a:ext cx="3122289" cy="1997808"/>
+            <a:off x="5409218" y="1417638"/>
+            <a:ext cx="2914650" cy="3429000"/>
           </a:xfrm>
           <a:prstGeom prst="rect">
             <a:avLst/>
           </a:prstGeom>
+          <a:noFill/>
+          <a:extLst>
+            <a:ext uri="{909E8E84-426E-40DD-AFC4-6F175D3DCCD1}">
+              <a14:hiddenFill xmlns:a14="http://schemas.microsoft.com/office/drawing/2010/main">
+                <a:solidFill>
+                  <a:srgbClr val="FFFFFF"/>
+                </a:solidFill>
+              </a14:hiddenFill>
+            </a:ext>
+          </a:extLst>
         </p:spPr>
       </p:pic>
+      <p:sp>
+        <p:nvSpPr>
+          <p:cNvPr id="8" name="TextBox 7">
+            <a:extLst>
+              <a:ext uri="{FF2B5EF4-FFF2-40B4-BE49-F238E27FC236}">
+                <a16:creationId xmlns:a16="http://schemas.microsoft.com/office/drawing/2014/main" id="{22B2AB1D-29E4-498C-B9B2-FDE34F0BAB45}"/>
+              </a:ext>
+            </a:extLst>
+          </p:cNvPr>
+          <p:cNvSpPr txBox="1"/>
+          <p:nvPr/>
+        </p:nvSpPr>
+        <p:spPr>
+          <a:xfrm>
+            <a:off x="5123468" y="5117196"/>
+            <a:ext cx="3850850" cy="646331"/>
+          </a:xfrm>
+          <a:prstGeom prst="rect">
+            <a:avLst/>
+          </a:prstGeom>
+          <a:noFill/>
+        </p:spPr>
+        <p:txBody>
+          <a:bodyPr wrap="square">
+            <a:spAutoFit/>
+          </a:bodyPr>
+          <a:lstStyle/>
+          <a:p>
+            <a:pPr lvl="0"/>
+            <a:r>
+              <a:rPr lang="en-US" sz="1800" dirty="0">
+                <a:latin typeface="+mj-lt"/>
+                <a:ea typeface="Roboto"/>
+                <a:cs typeface="Roboto"/>
+                <a:sym typeface="Roboto"/>
+              </a:rPr>
+              <a:t>Image: </a:t>
+            </a:r>
+            <a:r>
+              <a:rPr lang="en-US" sz="1800" dirty="0">
+                <a:latin typeface="+mj-lt"/>
+                <a:ea typeface="Roboto"/>
+                <a:cs typeface="Roboto"/>
+                <a:sym typeface="Roboto"/>
+                <a:hlinkClick r:id="rId3"/>
+              </a:rPr>
+              <a:t>Traffic Light</a:t>
+            </a:r>
+            <a:r>
+              <a:rPr lang="en-US" sz="1800" dirty="0">
+                <a:latin typeface="+mj-lt"/>
+                <a:ea typeface="Roboto"/>
+                <a:cs typeface="Roboto"/>
+                <a:sym typeface="Roboto"/>
+              </a:rPr>
+              <a:t> is in the public domain</a:t>
+            </a:r>
+          </a:p>
+        </p:txBody>
+      </p:sp>
     </p:spTree>
     <p:extLst>
       <p:ext uri="{BB962C8B-B14F-4D97-AF65-F5344CB8AC3E}">
@@ -4047,10 +4443,9 @@
           <a:lstStyle/>
           <a:p>
             <a:r>
-              <a:rPr lang="en-US" dirty="0" smtClean="0"/>
+              <a:rPr lang="en-US" dirty="0"/>
               <a:t>Exercise #1, cont.</a:t>
             </a:r>
-            <a:endParaRPr lang="en-US" dirty="0"/>
           </a:p>
         </p:txBody>
       </p:sp>
@@ -4077,7 +4472,7 @@
           <a:lstStyle/>
           <a:p>
             <a:r>
-              <a:rPr lang="en-US" dirty="0" smtClean="0"/>
+              <a:rPr lang="en-US" dirty="0"/>
               <a:t>We will perform a scalability student on an image processing algorithm to see how well the algorithm scales with really large datasets. The example dataset you will run your strong and weak scalability studies on is 4 TB in size</a:t>
             </a:r>
           </a:p>
@@ -4092,11 +4487,11 @@
               <a:buNone/>
             </a:pPr>
             <a:r>
-              <a:rPr lang="en-US" dirty="0" err="1" smtClean="0"/>
+              <a:rPr lang="en-US" dirty="0" err="1"/>
               <a:t>OpenMP</a:t>
             </a:r>
             <a:r>
-              <a:rPr lang="en-US" dirty="0" smtClean="0"/>
+              <a:rPr lang="en-US" dirty="0"/>
               <a:t>, MPI, or hybrid?</a:t>
             </a:r>
           </a:p>
@@ -4105,16 +4500,21 @@
               <a:buNone/>
             </a:pPr>
             <a:r>
-              <a:rPr lang="en-US" dirty="0" smtClean="0"/>
+              <a:rPr lang="en-US" dirty="0"/>
               <a:t>WHY?</a:t>
             </a:r>
-            <a:endParaRPr lang="en-US" dirty="0"/>
           </a:p>
         </p:txBody>
       </p:sp>
       <p:pic>
         <p:nvPicPr>
-          <p:cNvPr id="5" name="Picture 4"/>
+          <p:cNvPr id="8" name="Picture 7" descr="Diagram, engineering drawing&#10;&#10;Description automatically generated">
+            <a:extLst>
+              <a:ext uri="{FF2B5EF4-FFF2-40B4-BE49-F238E27FC236}">
+                <a16:creationId xmlns:a16="http://schemas.microsoft.com/office/drawing/2014/main" id="{B27F4B3A-D452-427E-872F-F8CE066EFA8F}"/>
+              </a:ext>
+            </a:extLst>
+          </p:cNvPr>
           <p:cNvPicPr>
             <a:picLocks noChangeAspect="1"/>
           </p:cNvPicPr>
@@ -4128,14 +4528,110 @@
         </p:blipFill>
         <p:spPr>
           <a:xfrm>
-            <a:off x="5080000" y="2298700"/>
-            <a:ext cx="3606800" cy="2247900"/>
+            <a:off x="5114724" y="1769883"/>
+            <a:ext cx="3572076" cy="2387338"/>
           </a:xfrm>
           <a:prstGeom prst="rect">
             <a:avLst/>
           </a:prstGeom>
         </p:spPr>
       </p:pic>
+      <p:sp>
+        <p:nvSpPr>
+          <p:cNvPr id="9" name="TextBox 8">
+            <a:extLst>
+              <a:ext uri="{FF2B5EF4-FFF2-40B4-BE49-F238E27FC236}">
+                <a16:creationId xmlns:a16="http://schemas.microsoft.com/office/drawing/2014/main" id="{B5AB7146-2287-464D-AF2F-41B1EEC7B191}"/>
+              </a:ext>
+            </a:extLst>
+          </p:cNvPr>
+          <p:cNvSpPr txBox="1"/>
+          <p:nvPr/>
+        </p:nvSpPr>
+        <p:spPr>
+          <a:xfrm>
+            <a:off x="4992175" y="4375283"/>
+            <a:ext cx="4085837" cy="646331"/>
+          </a:xfrm>
+          <a:prstGeom prst="rect">
+            <a:avLst/>
+          </a:prstGeom>
+          <a:noFill/>
+        </p:spPr>
+        <p:txBody>
+          <a:bodyPr wrap="square">
+            <a:spAutoFit/>
+          </a:bodyPr>
+          <a:lstStyle/>
+          <a:p>
+            <a:pPr lvl="0"/>
+            <a:r>
+              <a:rPr lang="en-US" sz="1800" dirty="0">
+                <a:latin typeface="+mj-lt"/>
+                <a:ea typeface="Roboto"/>
+                <a:cs typeface="Roboto"/>
+                <a:sym typeface="Roboto"/>
+              </a:rPr>
+              <a:t>Image: </a:t>
+            </a:r>
+            <a:r>
+              <a:rPr lang="en-US" sz="1800" dirty="0">
+                <a:latin typeface="+mj-lt"/>
+                <a:ea typeface="Roboto"/>
+                <a:cs typeface="Roboto"/>
+                <a:sym typeface="Roboto"/>
+                <a:hlinkClick r:id="rId3"/>
+              </a:rPr>
+              <a:t>Processing</a:t>
+            </a:r>
+            <a:r>
+              <a:rPr lang="en-US" sz="1800" dirty="0">
+                <a:latin typeface="+mj-lt"/>
+                <a:ea typeface="Roboto"/>
+                <a:cs typeface="Roboto"/>
+                <a:sym typeface="Roboto"/>
+              </a:rPr>
+              <a:t> by </a:t>
+            </a:r>
+            <a:r>
+              <a:rPr lang="en-US" dirty="0">
+                <a:latin typeface="+mj-lt"/>
+                <a:hlinkClick r:id="rId4"/>
+              </a:rPr>
+              <a:t>Nick </a:t>
+            </a:r>
+            <a:r>
+              <a:rPr lang="en-US" dirty="0" err="1">
+                <a:latin typeface="+mj-lt"/>
+                <a:hlinkClick r:id="rId4"/>
+              </a:rPr>
+              <a:t>Youngson</a:t>
+            </a:r>
+            <a:r>
+              <a:rPr lang="en-US" sz="1800" dirty="0">
+                <a:latin typeface="+mj-lt"/>
+                <a:ea typeface="Roboto"/>
+                <a:cs typeface="Roboto"/>
+                <a:sym typeface="Roboto"/>
+              </a:rPr>
+              <a:t> is licensed under </a:t>
+            </a:r>
+            <a:r>
+              <a:rPr lang="en-US" dirty="0">
+                <a:latin typeface="+mj-lt"/>
+                <a:hlinkClick r:id="rId5"/>
+              </a:rPr>
+              <a:t>CC BY-SA 3.0</a:t>
+            </a:r>
+            <a:endParaRPr lang="en-US" sz="1800" dirty="0">
+              <a:latin typeface="+mj-lt"/>
+              <a:ea typeface="Roboto"/>
+              <a:cs typeface="Roboto"/>
+              <a:sym typeface="Roboto"/>
+            </a:endParaRPr>
+          </a:p>
+        </p:txBody>
+      </p:sp>
     </p:spTree>
     <p:extLst>
       <p:ext uri="{BB962C8B-B14F-4D97-AF65-F5344CB8AC3E}">
@@ -4182,31 +4678,99 @@
           <a:lstStyle/>
           <a:p>
             <a:r>
-              <a:rPr lang="en-US" dirty="0" smtClean="0"/>
+              <a:rPr lang="en-US" dirty="0"/>
               <a:t>Exercise #1, cont.</a:t>
             </a:r>
+          </a:p>
+        </p:txBody>
+      </p:sp>
+      <p:sp>
+        <p:nvSpPr>
+          <p:cNvPr id="3" name="Content Placeholder 2"/>
+          <p:cNvSpPr>
+            <a:spLocks noGrp="1"/>
+          </p:cNvSpPr>
+          <p:nvPr>
+            <p:ph idx="1"/>
+          </p:nvPr>
+        </p:nvSpPr>
+        <p:spPr>
+          <a:xfrm>
+            <a:off x="457199" y="1600200"/>
+            <a:ext cx="6088185" cy="4525963"/>
+          </a:xfrm>
+        </p:spPr>
+        <p:txBody>
+          <a:bodyPr>
+            <a:normAutofit fontScale="70000" lnSpcReduction="20000"/>
+          </a:bodyPr>
+          <a:lstStyle/>
+          <a:p>
+            <a:r>
+              <a:rPr lang="en-US" dirty="0"/>
+              <a:t>The goal is to build a graph that represents a photograph of a landscape as seen from up above (image that it is a picture taken from an airplane). The nodes of the graph will represent different sections of the landscape, but each pixel of the graph requires information about other pixels so that it can determine whether or not the pixels are in the same section of the graph that is being generated. Your image is 512x512 pixels</a:t>
+            </a:r>
+          </a:p>
+          <a:p>
+            <a:pPr marL="0" indent="0">
+              <a:buNone/>
+            </a:pPr>
             <a:endParaRPr lang="en-US" dirty="0"/>
+          </a:p>
+          <a:p>
+            <a:pPr marL="0" indent="0">
+              <a:buNone/>
+            </a:pPr>
+            <a:r>
+              <a:rPr lang="en-US" sz="4000" dirty="0" err="1"/>
+              <a:t>OpenMP</a:t>
+            </a:r>
+            <a:r>
+              <a:rPr lang="en-US" sz="4000" dirty="0"/>
+              <a:t>, MPI, or hybrid?</a:t>
+            </a:r>
+          </a:p>
+          <a:p>
+            <a:pPr marL="0" indent="0">
+              <a:buNone/>
+            </a:pPr>
+            <a:r>
+              <a:rPr lang="en-US" sz="4000" dirty="0"/>
+              <a:t>WHY?</a:t>
+            </a:r>
           </a:p>
         </p:txBody>
       </p:sp>
       <p:pic>
         <p:nvPicPr>
-          <p:cNvPr id="5" name="Picture 4"/>
+          <p:cNvPr id="6" name="Graphic 5">
+            <a:extLst>
+              <a:ext uri="{FF2B5EF4-FFF2-40B4-BE49-F238E27FC236}">
+                <a16:creationId xmlns:a16="http://schemas.microsoft.com/office/drawing/2014/main" id="{0AA14A2B-0A37-4D72-AB05-F1C4DE2AB3E4}"/>
+              </a:ext>
+            </a:extLst>
+          </p:cNvPr>
           <p:cNvPicPr>
             <a:picLocks noChangeAspect="1"/>
           </p:cNvPicPr>
           <p:nvPr/>
         </p:nvPicPr>
         <p:blipFill>
-          <a:blip r:embed="rId2"/>
+          <a:blip r:embed="rId2">
+            <a:extLst>
+              <a:ext uri="{96DAC541-7B7A-43D3-8B79-37D633B846F1}">
+                <asvg:svgBlip xmlns:asvg="http://schemas.microsoft.com/office/drawing/2016/SVG/main" r:embed="rId3"/>
+              </a:ext>
+            </a:extLst>
+          </a:blip>
           <a:stretch>
             <a:fillRect/>
           </a:stretch>
         </p:blipFill>
         <p:spPr>
           <a:xfrm>
-            <a:off x="5119078" y="3810140"/>
-            <a:ext cx="4024922" cy="2895903"/>
+            <a:off x="5040246" y="3302344"/>
+            <a:ext cx="4235729" cy="2823819"/>
           </a:xfrm>
           <a:prstGeom prst="rect">
             <a:avLst/>
@@ -4215,59 +4779,100 @@
       </p:pic>
       <p:sp>
         <p:nvSpPr>
-          <p:cNvPr id="3" name="Content Placeholder 2"/>
-          <p:cNvSpPr>
-            <a:spLocks noGrp="1"/>
-          </p:cNvSpPr>
-          <p:nvPr>
-            <p:ph idx="1"/>
-          </p:nvPr>
+          <p:cNvPr id="7" name="TextBox 6">
+            <a:extLst>
+              <a:ext uri="{FF2B5EF4-FFF2-40B4-BE49-F238E27FC236}">
+                <a16:creationId xmlns:a16="http://schemas.microsoft.com/office/drawing/2014/main" id="{623D3C27-539C-4F16-B118-D85CCC0C9067}"/>
+              </a:ext>
+            </a:extLst>
+          </p:cNvPr>
+          <p:cNvSpPr txBox="1"/>
+          <p:nvPr/>
         </p:nvSpPr>
         <p:spPr>
           <a:xfrm>
-            <a:off x="457199" y="1600200"/>
-            <a:ext cx="6088185" cy="4525963"/>
+            <a:off x="4872110" y="5957130"/>
+            <a:ext cx="4572000" cy="646331"/>
           </a:xfrm>
+          <a:prstGeom prst="rect">
+            <a:avLst/>
+          </a:prstGeom>
+          <a:noFill/>
         </p:spPr>
         <p:txBody>
-          <a:bodyPr>
-            <a:normAutofit fontScale="70000" lnSpcReduction="20000"/>
+          <a:bodyPr wrap="square">
+            <a:spAutoFit/>
           </a:bodyPr>
           <a:lstStyle/>
           <a:p>
-            <a:r>
-              <a:rPr lang="en-US" dirty="0" smtClean="0"/>
-              <a:t>The goal is to build a graph that represents a photograph of a landscape as seen from up above (image that it is a picture taken from an airplane). The nodes of the graph will represent different sections of the landscape, but each pixel of the graph requires information about other pixels so that it can determine whether or not the pixels are in the same section of the graph that is being generated. Your image is 512x512 pixels</a:t>
-            </a:r>
-          </a:p>
-          <a:p>
-            <a:pPr marL="0" indent="0">
-              <a:buNone/>
-            </a:pPr>
-            <a:endParaRPr lang="en-US" dirty="0"/>
-          </a:p>
-          <a:p>
-            <a:pPr marL="0" indent="0">
-              <a:buNone/>
-            </a:pPr>
-            <a:r>
-              <a:rPr lang="en-US" sz="4000" dirty="0" err="1" smtClean="0"/>
-              <a:t>OpenMP</a:t>
-            </a:r>
-            <a:r>
-              <a:rPr lang="en-US" sz="4000" dirty="0" smtClean="0"/>
-              <a:t>, MPI, or hybrid?</a:t>
-            </a:r>
-          </a:p>
-          <a:p>
-            <a:pPr marL="0" indent="0">
-              <a:buNone/>
-            </a:pPr>
-            <a:r>
-              <a:rPr lang="en-US" sz="4000" dirty="0" smtClean="0"/>
-              <a:t>WHY?</a:t>
-            </a:r>
-            <a:endParaRPr lang="en-US" sz="4000" dirty="0"/>
+            <a:pPr lvl="0"/>
+            <a:r>
+              <a:rPr lang="en-US" sz="1800" dirty="0">
+                <a:latin typeface="+mj-lt"/>
+                <a:ea typeface="Roboto"/>
+                <a:cs typeface="Roboto"/>
+                <a:sym typeface="Roboto"/>
+              </a:rPr>
+              <a:t>Image: </a:t>
+            </a:r>
+            <a:r>
+              <a:rPr lang="en-US" sz="1800" dirty="0">
+                <a:latin typeface="+mj-lt"/>
+                <a:ea typeface="Roboto"/>
+                <a:cs typeface="Roboto"/>
+                <a:sym typeface="Roboto"/>
+                <a:hlinkClick r:id="rId4"/>
+              </a:rPr>
+              <a:t>Penny graph 11 </a:t>
+            </a:r>
+            <a:r>
+              <a:rPr lang="en-US" sz="1800" dirty="0" err="1">
+                <a:latin typeface="+mj-lt"/>
+                <a:ea typeface="Roboto"/>
+                <a:cs typeface="Roboto"/>
+                <a:sym typeface="Roboto"/>
+                <a:hlinkClick r:id="rId4"/>
+              </a:rPr>
+              <a:t>nodes.svg</a:t>
+            </a:r>
+            <a:r>
+              <a:rPr lang="en-US" sz="1800" dirty="0">
+                <a:latin typeface="+mj-lt"/>
+                <a:ea typeface="Roboto"/>
+                <a:cs typeface="Roboto"/>
+                <a:sym typeface="Roboto"/>
+              </a:rPr>
+              <a:t> by </a:t>
+            </a:r>
+            <a:r>
+              <a:rPr lang="en-US" dirty="0" err="1">
+                <a:latin typeface="+mj-lt"/>
+                <a:hlinkClick r:id="rId5" tooltip="User:Syp"/>
+              </a:rPr>
+              <a:t>Syp</a:t>
+            </a:r>
+            <a:r>
+              <a:rPr lang="en-US" sz="1800" dirty="0">
+                <a:latin typeface="+mj-lt"/>
+                <a:ea typeface="Roboto"/>
+                <a:cs typeface="Roboto"/>
+                <a:sym typeface="Roboto"/>
+              </a:rPr>
+              <a:t> is licensed under </a:t>
+            </a:r>
+            <a:r>
+              <a:rPr lang="en-US" dirty="0">
+                <a:latin typeface="+mj-lt"/>
+                <a:hlinkClick r:id="rId6"/>
+              </a:rPr>
+              <a:t>CC0 1.0</a:t>
+            </a:r>
+            <a:endParaRPr lang="en-US" sz="1800" dirty="0">
+              <a:latin typeface="+mj-lt"/>
+              <a:ea typeface="Roboto"/>
+              <a:cs typeface="Roboto"/>
+              <a:sym typeface="Roboto"/>
+            </a:endParaRPr>
           </a:p>
         </p:txBody>
       </p:sp>
@@ -4317,10 +4922,9 @@
           <a:lstStyle/>
           <a:p>
             <a:r>
-              <a:rPr lang="en-US" dirty="0" smtClean="0"/>
+              <a:rPr lang="en-US" dirty="0"/>
               <a:t>Exercise #1, cont.</a:t>
             </a:r>
-            <a:endParaRPr lang="en-US" dirty="0"/>
           </a:p>
         </p:txBody>
       </p:sp>
@@ -4347,7 +4951,7 @@
           <a:lstStyle/>
           <a:p>
             <a:r>
-              <a:rPr lang="en-US" dirty="0" smtClean="0"/>
+              <a:rPr lang="en-US" dirty="0"/>
               <a:t>The visualization we want to build contains 27 billion total elements laid out as a cube. There are 3072 files that will be read into the visualization software. Each file is a sub-grid of the full cube that contains 192x129x256 cells</a:t>
             </a:r>
           </a:p>
@@ -4362,11 +4966,11 @@
               <a:buNone/>
             </a:pPr>
             <a:r>
-              <a:rPr lang="en-US" dirty="0" err="1" smtClean="0"/>
+              <a:rPr lang="en-US" dirty="0" err="1"/>
               <a:t>OpenMP</a:t>
             </a:r>
             <a:r>
-              <a:rPr lang="en-US" dirty="0" smtClean="0"/>
+              <a:rPr lang="en-US" dirty="0"/>
               <a:t>, MPI, or hybrid?</a:t>
             </a:r>
           </a:p>
@@ -4375,41 +4979,117 @@
               <a:buNone/>
             </a:pPr>
             <a:r>
-              <a:rPr lang="en-US" dirty="0" smtClean="0"/>
+              <a:rPr lang="en-US" dirty="0"/>
               <a:t>WHY?</a:t>
             </a:r>
-            <a:endParaRPr lang="en-US" dirty="0"/>
+          </a:p>
+        </p:txBody>
+      </p:sp>
+      <p:sp>
+        <p:nvSpPr>
+          <p:cNvPr id="7" name="TextBox 6">
+            <a:extLst>
+              <a:ext uri="{FF2B5EF4-FFF2-40B4-BE49-F238E27FC236}">
+                <a16:creationId xmlns:a16="http://schemas.microsoft.com/office/drawing/2014/main" id="{9C8067CA-1D14-4A2D-91E6-01530EC198E8}"/>
+              </a:ext>
+            </a:extLst>
+          </p:cNvPr>
+          <p:cNvSpPr txBox="1"/>
+          <p:nvPr/>
+        </p:nvSpPr>
+        <p:spPr>
+          <a:xfrm>
+            <a:off x="5123468" y="5479832"/>
+            <a:ext cx="3850850" cy="646331"/>
+          </a:xfrm>
+          <a:prstGeom prst="rect">
+            <a:avLst/>
+          </a:prstGeom>
+          <a:noFill/>
+        </p:spPr>
+        <p:txBody>
+          <a:bodyPr wrap="square">
+            <a:spAutoFit/>
+          </a:bodyPr>
+          <a:lstStyle/>
+          <a:p>
+            <a:pPr lvl="0"/>
+            <a:r>
+              <a:rPr lang="en-US" sz="1800" dirty="0">
+                <a:latin typeface="+mj-lt"/>
+                <a:ea typeface="Roboto"/>
+                <a:cs typeface="Roboto"/>
+                <a:sym typeface="Roboto"/>
+              </a:rPr>
+              <a:t>Image: </a:t>
+            </a:r>
+            <a:r>
+              <a:rPr lang="en-US" sz="1800" dirty="0">
+                <a:latin typeface="+mj-lt"/>
+                <a:ea typeface="Roboto"/>
+                <a:cs typeface="Roboto"/>
+                <a:sym typeface="Roboto"/>
+                <a:hlinkClick r:id="rId2"/>
+              </a:rPr>
+              <a:t>Nested Winding Cubic</a:t>
+            </a:r>
+            <a:r>
+              <a:rPr lang="en-US" sz="1800" dirty="0">
+                <a:latin typeface="+mj-lt"/>
+                <a:ea typeface="Roboto"/>
+                <a:cs typeface="Roboto"/>
+                <a:sym typeface="Roboto"/>
+              </a:rPr>
+              <a:t> is in the public domain</a:t>
+            </a:r>
           </a:p>
         </p:txBody>
       </p:sp>
       <p:pic>
         <p:nvPicPr>
-          <p:cNvPr id="5" name="Picture 4" descr="colormap11.jpg"/>
+          <p:cNvPr id="2050" name="Picture 2" descr="Nested, Winding, Cubic, Cube, Hexagon, Cover, Deception">
+            <a:extLst>
+              <a:ext uri="{FF2B5EF4-FFF2-40B4-BE49-F238E27FC236}">
+                <a16:creationId xmlns:a16="http://schemas.microsoft.com/office/drawing/2014/main" id="{4FEA67AC-A278-48C5-BD94-C907857ED7B6}"/>
+              </a:ext>
+            </a:extLst>
+          </p:cNvPr>
           <p:cNvPicPr>
-            <a:picLocks noChangeAspect="1"/>
+            <a:picLocks noChangeAspect="1" noChangeArrowheads="1"/>
           </p:cNvPicPr>
           <p:nvPr/>
         </p:nvPicPr>
         <p:blipFill>
-          <a:blip r:embed="rId2">
+          <a:blip r:embed="rId3">
             <a:extLst>
               <a:ext uri="{28A0092B-C50C-407E-A947-70E740481C1C}">
                 <a14:useLocalDpi xmlns:a14="http://schemas.microsoft.com/office/drawing/2010/main" val="0"/>
               </a:ext>
             </a:extLst>
           </a:blip>
+          <a:srcRect/>
           <a:stretch>
             <a:fillRect/>
           </a:stretch>
         </p:blipFill>
-        <p:spPr>
+        <p:spPr bwMode="auto">
           <a:xfrm>
-            <a:off x="5099538" y="2261117"/>
-            <a:ext cx="3868615" cy="3038538"/>
+            <a:off x="5334393" y="2538167"/>
+            <a:ext cx="3429000" cy="2743200"/>
           </a:xfrm>
           <a:prstGeom prst="rect">
             <a:avLst/>
           </a:prstGeom>
+          <a:noFill/>
+          <a:extLst>
+            <a:ext uri="{909E8E84-426E-40DD-AFC4-6F175D3DCCD1}">
+              <a14:hiddenFill xmlns:a14="http://schemas.microsoft.com/office/drawing/2010/main">
+                <a:solidFill>
+                  <a:srgbClr val="FFFFFF"/>
+                </a:solidFill>
+              </a14:hiddenFill>
+            </a:ext>
+          </a:extLst>
         </p:spPr>
       </p:pic>
     </p:spTree>
@@ -4458,10 +5138,9 @@
           <a:lstStyle/>
           <a:p>
             <a:r>
-              <a:rPr lang="en-US" dirty="0" smtClean="0"/>
+              <a:rPr lang="en-US" dirty="0"/>
               <a:t>Exercise #1, cont.</a:t>
             </a:r>
-            <a:endParaRPr lang="en-US" dirty="0"/>
           </a:p>
         </p:txBody>
       </p:sp>
@@ -4488,7 +5167,7 @@
           <a:lstStyle/>
           <a:p>
             <a:r>
-              <a:rPr lang="en-US" dirty="0" smtClean="0"/>
+              <a:rPr lang="en-US" dirty="0"/>
               <a:t>We want to run 8 completely different chemical reactions and from the data gathered, we can the build the output molecular model. Two additional pieces of information are gathered from each chemical reaction: the final amount of the reactant and the final amount of the product</a:t>
             </a:r>
           </a:p>
@@ -4503,11 +5182,11 @@
               <a:buNone/>
             </a:pPr>
             <a:r>
-              <a:rPr lang="en-US" sz="4000" dirty="0" err="1" smtClean="0"/>
+              <a:rPr lang="en-US" sz="4000" dirty="0" err="1"/>
               <a:t>OpenMP</a:t>
             </a:r>
             <a:r>
-              <a:rPr lang="en-US" sz="4000" dirty="0" smtClean="0"/>
+              <a:rPr lang="en-US" sz="4000" dirty="0"/>
               <a:t>, MPI, or hybrid?</a:t>
             </a:r>
           </a:p>
@@ -4516,37 +5195,131 @@
               <a:buNone/>
             </a:pPr>
             <a:r>
-              <a:rPr lang="en-US" sz="4000" dirty="0" smtClean="0"/>
+              <a:rPr lang="en-US" sz="4000" dirty="0"/>
               <a:t>WHY?</a:t>
             </a:r>
-            <a:endParaRPr lang="en-US" sz="4000" dirty="0"/>
           </a:p>
         </p:txBody>
       </p:sp>
       <p:pic>
         <p:nvPicPr>
-          <p:cNvPr id="6" name="image22.png"/>
-          <p:cNvPicPr/>
+          <p:cNvPr id="5" name="Picture 4">
+            <a:extLst>
+              <a:ext uri="{FF2B5EF4-FFF2-40B4-BE49-F238E27FC236}">
+                <a16:creationId xmlns:a16="http://schemas.microsoft.com/office/drawing/2014/main" id="{13AF5F2D-121D-412D-9D94-6AF5B95DFFAD}"/>
+              </a:ext>
+            </a:extLst>
+          </p:cNvPr>
+          <p:cNvPicPr>
+            <a:picLocks noChangeAspect="1"/>
+          </p:cNvPicPr>
           <p:nvPr/>
         </p:nvPicPr>
         <p:blipFill>
           <a:blip r:embed="rId2"/>
-          <a:srcRect/>
           <a:stretch>
             <a:fillRect/>
           </a:stretch>
         </p:blipFill>
         <p:spPr>
           <a:xfrm>
-            <a:off x="4910027" y="2102466"/>
-            <a:ext cx="3835565" cy="3099137"/>
+            <a:off x="4646610" y="1600200"/>
+            <a:ext cx="4163931" cy="2921045"/>
           </a:xfrm>
           <a:prstGeom prst="rect">
             <a:avLst/>
           </a:prstGeom>
-          <a:ln/>
         </p:spPr>
       </p:pic>
+      <p:sp>
+        <p:nvSpPr>
+          <p:cNvPr id="7" name="TextBox 6">
+            <a:extLst>
+              <a:ext uri="{FF2B5EF4-FFF2-40B4-BE49-F238E27FC236}">
+                <a16:creationId xmlns:a16="http://schemas.microsoft.com/office/drawing/2014/main" id="{24E28F68-B645-404E-AB95-DE912F54FF9E}"/>
+              </a:ext>
+            </a:extLst>
+          </p:cNvPr>
+          <p:cNvSpPr txBox="1"/>
+          <p:nvPr/>
+        </p:nvSpPr>
+        <p:spPr>
+          <a:xfrm>
+            <a:off x="4572000" y="4521245"/>
+            <a:ext cx="4572000" cy="646331"/>
+          </a:xfrm>
+          <a:prstGeom prst="rect">
+            <a:avLst/>
+          </a:prstGeom>
+          <a:noFill/>
+        </p:spPr>
+        <p:txBody>
+          <a:bodyPr wrap="square">
+            <a:spAutoFit/>
+          </a:bodyPr>
+          <a:lstStyle/>
+          <a:p>
+            <a:pPr lvl="0"/>
+            <a:r>
+              <a:rPr lang="en-US" sz="1800" dirty="0">
+                <a:latin typeface="+mj-lt"/>
+                <a:ea typeface="Roboto"/>
+                <a:cs typeface="Roboto"/>
+                <a:sym typeface="Roboto"/>
+              </a:rPr>
+              <a:t>Image: </a:t>
+            </a:r>
+            <a:r>
+              <a:rPr lang="en-US" sz="1800" dirty="0">
+                <a:latin typeface="+mj-lt"/>
+                <a:ea typeface="Roboto"/>
+                <a:cs typeface="Roboto"/>
+                <a:sym typeface="Roboto"/>
+                <a:hlinkClick r:id="rId3"/>
+              </a:rPr>
+              <a:t>Fructose 3D ball-and-stick model.png</a:t>
+            </a:r>
+            <a:r>
+              <a:rPr lang="en-US" sz="1800" dirty="0">
+                <a:latin typeface="+mj-lt"/>
+                <a:ea typeface="Roboto"/>
+                <a:cs typeface="Roboto"/>
+                <a:sym typeface="Roboto"/>
+              </a:rPr>
+              <a:t> by </a:t>
+            </a:r>
+            <a:r>
+              <a:rPr lang="en-US" dirty="0">
+                <a:latin typeface="+mj-lt"/>
+                <a:hlinkClick r:id="rId4" tooltip="User:Syp"/>
+              </a:rPr>
+              <a:t>That kiwi guy</a:t>
+            </a:r>
+            <a:r>
+              <a:rPr lang="en-US" sz="1800" dirty="0">
+                <a:latin typeface="+mj-lt"/>
+                <a:ea typeface="Roboto"/>
+                <a:cs typeface="Roboto"/>
+                <a:sym typeface="Roboto"/>
+              </a:rPr>
+              <a:t> is licensed under </a:t>
+            </a:r>
+            <a:r>
+              <a:rPr lang="en-US" dirty="0">
+                <a:latin typeface="+mj-lt"/>
+                <a:hlinkClick r:id="rId5"/>
+              </a:rPr>
+              <a:t>CC-BY-SA-3.0</a:t>
+            </a:r>
+            <a:endParaRPr lang="en-US" sz="1800" dirty="0">
+              <a:latin typeface="+mj-lt"/>
+              <a:ea typeface="Roboto"/>
+              <a:cs typeface="Roboto"/>
+              <a:sym typeface="Roboto"/>
+            </a:endParaRPr>
+          </a:p>
+        </p:txBody>
+      </p:sp>
     </p:spTree>
     <p:extLst>
       <p:ext uri="{BB962C8B-B14F-4D97-AF65-F5344CB8AC3E}">
@@ -4595,19 +5368,19 @@
           <a:lstStyle/>
           <a:p>
             <a:r>
-              <a:rPr lang="en-US" dirty="0" smtClean="0"/>
+              <a:rPr lang="en-US" dirty="0"/>
               <a:t>Exercise #2: Running Applications with </a:t>
             </a:r>
             <a:r>
-              <a:rPr lang="en-US" dirty="0" err="1" smtClean="0"/>
+              <a:rPr lang="en-US" dirty="0" err="1"/>
               <a:t>OpenMP</a:t>
             </a:r>
             <a:r>
-              <a:rPr lang="en-US" dirty="0" smtClean="0"/>
+              <a:rPr lang="en-US" dirty="0"/>
               <a:t>, MPI, and </a:t>
             </a:r>
             <a:r>
-              <a:rPr lang="en-US" dirty="0" err="1" smtClean="0"/>
+              <a:rPr lang="en-US" dirty="0" err="1"/>
               <a:t>OpenMP+MPI</a:t>
             </a:r>
             <a:endParaRPr lang="en-US" dirty="0"/>
@@ -4632,38 +5405,37 @@
           <a:lstStyle/>
           <a:p>
             <a:r>
-              <a:rPr lang="en-US" dirty="0" smtClean="0"/>
+              <a:rPr lang="en-US" dirty="0"/>
               <a:t>This example involves running numerous different applications with </a:t>
             </a:r>
             <a:r>
-              <a:rPr lang="en-US" dirty="0" err="1" smtClean="0"/>
+              <a:rPr lang="en-US" dirty="0" err="1"/>
               <a:t>OpenMP</a:t>
             </a:r>
             <a:r>
-              <a:rPr lang="en-US" dirty="0" smtClean="0"/>
+              <a:rPr lang="en-US" dirty="0"/>
               <a:t>, with MPI, and with hybrid </a:t>
             </a:r>
             <a:r>
-              <a:rPr lang="en-US" dirty="0" err="1" smtClean="0"/>
+              <a:rPr lang="en-US" dirty="0" err="1"/>
               <a:t>OpenMP+MPI</a:t>
             </a:r>
             <a:r>
-              <a:rPr lang="en-US" dirty="0" smtClean="0"/>
+              <a:rPr lang="en-US" dirty="0"/>
               <a:t> to see which version works the best for each application</a:t>
             </a:r>
           </a:p>
           <a:p>
             <a:r>
-              <a:rPr lang="en-US" dirty="0" smtClean="0"/>
+              <a:rPr lang="en-US" dirty="0"/>
               <a:t>Analyze the results from the combination of version and application as well as the scalability of each application with each version</a:t>
             </a:r>
           </a:p>
           <a:p>
             <a:r>
-              <a:rPr lang="en-US" dirty="0" smtClean="0"/>
+              <a:rPr lang="en-US" dirty="0"/>
               <a:t>Instructions are in Exercise Instructions document</a:t>
             </a:r>
-            <a:endParaRPr lang="en-US" dirty="0"/>
           </a:p>
         </p:txBody>
       </p:sp>
@@ -4756,23 +5528,7 @@
                 <a:ea typeface="Times New Roman" charset="0"/>
                 <a:cs typeface="Times New Roman" charset="0"/>
               </a:rPr>
-              <a:t>CC </a:t>
-            </a:r>
-            <a:r>
-              <a:rPr lang="en-US" sz="2100" dirty="0">
-                <a:latin typeface="Times New Roman" charset="0"/>
-                <a:ea typeface="Times New Roman" charset="0"/>
-                <a:cs typeface="Times New Roman" charset="0"/>
-              </a:rPr>
-              <a:t>BY-SA </a:t>
-            </a:r>
-            <a:r>
-              <a:rPr lang="en-US" sz="2100" dirty="0">
-                <a:latin typeface="Times New Roman" charset="0"/>
-                <a:ea typeface="Times New Roman" charset="0"/>
-                <a:cs typeface="Times New Roman" charset="0"/>
-              </a:rPr>
-              <a:t>4.0. To view a copy of this license, visit </a:t>
+              <a:t>CC BY-SA 4.0. To view a copy of this license, visit </a:t>
             </a:r>
             <a:r>
               <a:rPr lang="en-US" sz="2100" dirty="0">
@@ -4781,24 +5537,7 @@
                 <a:cs typeface="Times New Roman" charset="0"/>
                 <a:hlinkClick r:id="rId2"/>
               </a:rPr>
-              <a:t>https://</a:t>
-            </a:r>
-            <a:r>
-              <a:rPr lang="en-US" sz="2100" dirty="0">
-                <a:latin typeface="Times New Roman" charset="0"/>
-                <a:ea typeface="Times New Roman" charset="0"/>
-                <a:cs typeface="Times New Roman" charset="0"/>
-                <a:hlinkClick r:id="rId2"/>
-              </a:rPr>
-              <a:t>creativecommons.org/licenses/by-sa/4.0</a:t>
-            </a:r>
-            <a:r>
-              <a:rPr lang="en-US" sz="2100" dirty="0">
-                <a:latin typeface="Times New Roman" charset="0"/>
-                <a:ea typeface="Times New Roman" charset="0"/>
-                <a:cs typeface="Times New Roman" charset="0"/>
-              </a:rPr>
-              <a:t/>
+              <a:t>https://creativecommons.org/licenses/by-sa/4.0</a:t>
             </a:r>
             <a:br>
               <a:rPr lang="en-US" sz="2100" dirty="0">
@@ -4807,14 +5546,6 @@
                 <a:cs typeface="Times New Roman" charset="0"/>
               </a:rPr>
             </a:br>
-            <a:r>
-              <a:rPr lang="en-US" sz="2100" dirty="0">
-                <a:latin typeface="Times New Roman" charset="0"/>
-                <a:ea typeface="Times New Roman" charset="0"/>
-                <a:cs typeface="Times New Roman" charset="0"/>
-              </a:rPr>
-              <a:t/>
-            </a:r>
             <a:br>
               <a:rPr lang="en-US" sz="2100" dirty="0">
                 <a:latin typeface="Times New Roman" charset="0"/>
@@ -4839,14 +5570,6 @@
               </a:rPr>
               <a:t>http://shodor.org/petascale/materials/semester-curriculum</a:t>
             </a:r>
-            <a:r>
-              <a:rPr lang="en-US" sz="2100" dirty="0">
-                <a:latin typeface="Times New Roman" charset="0"/>
-                <a:ea typeface="Times New Roman" charset="0"/>
-                <a:cs typeface="Times New Roman" charset="0"/>
-              </a:rPr>
-              <a:t/>
-            </a:r>
             <a:br>
               <a:rPr lang="en-US" sz="2100" dirty="0">
                 <a:latin typeface="Times New Roman" charset="0"/>
@@ -4854,14 +5577,6 @@
                 <a:cs typeface="Times New Roman" charset="0"/>
               </a:rPr>
             </a:br>
-            <a:r>
-              <a:rPr lang="en-US" sz="2100" dirty="0">
-                <a:latin typeface="Times New Roman" charset="0"/>
-                <a:ea typeface="Times New Roman" charset="0"/>
-                <a:cs typeface="Times New Roman" charset="0"/>
-              </a:rPr>
-              <a:t/>
-            </a:r>
             <a:br>
               <a:rPr lang="en-US" sz="2100" dirty="0">
                 <a:latin typeface="Times New Roman" charset="0"/>
@@ -4886,14 +5601,6 @@
               </a:rPr>
               <a:t>https://github.com/shodor-education/petascale-semester-curriculum</a:t>
             </a:r>
-            <a:r>
-              <a:rPr lang="en-US" sz="2100" dirty="0">
-                <a:latin typeface="Times New Roman" charset="0"/>
-                <a:ea typeface="Times New Roman" charset="0"/>
-                <a:cs typeface="Times New Roman" charset="0"/>
-              </a:rPr>
-              <a:t/>
-            </a:r>
             <a:br>
               <a:rPr lang="en-US" sz="2100" dirty="0">
                 <a:latin typeface="Times New Roman" charset="0"/>
@@ -4901,14 +5608,6 @@
                 <a:cs typeface="Times New Roman" charset="0"/>
               </a:rPr>
             </a:br>
-            <a:r>
-              <a:rPr lang="en-US" sz="2100" dirty="0">
-                <a:latin typeface="Times New Roman" charset="0"/>
-                <a:ea typeface="Times New Roman" charset="0"/>
-                <a:cs typeface="Times New Roman" charset="0"/>
-              </a:rPr>
-              <a:t/>
-            </a:r>
             <a:br>
               <a:rPr lang="en-US" sz="2100" dirty="0">
                 <a:latin typeface="Times New Roman" charset="0"/>
@@ -4987,10 +5686,9 @@
           <a:lstStyle/>
           <a:p>
             <a:r>
-              <a:rPr lang="en-US" dirty="0" smtClean="0"/>
+              <a:rPr lang="en-US" dirty="0"/>
               <a:t>Goal</a:t>
             </a:r>
-            <a:endParaRPr lang="en-US" dirty="0"/>
           </a:p>
         </p:txBody>
       </p:sp>
@@ -5012,44 +5710,43 @@
           <a:lstStyle/>
           <a:p>
             <a:r>
-              <a:rPr lang="en-US" dirty="0" smtClean="0"/>
+              <a:rPr lang="en-US" dirty="0"/>
               <a:t>Here, we are going to look at the higher level concepts associated with programming for shared memory and distributed memory combined</a:t>
             </a:r>
           </a:p>
           <a:p>
             <a:r>
-              <a:rPr lang="en-US" dirty="0" smtClean="0"/>
+              <a:rPr lang="en-US" dirty="0"/>
               <a:t>Look at when to use a hybrid </a:t>
             </a:r>
             <a:r>
-              <a:rPr lang="en-US" dirty="0" err="1" smtClean="0"/>
+              <a:rPr lang="en-US" dirty="0" err="1"/>
               <a:t>OpenMP+MPI</a:t>
             </a:r>
             <a:r>
-              <a:rPr lang="en-US" dirty="0" smtClean="0"/>
+              <a:rPr lang="en-US" dirty="0"/>
               <a:t> model vs. an </a:t>
             </a:r>
             <a:r>
-              <a:rPr lang="en-US" dirty="0" err="1" smtClean="0"/>
+              <a:rPr lang="en-US" dirty="0" err="1"/>
               <a:t>OpenMP</a:t>
             </a:r>
             <a:r>
-              <a:rPr lang="en-US" dirty="0" smtClean="0"/>
+              <a:rPr lang="en-US" dirty="0"/>
               <a:t> model vs. an MPI model</a:t>
             </a:r>
           </a:p>
           <a:p>
             <a:r>
-              <a:rPr lang="en-US" dirty="0" smtClean="0"/>
+              <a:rPr lang="en-US" dirty="0"/>
               <a:t>Refresh: What is shared memory? What are examples of when it’s useful?</a:t>
             </a:r>
           </a:p>
           <a:p>
             <a:r>
-              <a:rPr lang="en-US" dirty="0" smtClean="0"/>
+              <a:rPr lang="en-US" dirty="0"/>
               <a:t>Refresh: What is distributed memory? What are examples of when it’s useful?</a:t>
             </a:r>
-            <a:endParaRPr lang="en-US" dirty="0"/>
           </a:p>
         </p:txBody>
       </p:sp>
@@ -5099,10 +5796,9 @@
           <a:lstStyle/>
           <a:p>
             <a:r>
-              <a:rPr lang="en-US" dirty="0" smtClean="0"/>
+              <a:rPr lang="en-US" dirty="0"/>
               <a:t>Introduction</a:t>
             </a:r>
-            <a:endParaRPr lang="en-US" dirty="0"/>
           </a:p>
         </p:txBody>
       </p:sp>
@@ -5122,20 +5818,20 @@
           <a:lstStyle/>
           <a:p>
             <a:r>
-              <a:rPr lang="en-US" dirty="0" smtClean="0"/>
+              <a:rPr lang="en-US" dirty="0"/>
               <a:t>Hybrid parallelism maximizes of the strengths of distributed memory and shared memory at the same time</a:t>
             </a:r>
           </a:p>
           <a:p>
             <a:r>
-              <a:rPr lang="en-US" dirty="0" smtClean="0"/>
+              <a:rPr lang="en-US" dirty="0"/>
               <a:t>One possible combination of programming models for this is </a:t>
             </a:r>
             <a:r>
-              <a:rPr lang="en-US" dirty="0" err="1" smtClean="0"/>
+              <a:rPr lang="en-US" dirty="0" err="1"/>
               <a:t>OpenMP+MPI</a:t>
             </a:r>
-            <a:endParaRPr lang="en-US" dirty="0" smtClean="0"/>
+            <a:endParaRPr lang="en-US" dirty="0"/>
           </a:p>
           <a:p>
             <a:pPr marL="0" indent="0">
@@ -5193,10 +5889,9 @@
           <a:lstStyle/>
           <a:p>
             <a:r>
-              <a:rPr lang="en-US" dirty="0" smtClean="0"/>
+              <a:rPr lang="en-US" dirty="0"/>
               <a:t>Why Hybrid Parallelism over Other Types?</a:t>
             </a:r>
-            <a:endParaRPr lang="en-US" dirty="0"/>
           </a:p>
         </p:txBody>
       </p:sp>
@@ -5218,19 +5913,19 @@
           <a:lstStyle/>
           <a:p>
             <a:r>
-              <a:rPr lang="en-US" dirty="0" smtClean="0"/>
+              <a:rPr lang="en-US" dirty="0"/>
               <a:t>Works well for complex problems that can split data up across distributed memory and do a large number of complex computations</a:t>
             </a:r>
           </a:p>
           <a:p>
             <a:r>
-              <a:rPr lang="en-US" dirty="0" smtClean="0"/>
+              <a:rPr lang="en-US" dirty="0"/>
               <a:t>Works for problems that would take too long to run or wouldn’t be feasible without using the maximum amount of parallelism possible</a:t>
             </a:r>
           </a:p>
           <a:p>
             <a:r>
-              <a:rPr lang="en-US" dirty="0" smtClean="0"/>
+              <a:rPr lang="en-US" dirty="0"/>
               <a:t>Works for problems that can be divided across distributed memory and those disjoint parts (with some communication) can be split across multiple threads</a:t>
             </a:r>
           </a:p>
@@ -5288,10 +5983,9 @@
           <a:lstStyle/>
           <a:p>
             <a:r>
-              <a:rPr lang="en-US" dirty="0" smtClean="0"/>
+              <a:rPr lang="en-US" dirty="0"/>
               <a:t>How Does it Work?</a:t>
             </a:r>
-            <a:endParaRPr lang="en-US" dirty="0"/>
           </a:p>
         </p:txBody>
       </p:sp>
@@ -5313,24 +6007,23 @@
           <a:lstStyle/>
           <a:p>
             <a:r>
-              <a:rPr lang="en-US" sz="2400" dirty="0" smtClean="0"/>
+              <a:rPr lang="en-US" sz="2400" dirty="0"/>
               <a:t>Multiple MPI processes exist and each process forks into multiple </a:t>
             </a:r>
             <a:r>
-              <a:rPr lang="en-US" sz="2400" dirty="0" err="1" smtClean="0"/>
+              <a:rPr lang="en-US" sz="2400" dirty="0" err="1"/>
               <a:t>OpenMP</a:t>
             </a:r>
             <a:r>
-              <a:rPr lang="en-US" sz="2400" dirty="0" smtClean="0"/>
+              <a:rPr lang="en-US" sz="2400" dirty="0"/>
               <a:t> threads</a:t>
             </a:r>
           </a:p>
           <a:p>
             <a:r>
-              <a:rPr lang="en-US" sz="2400" dirty="0" smtClean="0"/>
+              <a:rPr lang="en-US" sz="2400" dirty="0"/>
               <a:t>Threads of one process are able to share memory with each other, but those threads cannot share memory with threads of another process; thus, messages must be passed back and forth to share data</a:t>
             </a:r>
-            <a:endParaRPr lang="en-US" sz="2400" dirty="0"/>
           </a:p>
         </p:txBody>
       </p:sp>
@@ -7807,10 +8500,9 @@
           </a:lstStyle>
           <a:p>
             <a:r>
-              <a:rPr lang="en-US" dirty="0" smtClean="0"/>
+              <a:rPr lang="en-US" dirty="0"/>
               <a:t>Exercises</a:t>
             </a:r>
-            <a:endParaRPr lang="en-US" dirty="0"/>
           </a:p>
         </p:txBody>
       </p:sp>
@@ -7860,10 +8552,9 @@
           <a:lstStyle/>
           <a:p>
             <a:r>
-              <a:rPr lang="en-US" dirty="0" smtClean="0"/>
+              <a:rPr lang="en-US" dirty="0"/>
               <a:t>Exercise #1: When to Use Hybrid?</a:t>
             </a:r>
-            <a:endParaRPr lang="en-US" dirty="0"/>
           </a:p>
         </p:txBody>
       </p:sp>
@@ -7885,24 +8576,23 @@
           <a:lstStyle/>
           <a:p>
             <a:r>
-              <a:rPr lang="en-US" dirty="0" smtClean="0"/>
+              <a:rPr lang="en-US" dirty="0"/>
               <a:t>Now that we understand what hybrid parallelism is and why you might use it, let’s look at some examples and see if we can figure out what type of parallelism would be the most useful for each: shared memory, distributed memory, or hybrid </a:t>
             </a:r>
             <a:r>
-              <a:rPr lang="en-US" dirty="0" err="1" smtClean="0"/>
+              <a:rPr lang="en-US" dirty="0" err="1"/>
               <a:t>shared+distributed</a:t>
             </a:r>
             <a:r>
-              <a:rPr lang="en-US" dirty="0" smtClean="0"/>
+              <a:rPr lang="en-US" dirty="0"/>
               <a:t> memory</a:t>
             </a:r>
           </a:p>
           <a:p>
             <a:r>
-              <a:rPr lang="en-US" dirty="0" smtClean="0"/>
+              <a:rPr lang="en-US" dirty="0"/>
               <a:t>Note that there are many times where any type of parallelism would provide some type of speedup, but the goal is to find the right type of parallelism for the specific problem you’re looking at</a:t>
             </a:r>
-            <a:endParaRPr lang="en-US" dirty="0"/>
           </a:p>
         </p:txBody>
       </p:sp>
@@ -7952,10 +8642,9 @@
           <a:lstStyle/>
           <a:p>
             <a:r>
-              <a:rPr lang="en-US" dirty="0" smtClean="0"/>
+              <a:rPr lang="en-US" dirty="0"/>
               <a:t>Exercise #1, cont.</a:t>
             </a:r>
-            <a:endParaRPr lang="en-US" dirty="0"/>
           </a:p>
         </p:txBody>
       </p:sp>
@@ -7982,7 +8671,7 @@
           <a:lstStyle/>
           <a:p>
             <a:r>
-              <a:rPr lang="en-US" dirty="0" smtClean="0"/>
+              <a:rPr lang="en-US" dirty="0"/>
               <a:t>An astronomical model where we want to analyze 16 disjoint galaxies. Calculations will be run on every individual star in each galaxy</a:t>
             </a:r>
           </a:p>
@@ -7997,11 +8686,11 @@
               <a:buNone/>
             </a:pPr>
             <a:r>
-              <a:rPr lang="en-US" dirty="0" err="1" smtClean="0"/>
+              <a:rPr lang="en-US" dirty="0" err="1"/>
               <a:t>OpenMP</a:t>
             </a:r>
             <a:r>
-              <a:rPr lang="en-US" dirty="0" smtClean="0"/>
+              <a:rPr lang="en-US" dirty="0"/>
               <a:t>, MPI, or hybrid?</a:t>
             </a:r>
           </a:p>
@@ -8010,37 +8699,137 @@
               <a:buNone/>
             </a:pPr>
             <a:r>
-              <a:rPr lang="en-US" dirty="0" smtClean="0"/>
+              <a:rPr lang="en-US" dirty="0"/>
               <a:t>WHY?</a:t>
             </a:r>
-            <a:endParaRPr lang="en-US" dirty="0"/>
           </a:p>
         </p:txBody>
       </p:sp>
       <p:pic>
         <p:nvPicPr>
-          <p:cNvPr id="4" name="image18.png"/>
-          <p:cNvPicPr/>
+          <p:cNvPr id="6" name="Picture 5">
+            <a:extLst>
+              <a:ext uri="{FF2B5EF4-FFF2-40B4-BE49-F238E27FC236}">
+                <a16:creationId xmlns:a16="http://schemas.microsoft.com/office/drawing/2014/main" id="{76B9FD30-636B-4ABC-A8B3-F016E6629193}"/>
+              </a:ext>
+            </a:extLst>
+          </p:cNvPr>
+          <p:cNvPicPr>
+            <a:picLocks noChangeAspect="1"/>
+          </p:cNvPicPr>
           <p:nvPr/>
         </p:nvPicPr>
         <p:blipFill>
           <a:blip r:embed="rId2"/>
-          <a:srcRect/>
           <a:stretch>
             <a:fillRect/>
           </a:stretch>
         </p:blipFill>
         <p:spPr>
           <a:xfrm>
-            <a:off x="5060931" y="1973383"/>
-            <a:ext cx="3625869" cy="2906795"/>
+            <a:off x="5173744" y="1600200"/>
+            <a:ext cx="3598525" cy="2366030"/>
           </a:xfrm>
           <a:prstGeom prst="rect">
             <a:avLst/>
           </a:prstGeom>
-          <a:ln/>
         </p:spPr>
       </p:pic>
+      <p:sp>
+        <p:nvSpPr>
+          <p:cNvPr id="8" name="TextBox 7">
+            <a:extLst>
+              <a:ext uri="{FF2B5EF4-FFF2-40B4-BE49-F238E27FC236}">
+                <a16:creationId xmlns:a16="http://schemas.microsoft.com/office/drawing/2014/main" id="{01C82D10-FFF0-4BD9-A334-832DA0E76CC4}"/>
+              </a:ext>
+            </a:extLst>
+          </p:cNvPr>
+          <p:cNvSpPr txBox="1"/>
+          <p:nvPr/>
+        </p:nvSpPr>
+        <p:spPr>
+          <a:xfrm>
+            <a:off x="4962287" y="4139613"/>
+            <a:ext cx="4572000" cy="646331"/>
+          </a:xfrm>
+          <a:prstGeom prst="rect">
+            <a:avLst/>
+          </a:prstGeom>
+          <a:noFill/>
+        </p:spPr>
+        <p:txBody>
+          <a:bodyPr wrap="square">
+            <a:spAutoFit/>
+          </a:bodyPr>
+          <a:lstStyle/>
+          <a:p>
+            <a:pPr lvl="0"/>
+            <a:r>
+              <a:rPr lang="en-US" sz="1800" dirty="0">
+                <a:latin typeface="+mj-lt"/>
+                <a:ea typeface="Roboto"/>
+                <a:cs typeface="Roboto"/>
+                <a:sym typeface="Roboto"/>
+              </a:rPr>
+              <a:t>Image: </a:t>
+            </a:r>
+            <a:r>
+              <a:rPr lang="en-US" sz="1800" dirty="0">
+                <a:latin typeface="+mj-lt"/>
+                <a:ea typeface="Roboto"/>
+                <a:cs typeface="Roboto"/>
+                <a:sym typeface="Roboto"/>
+                <a:hlinkClick r:id="rId3"/>
+              </a:rPr>
+              <a:t>Andromeda Galaxy (with h-alpha).jpg</a:t>
+            </a:r>
+            <a:r>
+              <a:rPr lang="en-US" sz="1800" dirty="0">
+                <a:latin typeface="+mj-lt"/>
+                <a:ea typeface="Roboto"/>
+                <a:cs typeface="Roboto"/>
+                <a:sym typeface="Roboto"/>
+              </a:rPr>
+              <a:t> by </a:t>
+            </a:r>
+            <a:r>
+              <a:rPr lang="en-US" sz="1800" dirty="0">
+                <a:latin typeface="+mj-lt"/>
+                <a:ea typeface="Roboto"/>
+                <a:cs typeface="Roboto"/>
+                <a:sym typeface="Roboto"/>
+                <a:hlinkClick r:id="rId4"/>
+              </a:rPr>
+              <a:t>Adam Evans</a:t>
+            </a:r>
+            <a:r>
+              <a:rPr lang="en-US" sz="1800" dirty="0">
+                <a:latin typeface="+mj-lt"/>
+                <a:ea typeface="Roboto"/>
+                <a:cs typeface="Roboto"/>
+                <a:sym typeface="Roboto"/>
+              </a:rPr>
+              <a:t> is licensed under </a:t>
+            </a:r>
+            <a:r>
+              <a:rPr lang="en-US" sz="1800" dirty="0">
+                <a:latin typeface="+mj-lt"/>
+                <a:ea typeface="Roboto"/>
+                <a:cs typeface="Roboto"/>
+                <a:sym typeface="Roboto"/>
+                <a:hlinkClick r:id="rId5"/>
+              </a:rPr>
+              <a:t>CC-BY-2.0</a:t>
+            </a:r>
+            <a:endParaRPr lang="en-US" sz="1800" dirty="0">
+              <a:latin typeface="+mj-lt"/>
+              <a:ea typeface="Roboto"/>
+              <a:cs typeface="Roboto"/>
+              <a:sym typeface="Roboto"/>
+            </a:endParaRPr>
+          </a:p>
+        </p:txBody>
+      </p:sp>
     </p:spTree>
     <p:extLst>
       <p:ext uri="{BB962C8B-B14F-4D97-AF65-F5344CB8AC3E}">
